--- a/layout/Layout.pptx
+++ b/layout/Layout.pptx
@@ -7056,6 +7056,556 @@
           </a:p>
         </p:txBody>
       </p:sp>
+      <p:cxnSp>
+        <p:nvCxnSpPr>
+          <p:cNvPr id="29" name="Gerade Verbindung mit Pfeil 28"/>
+          <p:cNvCxnSpPr>
+            <a:cxnSpLocks/>
+          </p:cNvCxnSpPr>
+          <p:nvPr/>
+        </p:nvCxnSpPr>
+        <p:spPr>
+          <a:xfrm flipH="1" flipV="1">
+            <a:off x="6758610" y="2504661"/>
+            <a:ext cx="649355" cy="4572"/>
+          </a:xfrm>
+          <a:prstGeom prst="straightConnector1">
+            <a:avLst/>
+          </a:prstGeom>
+          <a:ln>
+            <a:tailEnd type="triangle"/>
+          </a:ln>
+        </p:spPr>
+        <p:style>
+          <a:lnRef idx="3">
+            <a:schemeClr val="accent2"/>
+          </a:lnRef>
+          <a:fillRef idx="0">
+            <a:schemeClr val="accent2"/>
+          </a:fillRef>
+          <a:effectRef idx="2">
+            <a:schemeClr val="accent2"/>
+          </a:effectRef>
+          <a:fontRef idx="minor">
+            <a:schemeClr val="tx1"/>
+          </a:fontRef>
+        </p:style>
+      </p:cxnSp>
+      <p:sp>
+        <p:nvSpPr>
+          <p:cNvPr id="32" name="Rechteck 31"/>
+          <p:cNvSpPr/>
+          <p:nvPr/>
+        </p:nvSpPr>
+        <p:spPr>
+          <a:xfrm>
+            <a:off x="7407965" y="2233889"/>
+            <a:ext cx="3454279" cy="523220"/>
+          </a:xfrm>
+          <a:prstGeom prst="rect">
+            <a:avLst/>
+          </a:prstGeom>
+          <a:noFill/>
+        </p:spPr>
+        <p:txBody>
+          <a:bodyPr wrap="none" lIns="91440" tIns="45720" rIns="91440" bIns="45720">
+            <a:spAutoFit/>
+          </a:bodyPr>
+          <a:lstStyle/>
+          <a:p>
+            <a:r>
+              <a:rPr lang="de-DE" sz="1400" b="0" cap="none" spc="0" dirty="0">
+                <a:ln w="0"/>
+                <a:solidFill>
+                  <a:schemeClr val="tx1"/>
+                </a:solidFill>
+                <a:effectLst>
+                  <a:outerShdw blurRad="38100" dist="19050" dir="2700000" algn="tl" rotWithShape="0">
+                    <a:schemeClr val="dk1">
+                      <a:alpha val="40000"/>
+                    </a:schemeClr>
+                  </a:outerShdw>
+                </a:effectLst>
+              </a:rPr>
+              <a:t>Hier muss der User die Softwarebezeichnung</a:t>
+            </a:r>
+          </a:p>
+          <a:p>
+            <a:r>
+              <a:rPr lang="de-DE" sz="1400" dirty="0">
+                <a:ln w="0"/>
+                <a:effectLst>
+                  <a:outerShdw blurRad="38100" dist="19050" dir="2700000" algn="tl" rotWithShape="0">
+                    <a:schemeClr val="dk1">
+                      <a:alpha val="40000"/>
+                    </a:schemeClr>
+                  </a:outerShdw>
+                </a:effectLst>
+              </a:rPr>
+              <a:t>d</a:t>
+            </a:r>
+            <a:r>
+              <a:rPr lang="de-DE" sz="1400" b="0" cap="none" spc="0" dirty="0">
+                <a:ln w="0"/>
+                <a:solidFill>
+                  <a:schemeClr val="tx1"/>
+                </a:solidFill>
+                <a:effectLst>
+                  <a:outerShdw blurRad="38100" dist="19050" dir="2700000" algn="tl" rotWithShape="0">
+                    <a:schemeClr val="dk1">
+                      <a:alpha val="40000"/>
+                    </a:schemeClr>
+                  </a:outerShdw>
+                </a:effectLst>
+              </a:rPr>
+              <a:t>er neuen Software eintragen</a:t>
+            </a:r>
+          </a:p>
+        </p:txBody>
+      </p:sp>
+      <p:sp>
+        <p:nvSpPr>
+          <p:cNvPr id="33" name="Rechteck 32"/>
+          <p:cNvSpPr/>
+          <p:nvPr/>
+        </p:nvSpPr>
+        <p:spPr>
+          <a:xfrm>
+            <a:off x="6838122" y="1622055"/>
+            <a:ext cx="4366516" cy="307777"/>
+          </a:xfrm>
+          <a:prstGeom prst="rect">
+            <a:avLst/>
+          </a:prstGeom>
+          <a:noFill/>
+        </p:spPr>
+        <p:txBody>
+          <a:bodyPr wrap="none" lIns="91440" tIns="45720" rIns="91440" bIns="45720">
+            <a:spAutoFit/>
+          </a:bodyPr>
+          <a:lstStyle/>
+          <a:p>
+            <a:r>
+              <a:rPr lang="de-DE" sz="1400" b="0" cap="none" spc="0" dirty="0">
+                <a:ln w="0"/>
+                <a:solidFill>
+                  <a:schemeClr val="tx1"/>
+                </a:solidFill>
+                <a:effectLst>
+                  <a:outerShdw blurRad="38100" dist="38100" dir="2700000" algn="tl">
+                    <a:srgbClr val="000000">
+                      <a:alpha val="43137"/>
+                    </a:srgbClr>
+                  </a:outerShdw>
+                </a:effectLst>
+              </a:rPr>
+              <a:t>Dies ist nur ein Beispiel an Informationen, weitere folgen.</a:t>
+            </a:r>
+          </a:p>
+        </p:txBody>
+      </p:sp>
+      <p:cxnSp>
+        <p:nvCxnSpPr>
+          <p:cNvPr id="34" name="Gerade Verbindung mit Pfeil 33"/>
+          <p:cNvCxnSpPr>
+            <a:cxnSpLocks/>
+            <a:stCxn id="33" idx="1"/>
+          </p:cNvCxnSpPr>
+          <p:nvPr/>
+        </p:nvCxnSpPr>
+        <p:spPr>
+          <a:xfrm flipH="1">
+            <a:off x="6420204" y="1775944"/>
+            <a:ext cx="417918" cy="457945"/>
+          </a:xfrm>
+          <a:prstGeom prst="straightConnector1">
+            <a:avLst/>
+          </a:prstGeom>
+          <a:ln>
+            <a:tailEnd type="triangle"/>
+          </a:ln>
+        </p:spPr>
+        <p:style>
+          <a:lnRef idx="3">
+            <a:schemeClr val="accent2"/>
+          </a:lnRef>
+          <a:fillRef idx="0">
+            <a:schemeClr val="accent2"/>
+          </a:fillRef>
+          <a:effectRef idx="2">
+            <a:schemeClr val="accent2"/>
+          </a:effectRef>
+          <a:fontRef idx="minor">
+            <a:schemeClr val="tx1"/>
+          </a:fontRef>
+        </p:style>
+      </p:cxnSp>
+      <p:cxnSp>
+        <p:nvCxnSpPr>
+          <p:cNvPr id="35" name="Gerade Verbindung mit Pfeil 34"/>
+          <p:cNvCxnSpPr>
+            <a:cxnSpLocks/>
+          </p:cNvCxnSpPr>
+          <p:nvPr/>
+        </p:nvCxnSpPr>
+        <p:spPr>
+          <a:xfrm flipH="1" flipV="1">
+            <a:off x="6758610" y="3450437"/>
+            <a:ext cx="649355" cy="4572"/>
+          </a:xfrm>
+          <a:prstGeom prst="straightConnector1">
+            <a:avLst/>
+          </a:prstGeom>
+          <a:ln>
+            <a:tailEnd type="triangle"/>
+          </a:ln>
+        </p:spPr>
+        <p:style>
+          <a:lnRef idx="3">
+            <a:schemeClr val="accent2"/>
+          </a:lnRef>
+          <a:fillRef idx="0">
+            <a:schemeClr val="accent2"/>
+          </a:fillRef>
+          <a:effectRef idx="2">
+            <a:schemeClr val="accent2"/>
+          </a:effectRef>
+          <a:fontRef idx="minor">
+            <a:schemeClr val="tx1"/>
+          </a:fontRef>
+        </p:style>
+      </p:cxnSp>
+      <p:sp>
+        <p:nvSpPr>
+          <p:cNvPr id="46" name="Rechteck 45"/>
+          <p:cNvSpPr/>
+          <p:nvPr/>
+        </p:nvSpPr>
+        <p:spPr>
+          <a:xfrm>
+            <a:off x="7407965" y="3179665"/>
+            <a:ext cx="3064813" cy="523220"/>
+          </a:xfrm>
+          <a:prstGeom prst="rect">
+            <a:avLst/>
+          </a:prstGeom>
+          <a:noFill/>
+        </p:spPr>
+        <p:txBody>
+          <a:bodyPr wrap="none" lIns="91440" tIns="45720" rIns="91440" bIns="45720">
+            <a:spAutoFit/>
+          </a:bodyPr>
+          <a:lstStyle/>
+          <a:p>
+            <a:r>
+              <a:rPr lang="de-DE" sz="1400" b="0" cap="none" spc="0" dirty="0">
+                <a:ln w="0"/>
+                <a:solidFill>
+                  <a:schemeClr val="tx1"/>
+                </a:solidFill>
+                <a:effectLst>
+                  <a:outerShdw blurRad="38100" dist="19050" dir="2700000" algn="tl" rotWithShape="0">
+                    <a:schemeClr val="dk1">
+                      <a:alpha val="40000"/>
+                    </a:schemeClr>
+                  </a:outerShdw>
+                </a:effectLst>
+              </a:rPr>
+              <a:t>Hier muss der User die Softwareversion</a:t>
+            </a:r>
+          </a:p>
+          <a:p>
+            <a:r>
+              <a:rPr lang="de-DE" sz="1400" dirty="0">
+                <a:ln w="0"/>
+                <a:effectLst>
+                  <a:outerShdw blurRad="38100" dist="19050" dir="2700000" algn="tl" rotWithShape="0">
+                    <a:schemeClr val="dk1">
+                      <a:alpha val="40000"/>
+                    </a:schemeClr>
+                  </a:outerShdw>
+                </a:effectLst>
+              </a:rPr>
+              <a:t>d</a:t>
+            </a:r>
+            <a:r>
+              <a:rPr lang="de-DE" sz="1400" b="0" cap="none" spc="0" dirty="0">
+                <a:ln w="0"/>
+                <a:solidFill>
+                  <a:schemeClr val="tx1"/>
+                </a:solidFill>
+                <a:effectLst>
+                  <a:outerShdw blurRad="38100" dist="19050" dir="2700000" algn="tl" rotWithShape="0">
+                    <a:schemeClr val="dk1">
+                      <a:alpha val="40000"/>
+                    </a:schemeClr>
+                  </a:outerShdw>
+                </a:effectLst>
+              </a:rPr>
+              <a:t>er neuen Software eintragen</a:t>
+            </a:r>
+          </a:p>
+        </p:txBody>
+      </p:sp>
+      <p:cxnSp>
+        <p:nvCxnSpPr>
+          <p:cNvPr id="48" name="Gerade Verbindung mit Pfeil 47"/>
+          <p:cNvCxnSpPr>
+            <a:cxnSpLocks/>
+          </p:cNvCxnSpPr>
+          <p:nvPr/>
+        </p:nvCxnSpPr>
+        <p:spPr>
+          <a:xfrm flipH="1" flipV="1">
+            <a:off x="6830605" y="4502610"/>
+            <a:ext cx="649355" cy="4572"/>
+          </a:xfrm>
+          <a:prstGeom prst="straightConnector1">
+            <a:avLst/>
+          </a:prstGeom>
+          <a:ln>
+            <a:tailEnd type="triangle"/>
+          </a:ln>
+        </p:spPr>
+        <p:style>
+          <a:lnRef idx="3">
+            <a:schemeClr val="accent2"/>
+          </a:lnRef>
+          <a:fillRef idx="0">
+            <a:schemeClr val="accent2"/>
+          </a:fillRef>
+          <a:effectRef idx="2">
+            <a:schemeClr val="accent2"/>
+          </a:effectRef>
+          <a:fontRef idx="minor">
+            <a:schemeClr val="tx1"/>
+          </a:fontRef>
+        </p:style>
+      </p:cxnSp>
+      <p:sp>
+        <p:nvSpPr>
+          <p:cNvPr id="49" name="Rechteck 48"/>
+          <p:cNvSpPr/>
+          <p:nvPr/>
+        </p:nvSpPr>
+        <p:spPr>
+          <a:xfrm>
+            <a:off x="7479960" y="4231838"/>
+            <a:ext cx="2928559" cy="523220"/>
+          </a:xfrm>
+          <a:prstGeom prst="rect">
+            <a:avLst/>
+          </a:prstGeom>
+          <a:noFill/>
+        </p:spPr>
+        <p:txBody>
+          <a:bodyPr wrap="none" lIns="91440" tIns="45720" rIns="91440" bIns="45720">
+            <a:spAutoFit/>
+          </a:bodyPr>
+          <a:lstStyle/>
+          <a:p>
+            <a:r>
+              <a:rPr lang="de-DE" sz="1400" b="0" cap="none" spc="0" dirty="0">
+                <a:ln w="0"/>
+                <a:solidFill>
+                  <a:schemeClr val="tx1"/>
+                </a:solidFill>
+                <a:effectLst>
+                  <a:outerShdw blurRad="38100" dist="19050" dir="2700000" algn="tl" rotWithShape="0">
+                    <a:schemeClr val="dk1">
+                      <a:alpha val="40000"/>
+                    </a:schemeClr>
+                  </a:outerShdw>
+                </a:effectLst>
+              </a:rPr>
+              <a:t>Hier muss der User die Softwarelizenz</a:t>
+            </a:r>
+          </a:p>
+          <a:p>
+            <a:r>
+              <a:rPr lang="de-DE" sz="1400" dirty="0">
+                <a:ln w="0"/>
+                <a:effectLst>
+                  <a:outerShdw blurRad="38100" dist="19050" dir="2700000" algn="tl" rotWithShape="0">
+                    <a:schemeClr val="dk1">
+                      <a:alpha val="40000"/>
+                    </a:schemeClr>
+                  </a:outerShdw>
+                </a:effectLst>
+              </a:rPr>
+              <a:t>d</a:t>
+            </a:r>
+            <a:r>
+              <a:rPr lang="de-DE" sz="1400" b="0" cap="none" spc="0" dirty="0">
+                <a:ln w="0"/>
+                <a:solidFill>
+                  <a:schemeClr val="tx1"/>
+                </a:solidFill>
+                <a:effectLst>
+                  <a:outerShdw blurRad="38100" dist="19050" dir="2700000" algn="tl" rotWithShape="0">
+                    <a:schemeClr val="dk1">
+                      <a:alpha val="40000"/>
+                    </a:schemeClr>
+                  </a:outerShdw>
+                </a:effectLst>
+              </a:rPr>
+              <a:t>er neuen Software eintragen</a:t>
+            </a:r>
+          </a:p>
+        </p:txBody>
+      </p:sp>
+      <p:cxnSp>
+        <p:nvCxnSpPr>
+          <p:cNvPr id="50" name="Gerade Verbindung mit Pfeil 49"/>
+          <p:cNvCxnSpPr>
+            <a:cxnSpLocks/>
+          </p:cNvCxnSpPr>
+          <p:nvPr/>
+        </p:nvCxnSpPr>
+        <p:spPr>
+          <a:xfrm>
+            <a:off x="2501177" y="5884816"/>
+            <a:ext cx="560075" cy="279379"/>
+          </a:xfrm>
+          <a:prstGeom prst="straightConnector1">
+            <a:avLst/>
+          </a:prstGeom>
+          <a:ln>
+            <a:tailEnd type="triangle"/>
+          </a:ln>
+        </p:spPr>
+        <p:style>
+          <a:lnRef idx="3">
+            <a:schemeClr val="accent2"/>
+          </a:lnRef>
+          <a:fillRef idx="0">
+            <a:schemeClr val="accent2"/>
+          </a:fillRef>
+          <a:effectRef idx="2">
+            <a:schemeClr val="accent2"/>
+          </a:effectRef>
+          <a:fontRef idx="minor">
+            <a:schemeClr val="tx1"/>
+          </a:fontRef>
+        </p:style>
+      </p:cxnSp>
+      <p:sp>
+        <p:nvSpPr>
+          <p:cNvPr id="51" name="Rechteck 50"/>
+          <p:cNvSpPr/>
+          <p:nvPr/>
+        </p:nvSpPr>
+        <p:spPr>
+          <a:xfrm>
+            <a:off x="383131" y="5448126"/>
+            <a:ext cx="2462534" cy="738664"/>
+          </a:xfrm>
+          <a:prstGeom prst="rect">
+            <a:avLst/>
+          </a:prstGeom>
+          <a:noFill/>
+        </p:spPr>
+        <p:txBody>
+          <a:bodyPr wrap="square" lIns="91440" tIns="45720" rIns="91440" bIns="45720">
+            <a:spAutoFit/>
+          </a:bodyPr>
+          <a:lstStyle/>
+          <a:p>
+            <a:r>
+              <a:rPr lang="de-DE" sz="1400" b="0" cap="none" spc="0" dirty="0">
+                <a:ln w="0"/>
+                <a:solidFill>
+                  <a:schemeClr val="tx1"/>
+                </a:solidFill>
+                <a:effectLst>
+                  <a:outerShdw blurRad="38100" dist="38100" dir="2700000" algn="tl">
+                    <a:srgbClr val="000000">
+                      <a:alpha val="43137"/>
+                    </a:srgbClr>
+                  </a:outerShdw>
+                </a:effectLst>
+              </a:rPr>
+              <a:t>Beim Klick auf diesen Button werden die eingetragenen Informationen gelöscht</a:t>
+            </a:r>
+          </a:p>
+        </p:txBody>
+      </p:sp>
+      <p:cxnSp>
+        <p:nvCxnSpPr>
+          <p:cNvPr id="52" name="Gerade Verbindung mit Pfeil 51"/>
+          <p:cNvCxnSpPr>
+            <a:cxnSpLocks/>
+          </p:cNvCxnSpPr>
+          <p:nvPr/>
+        </p:nvCxnSpPr>
+        <p:spPr>
+          <a:xfrm flipH="1">
+            <a:off x="6990522" y="5880756"/>
+            <a:ext cx="775252" cy="306034"/>
+          </a:xfrm>
+          <a:prstGeom prst="straightConnector1">
+            <a:avLst/>
+          </a:prstGeom>
+          <a:ln>
+            <a:tailEnd type="triangle"/>
+          </a:ln>
+        </p:spPr>
+        <p:style>
+          <a:lnRef idx="3">
+            <a:schemeClr val="accent2"/>
+          </a:lnRef>
+          <a:fillRef idx="0">
+            <a:schemeClr val="accent2"/>
+          </a:fillRef>
+          <a:effectRef idx="2">
+            <a:schemeClr val="accent2"/>
+          </a:effectRef>
+          <a:fontRef idx="minor">
+            <a:schemeClr val="tx1"/>
+          </a:fontRef>
+        </p:style>
+      </p:cxnSp>
+      <p:sp>
+        <p:nvSpPr>
+          <p:cNvPr id="53" name="Rechteck 52"/>
+          <p:cNvSpPr/>
+          <p:nvPr/>
+        </p:nvSpPr>
+        <p:spPr>
+          <a:xfrm>
+            <a:off x="7765772" y="5713952"/>
+            <a:ext cx="2462534" cy="738664"/>
+          </a:xfrm>
+          <a:prstGeom prst="rect">
+            <a:avLst/>
+          </a:prstGeom>
+          <a:noFill/>
+        </p:spPr>
+        <p:txBody>
+          <a:bodyPr wrap="square" lIns="91440" tIns="45720" rIns="91440" bIns="45720">
+            <a:spAutoFit/>
+          </a:bodyPr>
+          <a:lstStyle/>
+          <a:p>
+            <a:r>
+              <a:rPr lang="de-DE" sz="1400" b="0" cap="none" spc="0" dirty="0">
+                <a:ln w="0"/>
+                <a:solidFill>
+                  <a:schemeClr val="tx1"/>
+                </a:solidFill>
+                <a:effectLst>
+                  <a:outerShdw blurRad="38100" dist="38100" dir="2700000" algn="tl">
+                    <a:srgbClr val="000000">
+                      <a:alpha val="43137"/>
+                    </a:srgbClr>
+                  </a:outerShdw>
+                </a:effectLst>
+              </a:rPr>
+              <a:t>Beim Klick auf diesen Button wird die neue Software in der Datenbank angelegt</a:t>
+            </a:r>
+          </a:p>
+        </p:txBody>
+      </p:sp>
     </p:spTree>
     <p:extLst>
       <p:ext uri="{BB962C8B-B14F-4D97-AF65-F5344CB8AC3E}">
@@ -11662,6 +12212,466 @@
           </a:p>
         </p:txBody>
       </p:sp>
+      <p:cxnSp>
+        <p:nvCxnSpPr>
+          <p:cNvPr id="21" name="Gerade Verbindung mit Pfeil 20"/>
+          <p:cNvCxnSpPr>
+            <a:cxnSpLocks/>
+          </p:cNvCxnSpPr>
+          <p:nvPr/>
+        </p:nvCxnSpPr>
+        <p:spPr>
+          <a:xfrm flipH="1" flipV="1">
+            <a:off x="6758610" y="2504661"/>
+            <a:ext cx="649355" cy="4572"/>
+          </a:xfrm>
+          <a:prstGeom prst="straightConnector1">
+            <a:avLst/>
+          </a:prstGeom>
+          <a:ln>
+            <a:tailEnd type="triangle"/>
+          </a:ln>
+        </p:spPr>
+        <p:style>
+          <a:lnRef idx="3">
+            <a:schemeClr val="accent2"/>
+          </a:lnRef>
+          <a:fillRef idx="0">
+            <a:schemeClr val="accent2"/>
+          </a:fillRef>
+          <a:effectRef idx="2">
+            <a:schemeClr val="accent2"/>
+          </a:effectRef>
+          <a:fontRef idx="minor">
+            <a:schemeClr val="tx1"/>
+          </a:fontRef>
+        </p:style>
+      </p:cxnSp>
+      <p:sp>
+        <p:nvSpPr>
+          <p:cNvPr id="22" name="Rechteck 21"/>
+          <p:cNvSpPr/>
+          <p:nvPr/>
+        </p:nvSpPr>
+        <p:spPr>
+          <a:xfrm>
+            <a:off x="7407965" y="2233889"/>
+            <a:ext cx="2929007" cy="523220"/>
+          </a:xfrm>
+          <a:prstGeom prst="rect">
+            <a:avLst/>
+          </a:prstGeom>
+          <a:noFill/>
+        </p:spPr>
+        <p:txBody>
+          <a:bodyPr wrap="none" lIns="91440" tIns="45720" rIns="91440" bIns="45720">
+            <a:spAutoFit/>
+          </a:bodyPr>
+          <a:lstStyle/>
+          <a:p>
+            <a:r>
+              <a:rPr lang="de-DE" sz="1400" b="0" cap="none" spc="0" dirty="0">
+                <a:ln w="0"/>
+                <a:solidFill>
+                  <a:schemeClr val="tx1"/>
+                </a:solidFill>
+                <a:effectLst>
+                  <a:outerShdw blurRad="38100" dist="19050" dir="2700000" algn="tl" rotWithShape="0">
+                    <a:schemeClr val="dk1">
+                      <a:alpha val="40000"/>
+                    </a:schemeClr>
+                  </a:outerShdw>
+                </a:effectLst>
+              </a:rPr>
+              <a:t>Hier muss der User die Raumnummer</a:t>
+            </a:r>
+          </a:p>
+          <a:p>
+            <a:r>
+              <a:rPr lang="de-DE" sz="1400" dirty="0">
+                <a:ln w="0"/>
+                <a:effectLst>
+                  <a:outerShdw blurRad="38100" dist="19050" dir="2700000" algn="tl" rotWithShape="0">
+                    <a:schemeClr val="dk1">
+                      <a:alpha val="40000"/>
+                    </a:schemeClr>
+                  </a:outerShdw>
+                </a:effectLst>
+              </a:rPr>
+              <a:t>des neuen Raumes </a:t>
+            </a:r>
+            <a:r>
+              <a:rPr lang="de-DE" sz="1400" b="0" cap="none" spc="0" dirty="0">
+                <a:ln w="0"/>
+                <a:solidFill>
+                  <a:schemeClr val="tx1"/>
+                </a:solidFill>
+                <a:effectLst>
+                  <a:outerShdw blurRad="38100" dist="19050" dir="2700000" algn="tl" rotWithShape="0">
+                    <a:schemeClr val="dk1">
+                      <a:alpha val="40000"/>
+                    </a:schemeClr>
+                  </a:outerShdw>
+                </a:effectLst>
+              </a:rPr>
+              <a:t>eintragen</a:t>
+            </a:r>
+          </a:p>
+        </p:txBody>
+      </p:sp>
+      <p:sp>
+        <p:nvSpPr>
+          <p:cNvPr id="24" name="Rechteck 23"/>
+          <p:cNvSpPr/>
+          <p:nvPr/>
+        </p:nvSpPr>
+        <p:spPr>
+          <a:xfrm>
+            <a:off x="6838122" y="1622055"/>
+            <a:ext cx="4366516" cy="307777"/>
+          </a:xfrm>
+          <a:prstGeom prst="rect">
+            <a:avLst/>
+          </a:prstGeom>
+          <a:noFill/>
+        </p:spPr>
+        <p:txBody>
+          <a:bodyPr wrap="none" lIns="91440" tIns="45720" rIns="91440" bIns="45720">
+            <a:spAutoFit/>
+          </a:bodyPr>
+          <a:lstStyle/>
+          <a:p>
+            <a:r>
+              <a:rPr lang="de-DE" sz="1400" b="0" cap="none" spc="0" dirty="0">
+                <a:ln w="0"/>
+                <a:solidFill>
+                  <a:schemeClr val="tx1"/>
+                </a:solidFill>
+                <a:effectLst>
+                  <a:outerShdw blurRad="38100" dist="38100" dir="2700000" algn="tl">
+                    <a:srgbClr val="000000">
+                      <a:alpha val="43137"/>
+                    </a:srgbClr>
+                  </a:outerShdw>
+                </a:effectLst>
+              </a:rPr>
+              <a:t>Dies ist nur ein Beispiel an Informationen, weitere folgen.</a:t>
+            </a:r>
+          </a:p>
+        </p:txBody>
+      </p:sp>
+      <p:cxnSp>
+        <p:nvCxnSpPr>
+          <p:cNvPr id="26" name="Gerade Verbindung mit Pfeil 25"/>
+          <p:cNvCxnSpPr>
+            <a:cxnSpLocks/>
+            <a:stCxn id="24" idx="1"/>
+          </p:cNvCxnSpPr>
+          <p:nvPr/>
+        </p:nvCxnSpPr>
+        <p:spPr>
+          <a:xfrm flipH="1">
+            <a:off x="6420204" y="1775944"/>
+            <a:ext cx="417918" cy="457945"/>
+          </a:xfrm>
+          <a:prstGeom prst="straightConnector1">
+            <a:avLst/>
+          </a:prstGeom>
+          <a:ln>
+            <a:tailEnd type="triangle"/>
+          </a:ln>
+        </p:spPr>
+        <p:style>
+          <a:lnRef idx="3">
+            <a:schemeClr val="accent2"/>
+          </a:lnRef>
+          <a:fillRef idx="0">
+            <a:schemeClr val="accent2"/>
+          </a:fillRef>
+          <a:effectRef idx="2">
+            <a:schemeClr val="accent2"/>
+          </a:effectRef>
+          <a:fontRef idx="minor">
+            <a:schemeClr val="tx1"/>
+          </a:fontRef>
+        </p:style>
+      </p:cxnSp>
+      <p:cxnSp>
+        <p:nvCxnSpPr>
+          <p:cNvPr id="27" name="Gerade Verbindung mit Pfeil 26"/>
+          <p:cNvCxnSpPr>
+            <a:cxnSpLocks/>
+          </p:cNvCxnSpPr>
+          <p:nvPr/>
+        </p:nvCxnSpPr>
+        <p:spPr>
+          <a:xfrm flipH="1" flipV="1">
+            <a:off x="6758610" y="3982863"/>
+            <a:ext cx="649355" cy="4572"/>
+          </a:xfrm>
+          <a:prstGeom prst="straightConnector1">
+            <a:avLst/>
+          </a:prstGeom>
+          <a:ln>
+            <a:tailEnd type="triangle"/>
+          </a:ln>
+        </p:spPr>
+        <p:style>
+          <a:lnRef idx="3">
+            <a:schemeClr val="accent2"/>
+          </a:lnRef>
+          <a:fillRef idx="0">
+            <a:schemeClr val="accent2"/>
+          </a:fillRef>
+          <a:effectRef idx="2">
+            <a:schemeClr val="accent2"/>
+          </a:effectRef>
+          <a:fontRef idx="minor">
+            <a:schemeClr val="tx1"/>
+          </a:fontRef>
+        </p:style>
+      </p:cxnSp>
+      <p:sp>
+        <p:nvSpPr>
+          <p:cNvPr id="32" name="Rechteck 31"/>
+          <p:cNvSpPr/>
+          <p:nvPr/>
+        </p:nvSpPr>
+        <p:spPr>
+          <a:xfrm>
+            <a:off x="7407965" y="3712091"/>
+            <a:ext cx="2418867" cy="523220"/>
+          </a:xfrm>
+          <a:prstGeom prst="rect">
+            <a:avLst/>
+          </a:prstGeom>
+          <a:noFill/>
+        </p:spPr>
+        <p:txBody>
+          <a:bodyPr wrap="none" lIns="91440" tIns="45720" rIns="91440" bIns="45720">
+            <a:spAutoFit/>
+          </a:bodyPr>
+          <a:lstStyle/>
+          <a:p>
+            <a:r>
+              <a:rPr lang="de-DE" sz="1400" b="0" cap="none" spc="0" dirty="0">
+                <a:ln w="0"/>
+                <a:solidFill>
+                  <a:schemeClr val="tx1"/>
+                </a:solidFill>
+                <a:effectLst>
+                  <a:outerShdw blurRad="38100" dist="19050" dir="2700000" algn="tl" rotWithShape="0">
+                    <a:schemeClr val="dk1">
+                      <a:alpha val="40000"/>
+                    </a:schemeClr>
+                  </a:outerShdw>
+                </a:effectLst>
+              </a:rPr>
+              <a:t>Hier muss der User Notizen </a:t>
+            </a:r>
+          </a:p>
+          <a:p>
+            <a:r>
+              <a:rPr lang="de-DE" sz="1400" b="0" cap="none" spc="0" dirty="0">
+                <a:ln w="0"/>
+                <a:solidFill>
+                  <a:schemeClr val="tx1"/>
+                </a:solidFill>
+                <a:effectLst>
+                  <a:outerShdw blurRad="38100" dist="19050" dir="2700000" algn="tl" rotWithShape="0">
+                    <a:schemeClr val="dk1">
+                      <a:alpha val="40000"/>
+                    </a:schemeClr>
+                  </a:outerShdw>
+                </a:effectLst>
+              </a:rPr>
+              <a:t>für den</a:t>
+            </a:r>
+            <a:r>
+              <a:rPr lang="de-DE" sz="1400" dirty="0">
+                <a:ln w="0"/>
+                <a:effectLst>
+                  <a:outerShdw blurRad="38100" dist="19050" dir="2700000" algn="tl" rotWithShape="0">
+                    <a:schemeClr val="dk1">
+                      <a:alpha val="40000"/>
+                    </a:schemeClr>
+                  </a:outerShdw>
+                </a:effectLst>
+              </a:rPr>
+              <a:t> neuen Raum </a:t>
+            </a:r>
+            <a:r>
+              <a:rPr lang="de-DE" sz="1400" b="0" cap="none" spc="0" dirty="0">
+                <a:ln w="0"/>
+                <a:solidFill>
+                  <a:schemeClr val="tx1"/>
+                </a:solidFill>
+                <a:effectLst>
+                  <a:outerShdw blurRad="38100" dist="19050" dir="2700000" algn="tl" rotWithShape="0">
+                    <a:schemeClr val="dk1">
+                      <a:alpha val="40000"/>
+                    </a:schemeClr>
+                  </a:outerShdw>
+                </a:effectLst>
+              </a:rPr>
+              <a:t>eintragen</a:t>
+            </a:r>
+          </a:p>
+        </p:txBody>
+      </p:sp>
+      <p:cxnSp>
+        <p:nvCxnSpPr>
+          <p:cNvPr id="33" name="Gerade Verbindung mit Pfeil 32"/>
+          <p:cNvCxnSpPr>
+            <a:cxnSpLocks/>
+          </p:cNvCxnSpPr>
+          <p:nvPr/>
+        </p:nvCxnSpPr>
+        <p:spPr>
+          <a:xfrm flipV="1">
+            <a:off x="2451652" y="5295270"/>
+            <a:ext cx="609599" cy="522434"/>
+          </a:xfrm>
+          <a:prstGeom prst="straightConnector1">
+            <a:avLst/>
+          </a:prstGeom>
+          <a:ln>
+            <a:tailEnd type="triangle"/>
+          </a:ln>
+        </p:spPr>
+        <p:style>
+          <a:lnRef idx="3">
+            <a:schemeClr val="accent2"/>
+          </a:lnRef>
+          <a:fillRef idx="0">
+            <a:schemeClr val="accent2"/>
+          </a:fillRef>
+          <a:effectRef idx="2">
+            <a:schemeClr val="accent2"/>
+          </a:effectRef>
+          <a:fontRef idx="minor">
+            <a:schemeClr val="tx1"/>
+          </a:fontRef>
+        </p:style>
+      </p:cxnSp>
+      <p:sp>
+        <p:nvSpPr>
+          <p:cNvPr id="34" name="Rechteck 33"/>
+          <p:cNvSpPr/>
+          <p:nvPr/>
+        </p:nvSpPr>
+        <p:spPr>
+          <a:xfrm>
+            <a:off x="383131" y="5448126"/>
+            <a:ext cx="2462534" cy="738664"/>
+          </a:xfrm>
+          <a:prstGeom prst="rect">
+            <a:avLst/>
+          </a:prstGeom>
+          <a:noFill/>
+        </p:spPr>
+        <p:txBody>
+          <a:bodyPr wrap="square" lIns="91440" tIns="45720" rIns="91440" bIns="45720">
+            <a:spAutoFit/>
+          </a:bodyPr>
+          <a:lstStyle/>
+          <a:p>
+            <a:r>
+              <a:rPr lang="de-DE" sz="1400" b="0" cap="none" spc="0" dirty="0">
+                <a:ln w="0"/>
+                <a:solidFill>
+                  <a:schemeClr val="tx1"/>
+                </a:solidFill>
+                <a:effectLst>
+                  <a:outerShdw blurRad="38100" dist="38100" dir="2700000" algn="tl">
+                    <a:srgbClr val="000000">
+                      <a:alpha val="43137"/>
+                    </a:srgbClr>
+                  </a:outerShdw>
+                </a:effectLst>
+              </a:rPr>
+              <a:t>Beim Klick auf diesen Button werden die eingetragenen Informationen gelöscht</a:t>
+            </a:r>
+          </a:p>
+        </p:txBody>
+      </p:sp>
+      <p:cxnSp>
+        <p:nvCxnSpPr>
+          <p:cNvPr id="35" name="Gerade Verbindung mit Pfeil 34"/>
+          <p:cNvCxnSpPr>
+            <a:cxnSpLocks/>
+            <a:endCxn id="44" idx="3"/>
+          </p:cNvCxnSpPr>
+          <p:nvPr/>
+        </p:nvCxnSpPr>
+        <p:spPr>
+          <a:xfrm flipH="1" flipV="1">
+            <a:off x="7116417" y="5109739"/>
+            <a:ext cx="775252" cy="425496"/>
+          </a:xfrm>
+          <a:prstGeom prst="straightConnector1">
+            <a:avLst/>
+          </a:prstGeom>
+          <a:ln>
+            <a:tailEnd type="triangle"/>
+          </a:ln>
+        </p:spPr>
+        <p:style>
+          <a:lnRef idx="3">
+            <a:schemeClr val="accent2"/>
+          </a:lnRef>
+          <a:fillRef idx="0">
+            <a:schemeClr val="accent2"/>
+          </a:fillRef>
+          <a:effectRef idx="2">
+            <a:schemeClr val="accent2"/>
+          </a:effectRef>
+          <a:fontRef idx="minor">
+            <a:schemeClr val="tx1"/>
+          </a:fontRef>
+        </p:style>
+      </p:cxnSp>
+      <p:sp>
+        <p:nvSpPr>
+          <p:cNvPr id="40" name="Rechteck 39"/>
+          <p:cNvSpPr/>
+          <p:nvPr/>
+        </p:nvSpPr>
+        <p:spPr>
+          <a:xfrm>
+            <a:off x="7891667" y="5368431"/>
+            <a:ext cx="2462534" cy="738664"/>
+          </a:xfrm>
+          <a:prstGeom prst="rect">
+            <a:avLst/>
+          </a:prstGeom>
+          <a:noFill/>
+        </p:spPr>
+        <p:txBody>
+          <a:bodyPr wrap="square" lIns="91440" tIns="45720" rIns="91440" bIns="45720">
+            <a:spAutoFit/>
+          </a:bodyPr>
+          <a:lstStyle/>
+          <a:p>
+            <a:r>
+              <a:rPr lang="de-DE" sz="1400" b="0" cap="none" spc="0" dirty="0">
+                <a:ln w="0"/>
+                <a:solidFill>
+                  <a:schemeClr val="tx1"/>
+                </a:solidFill>
+                <a:effectLst>
+                  <a:outerShdw blurRad="38100" dist="38100" dir="2700000" algn="tl">
+                    <a:srgbClr val="000000">
+                      <a:alpha val="43137"/>
+                    </a:srgbClr>
+                  </a:outerShdw>
+                </a:effectLst>
+              </a:rPr>
+              <a:t>Beim Klick auf diesen Button wird der neue Raum in der Datenbank angelegt</a:t>
+            </a:r>
+          </a:p>
+        </p:txBody>
+      </p:sp>
     </p:spTree>
     <p:extLst>
       <p:ext uri="{BB962C8B-B14F-4D97-AF65-F5344CB8AC3E}">
@@ -21534,49 +22544,6 @@
       </p:sp>
       <p:sp>
         <p:nvSpPr>
-          <p:cNvPr id="37" name="Rechteck 36"/>
-          <p:cNvSpPr/>
-          <p:nvPr/>
-        </p:nvSpPr>
-        <p:spPr>
-          <a:xfrm>
-            <a:off x="3061252" y="3300751"/>
-            <a:ext cx="4055165" cy="357809"/>
-          </a:xfrm>
-          <a:prstGeom prst="rect">
-            <a:avLst/>
-          </a:prstGeom>
-          <a:ln>
-            <a:solidFill>
-              <a:schemeClr val="tx1"/>
-            </a:solidFill>
-          </a:ln>
-        </p:spPr>
-        <p:style>
-          <a:lnRef idx="2">
-            <a:schemeClr val="accent6"/>
-          </a:lnRef>
-          <a:fillRef idx="1">
-            <a:schemeClr val="lt1"/>
-          </a:fillRef>
-          <a:effectRef idx="0">
-            <a:schemeClr val="accent6"/>
-          </a:effectRef>
-          <a:fontRef idx="minor">
-            <a:schemeClr val="dk1"/>
-          </a:fontRef>
-        </p:style>
-        <p:txBody>
-          <a:bodyPr rtlCol="0" anchor="ctr"/>
-          <a:lstStyle/>
-          <a:p>
-            <a:pPr algn="ctr"/>
-            <a:endParaRPr lang="de-DE" dirty="0"/>
-          </a:p>
-        </p:txBody>
-      </p:sp>
-      <p:sp>
-        <p:nvSpPr>
           <p:cNvPr id="38" name="Rechteck 37"/>
           <p:cNvSpPr/>
           <p:nvPr/>
@@ -21628,13 +22595,99 @@
       </p:sp>
       <p:sp>
         <p:nvSpPr>
-          <p:cNvPr id="39" name="Rechteck 38"/>
-          <p:cNvSpPr/>
-          <p:nvPr/>
-        </p:nvSpPr>
-        <p:spPr>
-          <a:xfrm>
-            <a:off x="3061251" y="2772077"/>
+          <p:cNvPr id="40" name="Rechteck 39"/>
+          <p:cNvSpPr/>
+          <p:nvPr/>
+        </p:nvSpPr>
+        <p:spPr>
+          <a:xfrm>
+            <a:off x="3061254" y="3326747"/>
+            <a:ext cx="4055165" cy="357809"/>
+          </a:xfrm>
+          <a:prstGeom prst="rect">
+            <a:avLst/>
+          </a:prstGeom>
+          <a:ln>
+            <a:solidFill>
+              <a:schemeClr val="tx1"/>
+            </a:solidFill>
+          </a:ln>
+        </p:spPr>
+        <p:style>
+          <a:lnRef idx="2">
+            <a:schemeClr val="accent6"/>
+          </a:lnRef>
+          <a:fillRef idx="1">
+            <a:schemeClr val="lt1"/>
+          </a:fillRef>
+          <a:effectRef idx="0">
+            <a:schemeClr val="accent6"/>
+          </a:effectRef>
+          <a:fontRef idx="minor">
+            <a:schemeClr val="dk1"/>
+          </a:fontRef>
+        </p:style>
+        <p:txBody>
+          <a:bodyPr rtlCol="0" anchor="ctr"/>
+          <a:lstStyle/>
+          <a:p>
+            <a:pPr algn="ctr"/>
+            <a:endParaRPr lang="de-DE"/>
+          </a:p>
+        </p:txBody>
+      </p:sp>
+      <p:sp>
+        <p:nvSpPr>
+          <p:cNvPr id="41" name="Rechteck 40"/>
+          <p:cNvSpPr/>
+          <p:nvPr/>
+        </p:nvSpPr>
+        <p:spPr>
+          <a:xfrm>
+            <a:off x="3061254" y="4310083"/>
+            <a:ext cx="4055165" cy="357809"/>
+          </a:xfrm>
+          <a:prstGeom prst="rect">
+            <a:avLst/>
+          </a:prstGeom>
+          <a:ln>
+            <a:solidFill>
+              <a:schemeClr val="tx1"/>
+            </a:solidFill>
+          </a:ln>
+        </p:spPr>
+        <p:style>
+          <a:lnRef idx="2">
+            <a:schemeClr val="accent6"/>
+          </a:lnRef>
+          <a:fillRef idx="1">
+            <a:schemeClr val="lt1"/>
+          </a:fillRef>
+          <a:effectRef idx="0">
+            <a:schemeClr val="accent6"/>
+          </a:effectRef>
+          <a:fontRef idx="minor">
+            <a:schemeClr val="dk1"/>
+          </a:fontRef>
+        </p:style>
+        <p:txBody>
+          <a:bodyPr rtlCol="0" anchor="ctr"/>
+          <a:lstStyle/>
+          <a:p>
+            <a:pPr algn="ctr"/>
+            <a:endParaRPr lang="de-DE" dirty="0"/>
+          </a:p>
+        </p:txBody>
+      </p:sp>
+      <p:sp>
+        <p:nvSpPr>
+          <p:cNvPr id="42" name="Rechteck 41"/>
+          <p:cNvSpPr/>
+          <p:nvPr/>
+        </p:nvSpPr>
+        <p:spPr>
+          <a:xfrm>
+            <a:off x="3061252" y="2829174"/>
             <a:ext cx="3358955" cy="523220"/>
           </a:xfrm>
           <a:prstGeom prst="rect">
@@ -21659,7 +22712,7 @@
                   </a:outerShdw>
                 </a:effectLst>
               </a:rPr>
-              <a:t>Passwort</a:t>
+              <a:t>Adresse</a:t>
             </a:r>
             <a:endParaRPr lang="de-DE" sz="2800" b="0" cap="none" spc="0" dirty="0">
               <a:ln w="0"/>
@@ -21679,99 +22732,13 @@
       </p:sp>
       <p:sp>
         <p:nvSpPr>
-          <p:cNvPr id="40" name="Rechteck 39"/>
-          <p:cNvSpPr/>
-          <p:nvPr/>
-        </p:nvSpPr>
-        <p:spPr>
-          <a:xfrm>
-            <a:off x="3061252" y="4320560"/>
-            <a:ext cx="4055165" cy="357809"/>
-          </a:xfrm>
-          <a:prstGeom prst="rect">
-            <a:avLst/>
-          </a:prstGeom>
-          <a:ln>
-            <a:solidFill>
-              <a:schemeClr val="tx1"/>
-            </a:solidFill>
-          </a:ln>
-        </p:spPr>
-        <p:style>
-          <a:lnRef idx="2">
-            <a:schemeClr val="accent6"/>
-          </a:lnRef>
-          <a:fillRef idx="1">
-            <a:schemeClr val="lt1"/>
-          </a:fillRef>
-          <a:effectRef idx="0">
-            <a:schemeClr val="accent6"/>
-          </a:effectRef>
-          <a:fontRef idx="minor">
-            <a:schemeClr val="dk1"/>
-          </a:fontRef>
-        </p:style>
-        <p:txBody>
-          <a:bodyPr rtlCol="0" anchor="ctr"/>
-          <a:lstStyle/>
-          <a:p>
-            <a:pPr algn="ctr"/>
-            <a:endParaRPr lang="de-DE"/>
-          </a:p>
-        </p:txBody>
-      </p:sp>
-      <p:sp>
-        <p:nvSpPr>
-          <p:cNvPr id="41" name="Rechteck 40"/>
-          <p:cNvSpPr/>
-          <p:nvPr/>
-        </p:nvSpPr>
-        <p:spPr>
-          <a:xfrm>
-            <a:off x="3061252" y="5303896"/>
-            <a:ext cx="4055165" cy="357809"/>
-          </a:xfrm>
-          <a:prstGeom prst="rect">
-            <a:avLst/>
-          </a:prstGeom>
-          <a:ln>
-            <a:solidFill>
-              <a:schemeClr val="tx1"/>
-            </a:solidFill>
-          </a:ln>
-        </p:spPr>
-        <p:style>
-          <a:lnRef idx="2">
-            <a:schemeClr val="accent6"/>
-          </a:lnRef>
-          <a:fillRef idx="1">
-            <a:schemeClr val="lt1"/>
-          </a:fillRef>
-          <a:effectRef idx="0">
-            <a:schemeClr val="accent6"/>
-          </a:effectRef>
-          <a:fontRef idx="minor">
-            <a:schemeClr val="dk1"/>
-          </a:fontRef>
-        </p:style>
-        <p:txBody>
-          <a:bodyPr rtlCol="0" anchor="ctr"/>
-          <a:lstStyle/>
-          <a:p>
-            <a:pPr algn="ctr"/>
-            <a:endParaRPr lang="de-DE" dirty="0"/>
-          </a:p>
-        </p:txBody>
-      </p:sp>
-      <p:sp>
-        <p:nvSpPr>
-          <p:cNvPr id="42" name="Rechteck 41"/>
-          <p:cNvSpPr/>
-          <p:nvPr/>
-        </p:nvSpPr>
-        <p:spPr>
-          <a:xfrm>
-            <a:off x="3061250" y="3822987"/>
+          <p:cNvPr id="43" name="Rechteck 42"/>
+          <p:cNvSpPr/>
+          <p:nvPr/>
+        </p:nvSpPr>
+        <p:spPr>
+          <a:xfrm>
+            <a:off x="3061251" y="3776665"/>
             <a:ext cx="3358955" cy="523220"/>
           </a:xfrm>
           <a:prstGeom prst="rect">
@@ -21796,7 +22763,7 @@
                   </a:outerShdw>
                 </a:effectLst>
               </a:rPr>
-              <a:t>Adresse</a:t>
+              <a:t>Name</a:t>
             </a:r>
             <a:endParaRPr lang="de-DE" sz="2800" b="0" cap="none" spc="0" dirty="0">
               <a:ln w="0"/>
@@ -21816,64 +22783,13 @@
       </p:sp>
       <p:sp>
         <p:nvSpPr>
-          <p:cNvPr id="43" name="Rechteck 42"/>
-          <p:cNvSpPr/>
-          <p:nvPr/>
-        </p:nvSpPr>
-        <p:spPr>
-          <a:xfrm>
-            <a:off x="3061249" y="4770478"/>
-            <a:ext cx="3358955" cy="523220"/>
-          </a:xfrm>
-          <a:prstGeom prst="rect">
-            <a:avLst/>
-          </a:prstGeom>
-          <a:noFill/>
-        </p:spPr>
-        <p:txBody>
-          <a:bodyPr wrap="square" lIns="91440" tIns="45720" rIns="91440" bIns="45720">
-            <a:spAutoFit/>
-          </a:bodyPr>
-          <a:lstStyle/>
-          <a:p>
-            <a:r>
-              <a:rPr lang="de-DE" sz="2800" dirty="0">
-                <a:ln w="0"/>
-                <a:effectLst>
-                  <a:outerShdw blurRad="38100" dist="19050" dir="2700000" algn="tl" rotWithShape="0">
-                    <a:schemeClr val="dk1">
-                      <a:alpha val="40000"/>
-                    </a:schemeClr>
-                  </a:outerShdw>
-                </a:effectLst>
-              </a:rPr>
-              <a:t>Name</a:t>
-            </a:r>
-            <a:endParaRPr lang="de-DE" sz="2800" b="0" cap="none" spc="0" dirty="0">
-              <a:ln w="0"/>
-              <a:solidFill>
-                <a:schemeClr val="tx1"/>
-              </a:solidFill>
-              <a:effectLst>
-                <a:outerShdw blurRad="38100" dist="19050" dir="2700000" algn="tl" rotWithShape="0">
-                  <a:schemeClr val="dk1">
-                    <a:alpha val="40000"/>
-                  </a:schemeClr>
-                </a:outerShdw>
-              </a:effectLst>
-            </a:endParaRPr>
-          </a:p>
-        </p:txBody>
-      </p:sp>
-      <p:sp>
-        <p:nvSpPr>
           <p:cNvPr id="44" name="Rechteck 43"/>
           <p:cNvSpPr/>
           <p:nvPr/>
         </p:nvSpPr>
         <p:spPr>
           <a:xfrm>
-            <a:off x="5777949" y="5978663"/>
+            <a:off x="5777951" y="4984850"/>
             <a:ext cx="1338468" cy="371061"/>
           </a:xfrm>
           <a:prstGeom prst="rect">
@@ -21923,7 +22839,7 @@
         </p:nvSpPr>
         <p:spPr>
           <a:xfrm>
-            <a:off x="3061252" y="5978664"/>
+            <a:off x="3061254" y="4984851"/>
             <a:ext cx="1470992" cy="371061"/>
           </a:xfrm>
           <a:prstGeom prst="rect">
@@ -22163,6 +23079,516 @@
             <a:r>
               <a:rPr lang="de-DE" dirty="0"/>
               <a:t>Menü</a:t>
+            </a:r>
+          </a:p>
+        </p:txBody>
+      </p:sp>
+      <p:cxnSp>
+        <p:nvCxnSpPr>
+          <p:cNvPr id="3" name="Gerade Verbindung mit Pfeil 2"/>
+          <p:cNvCxnSpPr>
+            <a:cxnSpLocks/>
+          </p:cNvCxnSpPr>
+          <p:nvPr/>
+        </p:nvCxnSpPr>
+        <p:spPr>
+          <a:xfrm flipH="1" flipV="1">
+            <a:off x="6758610" y="2504661"/>
+            <a:ext cx="649355" cy="4572"/>
+          </a:xfrm>
+          <a:prstGeom prst="straightConnector1">
+            <a:avLst/>
+          </a:prstGeom>
+          <a:ln>
+            <a:tailEnd type="triangle"/>
+          </a:ln>
+        </p:spPr>
+        <p:style>
+          <a:lnRef idx="3">
+            <a:schemeClr val="accent2"/>
+          </a:lnRef>
+          <a:fillRef idx="0">
+            <a:schemeClr val="accent2"/>
+          </a:fillRef>
+          <a:effectRef idx="2">
+            <a:schemeClr val="accent2"/>
+          </a:effectRef>
+          <a:fontRef idx="minor">
+            <a:schemeClr val="tx1"/>
+          </a:fontRef>
+        </p:style>
+      </p:cxnSp>
+      <p:sp>
+        <p:nvSpPr>
+          <p:cNvPr id="7" name="Rechteck 6"/>
+          <p:cNvSpPr/>
+          <p:nvPr/>
+        </p:nvSpPr>
+        <p:spPr>
+          <a:xfrm>
+            <a:off x="7407965" y="2234709"/>
+            <a:ext cx="3098092" cy="523220"/>
+          </a:xfrm>
+          <a:prstGeom prst="rect">
+            <a:avLst/>
+          </a:prstGeom>
+          <a:noFill/>
+        </p:spPr>
+        <p:txBody>
+          <a:bodyPr wrap="none" lIns="91440" tIns="45720" rIns="91440" bIns="45720">
+            <a:spAutoFit/>
+          </a:bodyPr>
+          <a:lstStyle/>
+          <a:p>
+            <a:r>
+              <a:rPr lang="de-DE" sz="1400" b="0" cap="none" spc="0" dirty="0">
+                <a:ln w="0"/>
+                <a:solidFill>
+                  <a:schemeClr val="tx1"/>
+                </a:solidFill>
+                <a:effectLst>
+                  <a:outerShdw blurRad="38100" dist="19050" dir="2700000" algn="tl" rotWithShape="0">
+                    <a:schemeClr val="dk1">
+                      <a:alpha val="40000"/>
+                    </a:schemeClr>
+                  </a:outerShdw>
+                </a:effectLst>
+              </a:rPr>
+              <a:t>Hier muss der User den Benutzernamen</a:t>
+            </a:r>
+          </a:p>
+          <a:p>
+            <a:r>
+              <a:rPr lang="de-DE" sz="1400" b="0" cap="none" spc="0" dirty="0">
+                <a:ln w="0"/>
+                <a:solidFill>
+                  <a:schemeClr val="tx1"/>
+                </a:solidFill>
+                <a:effectLst>
+                  <a:outerShdw blurRad="38100" dist="19050" dir="2700000" algn="tl" rotWithShape="0">
+                    <a:schemeClr val="dk1">
+                      <a:alpha val="40000"/>
+                    </a:schemeClr>
+                  </a:outerShdw>
+                </a:effectLst>
+              </a:rPr>
+              <a:t>des neuen Users eintragen</a:t>
+            </a:r>
+          </a:p>
+        </p:txBody>
+      </p:sp>
+      <p:cxnSp>
+        <p:nvCxnSpPr>
+          <p:cNvPr id="32" name="Gerade Verbindung mit Pfeil 31"/>
+          <p:cNvCxnSpPr>
+            <a:cxnSpLocks/>
+          </p:cNvCxnSpPr>
+          <p:nvPr/>
+        </p:nvCxnSpPr>
+        <p:spPr>
+          <a:xfrm flipH="1" flipV="1">
+            <a:off x="6797326" y="3488978"/>
+            <a:ext cx="649355" cy="4572"/>
+          </a:xfrm>
+          <a:prstGeom prst="straightConnector1">
+            <a:avLst/>
+          </a:prstGeom>
+          <a:ln>
+            <a:tailEnd type="triangle"/>
+          </a:ln>
+        </p:spPr>
+        <p:style>
+          <a:lnRef idx="3">
+            <a:schemeClr val="accent2"/>
+          </a:lnRef>
+          <a:fillRef idx="0">
+            <a:schemeClr val="accent2"/>
+          </a:fillRef>
+          <a:effectRef idx="2">
+            <a:schemeClr val="accent2"/>
+          </a:effectRef>
+          <a:fontRef idx="minor">
+            <a:schemeClr val="tx1"/>
+          </a:fontRef>
+        </p:style>
+      </p:cxnSp>
+      <p:sp>
+        <p:nvSpPr>
+          <p:cNvPr id="34" name="Rechteck 33"/>
+          <p:cNvSpPr/>
+          <p:nvPr/>
+        </p:nvSpPr>
+        <p:spPr>
+          <a:xfrm>
+            <a:off x="7446681" y="3233005"/>
+            <a:ext cx="2460161" cy="523220"/>
+          </a:xfrm>
+          <a:prstGeom prst="rect">
+            <a:avLst/>
+          </a:prstGeom>
+          <a:noFill/>
+        </p:spPr>
+        <p:txBody>
+          <a:bodyPr wrap="none" lIns="91440" tIns="45720" rIns="91440" bIns="45720">
+            <a:spAutoFit/>
+          </a:bodyPr>
+          <a:lstStyle/>
+          <a:p>
+            <a:r>
+              <a:rPr lang="de-DE" sz="1400" b="0" cap="none" spc="0" dirty="0">
+                <a:ln w="0"/>
+                <a:solidFill>
+                  <a:schemeClr val="tx1"/>
+                </a:solidFill>
+                <a:effectLst>
+                  <a:outerShdw blurRad="38100" dist="19050" dir="2700000" algn="tl" rotWithShape="0">
+                    <a:schemeClr val="dk1">
+                      <a:alpha val="40000"/>
+                    </a:schemeClr>
+                  </a:outerShdw>
+                </a:effectLst>
+              </a:rPr>
+              <a:t>Hier muss der User die Adresse</a:t>
+            </a:r>
+          </a:p>
+          <a:p>
+            <a:r>
+              <a:rPr lang="de-DE" sz="1400" b="0" cap="none" spc="0" dirty="0">
+                <a:ln w="0"/>
+                <a:solidFill>
+                  <a:schemeClr val="tx1"/>
+                </a:solidFill>
+                <a:effectLst>
+                  <a:outerShdw blurRad="38100" dist="19050" dir="2700000" algn="tl" rotWithShape="0">
+                    <a:schemeClr val="dk1">
+                      <a:alpha val="40000"/>
+                    </a:schemeClr>
+                  </a:outerShdw>
+                </a:effectLst>
+              </a:rPr>
+              <a:t>des neuen Users eintragen</a:t>
+            </a:r>
+          </a:p>
+        </p:txBody>
+      </p:sp>
+      <p:cxnSp>
+        <p:nvCxnSpPr>
+          <p:cNvPr id="35" name="Gerade Verbindung mit Pfeil 34"/>
+          <p:cNvCxnSpPr>
+            <a:cxnSpLocks/>
+          </p:cNvCxnSpPr>
+          <p:nvPr/>
+        </p:nvCxnSpPr>
+        <p:spPr>
+          <a:xfrm flipH="1" flipV="1">
+            <a:off x="6797326" y="4459721"/>
+            <a:ext cx="649355" cy="4572"/>
+          </a:xfrm>
+          <a:prstGeom prst="straightConnector1">
+            <a:avLst/>
+          </a:prstGeom>
+          <a:ln>
+            <a:tailEnd type="triangle"/>
+          </a:ln>
+        </p:spPr>
+        <p:style>
+          <a:lnRef idx="3">
+            <a:schemeClr val="accent2"/>
+          </a:lnRef>
+          <a:fillRef idx="0">
+            <a:schemeClr val="accent2"/>
+          </a:fillRef>
+          <a:effectRef idx="2">
+            <a:schemeClr val="accent2"/>
+          </a:effectRef>
+          <a:fontRef idx="minor">
+            <a:schemeClr val="tx1"/>
+          </a:fontRef>
+        </p:style>
+      </p:cxnSp>
+      <p:sp>
+        <p:nvSpPr>
+          <p:cNvPr id="48" name="Rechteck 47"/>
+          <p:cNvSpPr/>
+          <p:nvPr/>
+        </p:nvSpPr>
+        <p:spPr>
+          <a:xfrm>
+            <a:off x="7446681" y="4194993"/>
+            <a:ext cx="2462534" cy="523220"/>
+          </a:xfrm>
+          <a:prstGeom prst="rect">
+            <a:avLst/>
+          </a:prstGeom>
+          <a:noFill/>
+        </p:spPr>
+        <p:txBody>
+          <a:bodyPr wrap="none" lIns="91440" tIns="45720" rIns="91440" bIns="45720">
+            <a:spAutoFit/>
+          </a:bodyPr>
+          <a:lstStyle/>
+          <a:p>
+            <a:r>
+              <a:rPr lang="de-DE" sz="1400" b="0" cap="none" spc="0" dirty="0">
+                <a:ln w="0"/>
+                <a:solidFill>
+                  <a:schemeClr val="tx1"/>
+                </a:solidFill>
+                <a:effectLst>
+                  <a:outerShdw blurRad="38100" dist="38100" dir="2700000" algn="tl">
+                    <a:srgbClr val="000000">
+                      <a:alpha val="43137"/>
+                    </a:srgbClr>
+                  </a:outerShdw>
+                </a:effectLst>
+              </a:rPr>
+              <a:t>Hier muss der User den Namen</a:t>
+            </a:r>
+          </a:p>
+          <a:p>
+            <a:r>
+              <a:rPr lang="de-DE" sz="1400" b="0" cap="none" spc="0" dirty="0">
+                <a:ln w="0"/>
+                <a:solidFill>
+                  <a:schemeClr val="tx1"/>
+                </a:solidFill>
+                <a:effectLst>
+                  <a:outerShdw blurRad="38100" dist="38100" dir="2700000" algn="tl">
+                    <a:srgbClr val="000000">
+                      <a:alpha val="43137"/>
+                    </a:srgbClr>
+                  </a:outerShdw>
+                </a:effectLst>
+              </a:rPr>
+              <a:t>des neuen Users eintragen</a:t>
+            </a:r>
+          </a:p>
+        </p:txBody>
+      </p:sp>
+      <p:sp>
+        <p:nvSpPr>
+          <p:cNvPr id="49" name="Rechteck 48"/>
+          <p:cNvSpPr/>
+          <p:nvPr/>
+        </p:nvSpPr>
+        <p:spPr>
+          <a:xfrm>
+            <a:off x="6838122" y="1622055"/>
+            <a:ext cx="4366516" cy="307777"/>
+          </a:xfrm>
+          <a:prstGeom prst="rect">
+            <a:avLst/>
+          </a:prstGeom>
+          <a:noFill/>
+        </p:spPr>
+        <p:txBody>
+          <a:bodyPr wrap="none" lIns="91440" tIns="45720" rIns="91440" bIns="45720">
+            <a:spAutoFit/>
+          </a:bodyPr>
+          <a:lstStyle/>
+          <a:p>
+            <a:r>
+              <a:rPr lang="de-DE" sz="1400" b="0" cap="none" spc="0" dirty="0">
+                <a:ln w="0"/>
+                <a:solidFill>
+                  <a:schemeClr val="tx1"/>
+                </a:solidFill>
+                <a:effectLst>
+                  <a:outerShdw blurRad="38100" dist="38100" dir="2700000" algn="tl">
+                    <a:srgbClr val="000000">
+                      <a:alpha val="43137"/>
+                    </a:srgbClr>
+                  </a:outerShdw>
+                </a:effectLst>
+              </a:rPr>
+              <a:t>Dies ist nur ein Beispiel an Informationen, weitere folgen.</a:t>
+            </a:r>
+          </a:p>
+        </p:txBody>
+      </p:sp>
+      <p:cxnSp>
+        <p:nvCxnSpPr>
+          <p:cNvPr id="11" name="Gerade Verbindung mit Pfeil 10"/>
+          <p:cNvCxnSpPr>
+            <a:stCxn id="49" idx="1"/>
+          </p:cNvCxnSpPr>
+          <p:nvPr/>
+        </p:nvCxnSpPr>
+        <p:spPr>
+          <a:xfrm flipH="1">
+            <a:off x="6228522" y="1775944"/>
+            <a:ext cx="609600" cy="384160"/>
+          </a:xfrm>
+          <a:prstGeom prst="straightConnector1">
+            <a:avLst/>
+          </a:prstGeom>
+          <a:ln>
+            <a:tailEnd type="triangle"/>
+          </a:ln>
+        </p:spPr>
+        <p:style>
+          <a:lnRef idx="3">
+            <a:schemeClr val="accent2"/>
+          </a:lnRef>
+          <a:fillRef idx="0">
+            <a:schemeClr val="accent2"/>
+          </a:fillRef>
+          <a:effectRef idx="2">
+            <a:schemeClr val="accent2"/>
+          </a:effectRef>
+          <a:fontRef idx="minor">
+            <a:schemeClr val="tx1"/>
+          </a:fontRef>
+        </p:style>
+      </p:cxnSp>
+      <p:cxnSp>
+        <p:nvCxnSpPr>
+          <p:cNvPr id="50" name="Gerade Verbindung mit Pfeil 49"/>
+          <p:cNvCxnSpPr>
+            <a:cxnSpLocks/>
+          </p:cNvCxnSpPr>
+          <p:nvPr/>
+        </p:nvCxnSpPr>
+        <p:spPr>
+          <a:xfrm flipH="1" flipV="1">
+            <a:off x="6970643" y="5277646"/>
+            <a:ext cx="795130" cy="378133"/>
+          </a:xfrm>
+          <a:prstGeom prst="straightConnector1">
+            <a:avLst/>
+          </a:prstGeom>
+          <a:ln>
+            <a:tailEnd type="triangle"/>
+          </a:ln>
+        </p:spPr>
+        <p:style>
+          <a:lnRef idx="3">
+            <a:schemeClr val="accent2"/>
+          </a:lnRef>
+          <a:fillRef idx="0">
+            <a:schemeClr val="accent2"/>
+          </a:fillRef>
+          <a:effectRef idx="2">
+            <a:schemeClr val="accent2"/>
+          </a:effectRef>
+          <a:fontRef idx="minor">
+            <a:schemeClr val="tx1"/>
+          </a:fontRef>
+        </p:style>
+      </p:cxnSp>
+      <p:sp>
+        <p:nvSpPr>
+          <p:cNvPr id="51" name="Rechteck 50"/>
+          <p:cNvSpPr/>
+          <p:nvPr/>
+        </p:nvSpPr>
+        <p:spPr>
+          <a:xfrm>
+            <a:off x="7765772" y="5488976"/>
+            <a:ext cx="2462534" cy="738664"/>
+          </a:xfrm>
+          <a:prstGeom prst="rect">
+            <a:avLst/>
+          </a:prstGeom>
+          <a:noFill/>
+        </p:spPr>
+        <p:txBody>
+          <a:bodyPr wrap="square" lIns="91440" tIns="45720" rIns="91440" bIns="45720">
+            <a:spAutoFit/>
+          </a:bodyPr>
+          <a:lstStyle/>
+          <a:p>
+            <a:r>
+              <a:rPr lang="de-DE" sz="1400" b="0" cap="none" spc="0" dirty="0">
+                <a:ln w="0"/>
+                <a:solidFill>
+                  <a:schemeClr val="tx1"/>
+                </a:solidFill>
+                <a:effectLst>
+                  <a:outerShdw blurRad="38100" dist="38100" dir="2700000" algn="tl">
+                    <a:srgbClr val="000000">
+                      <a:alpha val="43137"/>
+                    </a:srgbClr>
+                  </a:outerShdw>
+                </a:effectLst>
+              </a:rPr>
+              <a:t>Beim Klick auf diesen Button wird der neue User in der Datenbank angelegt</a:t>
+            </a:r>
+          </a:p>
+        </p:txBody>
+      </p:sp>
+      <p:cxnSp>
+        <p:nvCxnSpPr>
+          <p:cNvPr id="52" name="Gerade Verbindung mit Pfeil 51"/>
+          <p:cNvCxnSpPr>
+            <a:cxnSpLocks/>
+          </p:cNvCxnSpPr>
+          <p:nvPr/>
+        </p:nvCxnSpPr>
+        <p:spPr>
+          <a:xfrm flipV="1">
+            <a:off x="3901465" y="5275077"/>
+            <a:ext cx="420523" cy="453897"/>
+          </a:xfrm>
+          <a:prstGeom prst="straightConnector1">
+            <a:avLst/>
+          </a:prstGeom>
+          <a:ln>
+            <a:tailEnd type="triangle"/>
+          </a:ln>
+        </p:spPr>
+        <p:style>
+          <a:lnRef idx="3">
+            <a:schemeClr val="accent2"/>
+          </a:lnRef>
+          <a:fillRef idx="0">
+            <a:schemeClr val="accent2"/>
+          </a:fillRef>
+          <a:effectRef idx="2">
+            <a:schemeClr val="accent2"/>
+          </a:effectRef>
+          <a:fontRef idx="minor">
+            <a:schemeClr val="tx1"/>
+          </a:fontRef>
+        </p:style>
+      </p:cxnSp>
+      <p:sp>
+        <p:nvSpPr>
+          <p:cNvPr id="53" name="Rechteck 52"/>
+          <p:cNvSpPr/>
+          <p:nvPr/>
+        </p:nvSpPr>
+        <p:spPr>
+          <a:xfrm>
+            <a:off x="1764909" y="5646256"/>
+            <a:ext cx="2462534" cy="738664"/>
+          </a:xfrm>
+          <a:prstGeom prst="rect">
+            <a:avLst/>
+          </a:prstGeom>
+          <a:noFill/>
+        </p:spPr>
+        <p:txBody>
+          <a:bodyPr wrap="square" lIns="91440" tIns="45720" rIns="91440" bIns="45720">
+            <a:spAutoFit/>
+          </a:bodyPr>
+          <a:lstStyle/>
+          <a:p>
+            <a:r>
+              <a:rPr lang="de-DE" sz="1400" b="0" cap="none" spc="0" dirty="0">
+                <a:ln w="0"/>
+                <a:solidFill>
+                  <a:schemeClr val="tx1"/>
+                </a:solidFill>
+                <a:effectLst>
+                  <a:outerShdw blurRad="38100" dist="38100" dir="2700000" algn="tl">
+                    <a:srgbClr val="000000">
+                      <a:alpha val="43137"/>
+                    </a:srgbClr>
+                  </a:outerShdw>
+                </a:effectLst>
+              </a:rPr>
+              <a:t>Beim Klick auf diesen Button werden die eingetragenen Informationen gelöscht</a:t>
             </a:r>
           </a:p>
         </p:txBody>
@@ -27119,6 +28545,537 @@
           </a:p>
         </p:txBody>
       </p:sp>
+      <p:cxnSp>
+        <p:nvCxnSpPr>
+          <p:cNvPr id="34" name="Gerade Verbindung mit Pfeil 33"/>
+          <p:cNvCxnSpPr>
+            <a:cxnSpLocks/>
+            <a:endCxn id="45" idx="1"/>
+          </p:cNvCxnSpPr>
+          <p:nvPr/>
+        </p:nvCxnSpPr>
+        <p:spPr>
+          <a:xfrm>
+            <a:off x="2501177" y="5884816"/>
+            <a:ext cx="560075" cy="279379"/>
+          </a:xfrm>
+          <a:prstGeom prst="straightConnector1">
+            <a:avLst/>
+          </a:prstGeom>
+          <a:ln>
+            <a:tailEnd type="triangle"/>
+          </a:ln>
+        </p:spPr>
+        <p:style>
+          <a:lnRef idx="3">
+            <a:schemeClr val="accent2"/>
+          </a:lnRef>
+          <a:fillRef idx="0">
+            <a:schemeClr val="accent2"/>
+          </a:fillRef>
+          <a:effectRef idx="2">
+            <a:schemeClr val="accent2"/>
+          </a:effectRef>
+          <a:fontRef idx="minor">
+            <a:schemeClr val="tx1"/>
+          </a:fontRef>
+        </p:style>
+      </p:cxnSp>
+      <p:sp>
+        <p:nvSpPr>
+          <p:cNvPr id="35" name="Rechteck 34"/>
+          <p:cNvSpPr/>
+          <p:nvPr/>
+        </p:nvSpPr>
+        <p:spPr>
+          <a:xfrm>
+            <a:off x="383131" y="5448126"/>
+            <a:ext cx="2462534" cy="738664"/>
+          </a:xfrm>
+          <a:prstGeom prst="rect">
+            <a:avLst/>
+          </a:prstGeom>
+          <a:noFill/>
+        </p:spPr>
+        <p:txBody>
+          <a:bodyPr wrap="square" lIns="91440" tIns="45720" rIns="91440" bIns="45720">
+            <a:spAutoFit/>
+          </a:bodyPr>
+          <a:lstStyle/>
+          <a:p>
+            <a:r>
+              <a:rPr lang="de-DE" sz="1400" b="0" cap="none" spc="0" dirty="0">
+                <a:ln w="0"/>
+                <a:solidFill>
+                  <a:schemeClr val="tx1"/>
+                </a:solidFill>
+                <a:effectLst>
+                  <a:outerShdw blurRad="38100" dist="38100" dir="2700000" algn="tl">
+                    <a:srgbClr val="000000">
+                      <a:alpha val="43137"/>
+                    </a:srgbClr>
+                  </a:outerShdw>
+                </a:effectLst>
+              </a:rPr>
+              <a:t>Beim Klick auf diesen Button werden die eingetragenen Informationen gelöscht</a:t>
+            </a:r>
+          </a:p>
+        </p:txBody>
+      </p:sp>
+      <p:cxnSp>
+        <p:nvCxnSpPr>
+          <p:cNvPr id="48" name="Gerade Verbindung mit Pfeil 47"/>
+          <p:cNvCxnSpPr>
+            <a:cxnSpLocks/>
+          </p:cNvCxnSpPr>
+          <p:nvPr/>
+        </p:nvCxnSpPr>
+        <p:spPr>
+          <a:xfrm flipH="1">
+            <a:off x="6990522" y="5880756"/>
+            <a:ext cx="775252" cy="306034"/>
+          </a:xfrm>
+          <a:prstGeom prst="straightConnector1">
+            <a:avLst/>
+          </a:prstGeom>
+          <a:ln>
+            <a:tailEnd type="triangle"/>
+          </a:ln>
+        </p:spPr>
+        <p:style>
+          <a:lnRef idx="3">
+            <a:schemeClr val="accent2"/>
+          </a:lnRef>
+          <a:fillRef idx="0">
+            <a:schemeClr val="accent2"/>
+          </a:fillRef>
+          <a:effectRef idx="2">
+            <a:schemeClr val="accent2"/>
+          </a:effectRef>
+          <a:fontRef idx="minor">
+            <a:schemeClr val="tx1"/>
+          </a:fontRef>
+        </p:style>
+      </p:cxnSp>
+      <p:sp>
+        <p:nvSpPr>
+          <p:cNvPr id="49" name="Rechteck 48"/>
+          <p:cNvSpPr/>
+          <p:nvPr/>
+        </p:nvSpPr>
+        <p:spPr>
+          <a:xfrm>
+            <a:off x="7765772" y="5713952"/>
+            <a:ext cx="2462534" cy="738664"/>
+          </a:xfrm>
+          <a:prstGeom prst="rect">
+            <a:avLst/>
+          </a:prstGeom>
+          <a:noFill/>
+        </p:spPr>
+        <p:txBody>
+          <a:bodyPr wrap="square" lIns="91440" tIns="45720" rIns="91440" bIns="45720">
+            <a:spAutoFit/>
+          </a:bodyPr>
+          <a:lstStyle/>
+          <a:p>
+            <a:r>
+              <a:rPr lang="de-DE" sz="1400" b="0" cap="none" spc="0" dirty="0">
+                <a:ln w="0"/>
+                <a:solidFill>
+                  <a:schemeClr val="tx1"/>
+                </a:solidFill>
+                <a:effectLst>
+                  <a:outerShdw blurRad="38100" dist="38100" dir="2700000" algn="tl">
+                    <a:srgbClr val="000000">
+                      <a:alpha val="43137"/>
+                    </a:srgbClr>
+                  </a:outerShdw>
+                </a:effectLst>
+              </a:rPr>
+              <a:t>Beim Klick auf diesen Button wird das neue Gerät in der Datenbank angelegt</a:t>
+            </a:r>
+          </a:p>
+        </p:txBody>
+      </p:sp>
+      <p:cxnSp>
+        <p:nvCxnSpPr>
+          <p:cNvPr id="50" name="Gerade Verbindung mit Pfeil 49"/>
+          <p:cNvCxnSpPr>
+            <a:cxnSpLocks/>
+          </p:cNvCxnSpPr>
+          <p:nvPr/>
+        </p:nvCxnSpPr>
+        <p:spPr>
+          <a:xfrm flipH="1" flipV="1">
+            <a:off x="6758610" y="2504661"/>
+            <a:ext cx="649355" cy="4572"/>
+          </a:xfrm>
+          <a:prstGeom prst="straightConnector1">
+            <a:avLst/>
+          </a:prstGeom>
+          <a:ln>
+            <a:tailEnd type="triangle"/>
+          </a:ln>
+        </p:spPr>
+        <p:style>
+          <a:lnRef idx="3">
+            <a:schemeClr val="accent2"/>
+          </a:lnRef>
+          <a:fillRef idx="0">
+            <a:schemeClr val="accent2"/>
+          </a:fillRef>
+          <a:effectRef idx="2">
+            <a:schemeClr val="accent2"/>
+          </a:effectRef>
+          <a:fontRef idx="minor">
+            <a:schemeClr val="tx1"/>
+          </a:fontRef>
+        </p:style>
+      </p:cxnSp>
+      <p:sp>
+        <p:nvSpPr>
+          <p:cNvPr id="51" name="Rechteck 50"/>
+          <p:cNvSpPr/>
+          <p:nvPr/>
+        </p:nvSpPr>
+        <p:spPr>
+          <a:xfrm>
+            <a:off x="7407965" y="2233889"/>
+            <a:ext cx="3295902" cy="523220"/>
+          </a:xfrm>
+          <a:prstGeom prst="rect">
+            <a:avLst/>
+          </a:prstGeom>
+          <a:noFill/>
+        </p:spPr>
+        <p:txBody>
+          <a:bodyPr wrap="none" lIns="91440" tIns="45720" rIns="91440" bIns="45720">
+            <a:spAutoFit/>
+          </a:bodyPr>
+          <a:lstStyle/>
+          <a:p>
+            <a:r>
+              <a:rPr lang="de-DE" sz="1400" b="0" cap="none" spc="0" dirty="0">
+                <a:ln w="0"/>
+                <a:solidFill>
+                  <a:schemeClr val="tx1"/>
+                </a:solidFill>
+                <a:effectLst>
+                  <a:outerShdw blurRad="38100" dist="19050" dir="2700000" algn="tl" rotWithShape="0">
+                    <a:schemeClr val="dk1">
+                      <a:alpha val="40000"/>
+                    </a:schemeClr>
+                  </a:outerShdw>
+                </a:effectLst>
+              </a:rPr>
+              <a:t>Hier muss der User die Gerätebezeichnung</a:t>
+            </a:r>
+          </a:p>
+          <a:p>
+            <a:r>
+              <a:rPr lang="de-DE" sz="1400" b="0" cap="none" spc="0" dirty="0">
+                <a:ln w="0"/>
+                <a:solidFill>
+                  <a:schemeClr val="tx1"/>
+                </a:solidFill>
+                <a:effectLst>
+                  <a:outerShdw blurRad="38100" dist="19050" dir="2700000" algn="tl" rotWithShape="0">
+                    <a:schemeClr val="dk1">
+                      <a:alpha val="40000"/>
+                    </a:schemeClr>
+                  </a:outerShdw>
+                </a:effectLst>
+              </a:rPr>
+              <a:t>des neuen Gerätes eintragen</a:t>
+            </a:r>
+          </a:p>
+        </p:txBody>
+      </p:sp>
+      <p:sp>
+        <p:nvSpPr>
+          <p:cNvPr id="52" name="Rechteck 51"/>
+          <p:cNvSpPr/>
+          <p:nvPr/>
+        </p:nvSpPr>
+        <p:spPr>
+          <a:xfrm>
+            <a:off x="6838122" y="1622055"/>
+            <a:ext cx="4366516" cy="307777"/>
+          </a:xfrm>
+          <a:prstGeom prst="rect">
+            <a:avLst/>
+          </a:prstGeom>
+          <a:noFill/>
+        </p:spPr>
+        <p:txBody>
+          <a:bodyPr wrap="none" lIns="91440" tIns="45720" rIns="91440" bIns="45720">
+            <a:spAutoFit/>
+          </a:bodyPr>
+          <a:lstStyle/>
+          <a:p>
+            <a:r>
+              <a:rPr lang="de-DE" sz="1400" b="0" cap="none" spc="0" dirty="0">
+                <a:ln w="0"/>
+                <a:solidFill>
+                  <a:schemeClr val="tx1"/>
+                </a:solidFill>
+                <a:effectLst>
+                  <a:outerShdw blurRad="38100" dist="38100" dir="2700000" algn="tl">
+                    <a:srgbClr val="000000">
+                      <a:alpha val="43137"/>
+                    </a:srgbClr>
+                  </a:outerShdw>
+                </a:effectLst>
+              </a:rPr>
+              <a:t>Dies ist nur ein Beispiel an Informationen, weitere folgen.</a:t>
+            </a:r>
+          </a:p>
+        </p:txBody>
+      </p:sp>
+      <p:cxnSp>
+        <p:nvCxnSpPr>
+          <p:cNvPr id="53" name="Gerade Verbindung mit Pfeil 52"/>
+          <p:cNvCxnSpPr>
+            <a:stCxn id="52" idx="1"/>
+          </p:cNvCxnSpPr>
+          <p:nvPr/>
+        </p:nvCxnSpPr>
+        <p:spPr>
+          <a:xfrm flipH="1">
+            <a:off x="6228522" y="1775944"/>
+            <a:ext cx="609600" cy="384160"/>
+          </a:xfrm>
+          <a:prstGeom prst="straightConnector1">
+            <a:avLst/>
+          </a:prstGeom>
+          <a:ln>
+            <a:tailEnd type="triangle"/>
+          </a:ln>
+        </p:spPr>
+        <p:style>
+          <a:lnRef idx="3">
+            <a:schemeClr val="accent2"/>
+          </a:lnRef>
+          <a:fillRef idx="0">
+            <a:schemeClr val="accent2"/>
+          </a:fillRef>
+          <a:effectRef idx="2">
+            <a:schemeClr val="accent2"/>
+          </a:effectRef>
+          <a:fontRef idx="minor">
+            <a:schemeClr val="tx1"/>
+          </a:fontRef>
+        </p:style>
+      </p:cxnSp>
+      <p:cxnSp>
+        <p:nvCxnSpPr>
+          <p:cNvPr id="54" name="Gerade Verbindung mit Pfeil 53"/>
+          <p:cNvCxnSpPr>
+            <a:cxnSpLocks/>
+          </p:cNvCxnSpPr>
+          <p:nvPr/>
+        </p:nvCxnSpPr>
+        <p:spPr>
+          <a:xfrm flipH="1" flipV="1">
+            <a:off x="6990522" y="3477016"/>
+            <a:ext cx="649355" cy="4572"/>
+          </a:xfrm>
+          <a:prstGeom prst="straightConnector1">
+            <a:avLst/>
+          </a:prstGeom>
+          <a:ln>
+            <a:tailEnd type="triangle"/>
+          </a:ln>
+        </p:spPr>
+        <p:style>
+          <a:lnRef idx="3">
+            <a:schemeClr val="accent2"/>
+          </a:lnRef>
+          <a:fillRef idx="0">
+            <a:schemeClr val="accent2"/>
+          </a:fillRef>
+          <a:effectRef idx="2">
+            <a:schemeClr val="accent2"/>
+          </a:effectRef>
+          <a:fontRef idx="minor">
+            <a:schemeClr val="tx1"/>
+          </a:fontRef>
+        </p:style>
+      </p:cxnSp>
+      <p:sp>
+        <p:nvSpPr>
+          <p:cNvPr id="55" name="Rechteck 54"/>
+          <p:cNvSpPr/>
+          <p:nvPr/>
+        </p:nvSpPr>
+        <p:spPr>
+          <a:xfrm>
+            <a:off x="7639877" y="3206244"/>
+            <a:ext cx="3447995" cy="523220"/>
+          </a:xfrm>
+          <a:prstGeom prst="rect">
+            <a:avLst/>
+          </a:prstGeom>
+          <a:noFill/>
+        </p:spPr>
+        <p:txBody>
+          <a:bodyPr wrap="none" lIns="91440" tIns="45720" rIns="91440" bIns="45720">
+            <a:spAutoFit/>
+          </a:bodyPr>
+          <a:lstStyle/>
+          <a:p>
+            <a:r>
+              <a:rPr lang="de-DE" sz="1400" b="0" cap="none" spc="0" dirty="0">
+                <a:ln w="0"/>
+                <a:solidFill>
+                  <a:schemeClr val="tx1"/>
+                </a:solidFill>
+                <a:effectLst>
+                  <a:outerShdw blurRad="38100" dist="19050" dir="2700000" algn="tl" rotWithShape="0">
+                    <a:schemeClr val="dk1">
+                      <a:alpha val="40000"/>
+                    </a:schemeClr>
+                  </a:outerShdw>
+                </a:effectLst>
+              </a:rPr>
+              <a:t>Ein Dropdownmenü -&gt; User muss passenden</a:t>
+            </a:r>
+          </a:p>
+          <a:p>
+            <a:r>
+              <a:rPr lang="de-DE" sz="1400" dirty="0">
+                <a:ln w="0"/>
+                <a:effectLst>
+                  <a:outerShdw blurRad="38100" dist="19050" dir="2700000" algn="tl" rotWithShape="0">
+                    <a:schemeClr val="dk1">
+                      <a:alpha val="40000"/>
+                    </a:schemeClr>
+                  </a:outerShdw>
+                </a:effectLst>
+              </a:rPr>
+              <a:t>Hersteller auswählen</a:t>
+            </a:r>
+            <a:endParaRPr lang="de-DE" sz="1400" b="0" cap="none" spc="0" dirty="0">
+              <a:ln w="0"/>
+              <a:solidFill>
+                <a:schemeClr val="tx1"/>
+              </a:solidFill>
+              <a:effectLst>
+                <a:outerShdw blurRad="38100" dist="19050" dir="2700000" algn="tl" rotWithShape="0">
+                  <a:schemeClr val="dk1">
+                    <a:alpha val="40000"/>
+                  </a:schemeClr>
+                </a:outerShdw>
+              </a:effectLst>
+            </a:endParaRPr>
+          </a:p>
+        </p:txBody>
+      </p:sp>
+      <p:cxnSp>
+        <p:nvCxnSpPr>
+          <p:cNvPr id="56" name="Gerade Verbindung mit Pfeil 55"/>
+          <p:cNvCxnSpPr>
+            <a:cxnSpLocks/>
+          </p:cNvCxnSpPr>
+          <p:nvPr/>
+        </p:nvCxnSpPr>
+        <p:spPr>
+          <a:xfrm flipH="1" flipV="1">
+            <a:off x="6990522" y="4477075"/>
+            <a:ext cx="649355" cy="4572"/>
+          </a:xfrm>
+          <a:prstGeom prst="straightConnector1">
+            <a:avLst/>
+          </a:prstGeom>
+          <a:ln>
+            <a:tailEnd type="triangle"/>
+          </a:ln>
+        </p:spPr>
+        <p:style>
+          <a:lnRef idx="3">
+            <a:schemeClr val="accent2"/>
+          </a:lnRef>
+          <a:fillRef idx="0">
+            <a:schemeClr val="accent2"/>
+          </a:fillRef>
+          <a:effectRef idx="2">
+            <a:schemeClr val="accent2"/>
+          </a:effectRef>
+          <a:fontRef idx="minor">
+            <a:schemeClr val="tx1"/>
+          </a:fontRef>
+        </p:style>
+      </p:cxnSp>
+      <p:sp>
+        <p:nvSpPr>
+          <p:cNvPr id="57" name="Rechteck 56"/>
+          <p:cNvSpPr/>
+          <p:nvPr/>
+        </p:nvSpPr>
+        <p:spPr>
+          <a:xfrm>
+            <a:off x="7639877" y="4206303"/>
+            <a:ext cx="3447995" cy="523220"/>
+          </a:xfrm>
+          <a:prstGeom prst="rect">
+            <a:avLst/>
+          </a:prstGeom>
+          <a:noFill/>
+        </p:spPr>
+        <p:txBody>
+          <a:bodyPr wrap="none" lIns="91440" tIns="45720" rIns="91440" bIns="45720">
+            <a:spAutoFit/>
+          </a:bodyPr>
+          <a:lstStyle/>
+          <a:p>
+            <a:r>
+              <a:rPr lang="de-DE" sz="1400" b="0" cap="none" spc="0" dirty="0">
+                <a:ln w="0"/>
+                <a:solidFill>
+                  <a:schemeClr val="tx1"/>
+                </a:solidFill>
+                <a:effectLst>
+                  <a:outerShdw blurRad="38100" dist="19050" dir="2700000" algn="tl" rotWithShape="0">
+                    <a:schemeClr val="dk1">
+                      <a:alpha val="40000"/>
+                    </a:schemeClr>
+                  </a:outerShdw>
+                </a:effectLst>
+              </a:rPr>
+              <a:t>Ein Dropdownmenü -&gt; User muss passenden</a:t>
+            </a:r>
+          </a:p>
+          <a:p>
+            <a:r>
+              <a:rPr lang="de-DE" sz="1400" dirty="0">
+                <a:ln w="0"/>
+                <a:effectLst>
+                  <a:outerShdw blurRad="38100" dist="19050" dir="2700000" algn="tl" rotWithShape="0">
+                    <a:schemeClr val="dk1">
+                      <a:alpha val="40000"/>
+                    </a:schemeClr>
+                  </a:outerShdw>
+                </a:effectLst>
+              </a:rPr>
+              <a:t>Raum auswählen</a:t>
+            </a:r>
+            <a:endParaRPr lang="de-DE" sz="1400" b="0" cap="none" spc="0" dirty="0">
+              <a:ln w="0"/>
+              <a:solidFill>
+                <a:schemeClr val="tx1"/>
+              </a:solidFill>
+              <a:effectLst>
+                <a:outerShdw blurRad="38100" dist="19050" dir="2700000" algn="tl" rotWithShape="0">
+                  <a:schemeClr val="dk1">
+                    <a:alpha val="40000"/>
+                  </a:schemeClr>
+                </a:outerShdw>
+              </a:effectLst>
+            </a:endParaRPr>
+          </a:p>
+        </p:txBody>
+      </p:sp>
     </p:spTree>
     <p:extLst>
       <p:ext uri="{BB962C8B-B14F-4D97-AF65-F5344CB8AC3E}">

--- a/layout/Layout.pptx
+++ b/layout/Layout.pptx
@@ -22,6 +22,9 @@
     <p:sldId id="271" r:id="rId16"/>
     <p:sldId id="272" r:id="rId17"/>
     <p:sldId id="273" r:id="rId18"/>
+    <p:sldId id="275" r:id="rId19"/>
+    <p:sldId id="276" r:id="rId20"/>
+    <p:sldId id="277" r:id="rId21"/>
   </p:sldIdLst>
   <p:sldSz cx="12192000" cy="6858000"/>
   <p:notesSz cx="6858000" cy="9144000"/>
@@ -3637,7 +3640,6 @@
           </a:bodyPr>
           <a:lstStyle/>
           <a:p>
-            <a:pPr algn="ctr"/>
             <a:r>
               <a:rPr lang="de-DE" sz="1400" b="0" cap="none" spc="0" dirty="0">
                 <a:ln w="0"/>
@@ -3654,6 +3656,191 @@
               </a:rPr>
               <a:t>Beim Klick auf diesen Button wird der User ausgeloggt</a:t>
             </a:r>
+          </a:p>
+        </p:txBody>
+      </p:sp>
+      <p:cxnSp>
+        <p:nvCxnSpPr>
+          <p:cNvPr id="6" name="Gerade Verbindung mit Pfeil 5"/>
+          <p:cNvCxnSpPr>
+            <a:cxnSpLocks/>
+          </p:cNvCxnSpPr>
+          <p:nvPr/>
+        </p:nvCxnSpPr>
+        <p:spPr>
+          <a:xfrm>
+            <a:off x="8534400" y="5181600"/>
+            <a:ext cx="1101003" cy="1447799"/>
+          </a:xfrm>
+          <a:prstGeom prst="straightConnector1">
+            <a:avLst/>
+          </a:prstGeom>
+          <a:ln>
+            <a:tailEnd type="triangle"/>
+          </a:ln>
+        </p:spPr>
+        <p:style>
+          <a:lnRef idx="3">
+            <a:schemeClr val="accent2"/>
+          </a:lnRef>
+          <a:fillRef idx="0">
+            <a:schemeClr val="accent2"/>
+          </a:fillRef>
+          <a:effectRef idx="2">
+            <a:schemeClr val="accent2"/>
+          </a:effectRef>
+          <a:fontRef idx="minor">
+            <a:schemeClr val="tx1"/>
+          </a:fontRef>
+        </p:style>
+      </p:cxnSp>
+      <p:sp>
+        <p:nvSpPr>
+          <p:cNvPr id="11" name="Rechteck 10"/>
+          <p:cNvSpPr/>
+          <p:nvPr/>
+        </p:nvSpPr>
+        <p:spPr>
+          <a:xfrm>
+            <a:off x="7116578" y="4691389"/>
+            <a:ext cx="3235437" cy="523220"/>
+          </a:xfrm>
+          <a:prstGeom prst="rect">
+            <a:avLst/>
+          </a:prstGeom>
+          <a:noFill/>
+        </p:spPr>
+        <p:txBody>
+          <a:bodyPr wrap="none" lIns="91440" tIns="45720" rIns="91440" bIns="45720">
+            <a:spAutoFit/>
+          </a:bodyPr>
+          <a:lstStyle/>
+          <a:p>
+            <a:r>
+              <a:rPr lang="de-DE" sz="1400" dirty="0">
+                <a:ln w="0"/>
+                <a:effectLst>
+                  <a:outerShdw blurRad="38100" dist="38100" dir="2700000" algn="tl">
+                    <a:srgbClr val="000000">
+                      <a:alpha val="43137"/>
+                    </a:srgbClr>
+                  </a:outerShdw>
+                </a:effectLst>
+              </a:rPr>
+              <a:t>Beim Klick auf diesen Button wird </a:t>
+            </a:r>
+          </a:p>
+          <a:p>
+            <a:r>
+              <a:rPr lang="de-DE" sz="1400" dirty="0">
+                <a:ln w="0"/>
+                <a:effectLst>
+                  <a:outerShdw blurRad="38100" dist="38100" dir="2700000" algn="tl">
+                    <a:srgbClr val="000000">
+                      <a:alpha val="43137"/>
+                    </a:srgbClr>
+                  </a:outerShdw>
+                </a:effectLst>
+              </a:rPr>
+              <a:t>der User auf die Ticketseite weitergeleitet</a:t>
+            </a:r>
+            <a:endParaRPr lang="de-DE" sz="1400" b="0" cap="none" spc="0" dirty="0">
+              <a:ln w="0"/>
+              <a:solidFill>
+                <a:schemeClr val="tx1"/>
+              </a:solidFill>
+              <a:effectLst>
+                <a:outerShdw blurRad="38100" dist="38100" dir="2700000" algn="tl">
+                  <a:srgbClr val="000000">
+                    <a:alpha val="43137"/>
+                  </a:srgbClr>
+                </a:outerShdw>
+              </a:effectLst>
+            </a:endParaRPr>
+          </a:p>
+        </p:txBody>
+      </p:sp>
+      <p:cxnSp>
+        <p:nvCxnSpPr>
+          <p:cNvPr id="10" name="Gerade Verbindung mit Pfeil 9"/>
+          <p:cNvCxnSpPr/>
+          <p:nvPr/>
+        </p:nvCxnSpPr>
+        <p:spPr>
+          <a:xfrm flipH="1">
+            <a:off x="1040235" y="2756452"/>
+            <a:ext cx="1000600" cy="0"/>
+          </a:xfrm>
+          <a:prstGeom prst="straightConnector1">
+            <a:avLst/>
+          </a:prstGeom>
+          <a:ln>
+            <a:tailEnd type="triangle"/>
+          </a:ln>
+        </p:spPr>
+        <p:style>
+          <a:lnRef idx="3">
+            <a:schemeClr val="accent2"/>
+          </a:lnRef>
+          <a:fillRef idx="0">
+            <a:schemeClr val="accent2"/>
+          </a:fillRef>
+          <a:effectRef idx="2">
+            <a:schemeClr val="accent2"/>
+          </a:effectRef>
+          <a:fontRef idx="minor">
+            <a:schemeClr val="tx1"/>
+          </a:fontRef>
+        </p:style>
+      </p:cxnSp>
+      <p:sp>
+        <p:nvSpPr>
+          <p:cNvPr id="12" name="Rechteck 11"/>
+          <p:cNvSpPr/>
+          <p:nvPr/>
+        </p:nvSpPr>
+        <p:spPr>
+          <a:xfrm>
+            <a:off x="2040835" y="2596012"/>
+            <a:ext cx="5230214" cy="307777"/>
+          </a:xfrm>
+          <a:prstGeom prst="rect">
+            <a:avLst/>
+          </a:prstGeom>
+          <a:noFill/>
+        </p:spPr>
+        <p:txBody>
+          <a:bodyPr wrap="none" lIns="91440" tIns="45720" rIns="91440" bIns="45720">
+            <a:spAutoFit/>
+          </a:bodyPr>
+          <a:lstStyle/>
+          <a:p>
+            <a:r>
+              <a:rPr lang="de-DE" sz="1400" dirty="0">
+                <a:ln w="0"/>
+                <a:effectLst>
+                  <a:outerShdw blurRad="38100" dist="19050" dir="2700000" algn="tl" rotWithShape="0">
+                    <a:schemeClr val="dk1">
+                      <a:alpha val="40000"/>
+                    </a:schemeClr>
+                  </a:outerShdw>
+                </a:effectLst>
+              </a:rPr>
+              <a:t>Das Untermenü passt sich an den ausgewählten Hauptmenüpunkt an</a:t>
+            </a:r>
+            <a:endParaRPr lang="de-DE" sz="1400" b="0" cap="none" spc="0" dirty="0">
+              <a:ln w="0"/>
+              <a:solidFill>
+                <a:schemeClr val="tx1"/>
+              </a:solidFill>
+              <a:effectLst>
+                <a:outerShdw blurRad="38100" dist="19050" dir="2700000" algn="tl" rotWithShape="0">
+                  <a:schemeClr val="dk1">
+                    <a:alpha val="40000"/>
+                  </a:schemeClr>
+                </a:outerShdw>
+              </a:effectLst>
+            </a:endParaRPr>
           </a:p>
         </p:txBody>
       </p:sp>
@@ -17505,10 +17692,4281 @@
           </a:p>
         </p:txBody>
       </p:sp>
+      <p:cxnSp>
+        <p:nvCxnSpPr>
+          <p:cNvPr id="37" name="Gerade Verbindung mit Pfeil 36"/>
+          <p:cNvCxnSpPr>
+            <a:cxnSpLocks/>
+          </p:cNvCxnSpPr>
+          <p:nvPr/>
+        </p:nvCxnSpPr>
+        <p:spPr>
+          <a:xfrm flipH="1" flipV="1">
+            <a:off x="6758610" y="2504661"/>
+            <a:ext cx="649356" cy="4572"/>
+          </a:xfrm>
+          <a:prstGeom prst="straightConnector1">
+            <a:avLst/>
+          </a:prstGeom>
+          <a:ln>
+            <a:tailEnd type="triangle"/>
+          </a:ln>
+        </p:spPr>
+        <p:style>
+          <a:lnRef idx="3">
+            <a:schemeClr val="accent2"/>
+          </a:lnRef>
+          <a:fillRef idx="0">
+            <a:schemeClr val="accent2"/>
+          </a:fillRef>
+          <a:effectRef idx="2">
+            <a:schemeClr val="accent2"/>
+          </a:effectRef>
+          <a:fontRef idx="minor">
+            <a:schemeClr val="tx1"/>
+          </a:fontRef>
+        </p:style>
+      </p:cxnSp>
+      <p:sp>
+        <p:nvSpPr>
+          <p:cNvPr id="38" name="Rechteck 37"/>
+          <p:cNvSpPr/>
+          <p:nvPr/>
+        </p:nvSpPr>
+        <p:spPr>
+          <a:xfrm>
+            <a:off x="7407965" y="2233889"/>
+            <a:ext cx="3599018" cy="523220"/>
+          </a:xfrm>
+          <a:prstGeom prst="rect">
+            <a:avLst/>
+          </a:prstGeom>
+          <a:noFill/>
+        </p:spPr>
+        <p:txBody>
+          <a:bodyPr wrap="square" lIns="91440" tIns="45720" rIns="91440" bIns="45720">
+            <a:spAutoFit/>
+          </a:bodyPr>
+          <a:lstStyle/>
+          <a:p>
+            <a:r>
+              <a:rPr lang="de-DE" sz="1400" b="0" cap="none" spc="0" dirty="0">
+                <a:ln w="0"/>
+                <a:solidFill>
+                  <a:schemeClr val="tx1"/>
+                </a:solidFill>
+                <a:effectLst>
+                  <a:outerShdw blurRad="38100" dist="19050" dir="2700000" algn="tl" rotWithShape="0">
+                    <a:schemeClr val="dk1">
+                      <a:alpha val="40000"/>
+                    </a:schemeClr>
+                  </a:outerShdw>
+                </a:effectLst>
+              </a:rPr>
+              <a:t>Hier muss der User die Lieferantenbezeichnung</a:t>
+            </a:r>
+          </a:p>
+          <a:p>
+            <a:r>
+              <a:rPr lang="de-DE" sz="1400" dirty="0">
+                <a:ln w="0"/>
+                <a:effectLst>
+                  <a:outerShdw blurRad="38100" dist="19050" dir="2700000" algn="tl" rotWithShape="0">
+                    <a:schemeClr val="dk1">
+                      <a:alpha val="40000"/>
+                    </a:schemeClr>
+                  </a:outerShdw>
+                </a:effectLst>
+              </a:rPr>
+              <a:t>des neuen Lieferanten </a:t>
+            </a:r>
+            <a:r>
+              <a:rPr lang="de-DE" sz="1400" b="0" cap="none" spc="0" dirty="0">
+                <a:ln w="0"/>
+                <a:solidFill>
+                  <a:schemeClr val="tx1"/>
+                </a:solidFill>
+                <a:effectLst>
+                  <a:outerShdw blurRad="38100" dist="19050" dir="2700000" algn="tl" rotWithShape="0">
+                    <a:schemeClr val="dk1">
+                      <a:alpha val="40000"/>
+                    </a:schemeClr>
+                  </a:outerShdw>
+                </a:effectLst>
+              </a:rPr>
+              <a:t>eintragen</a:t>
+            </a:r>
+          </a:p>
+        </p:txBody>
+      </p:sp>
+      <p:sp>
+        <p:nvSpPr>
+          <p:cNvPr id="39" name="Rechteck 38"/>
+          <p:cNvSpPr/>
+          <p:nvPr/>
+        </p:nvSpPr>
+        <p:spPr>
+          <a:xfrm>
+            <a:off x="6838122" y="1622055"/>
+            <a:ext cx="4366516" cy="307777"/>
+          </a:xfrm>
+          <a:prstGeom prst="rect">
+            <a:avLst/>
+          </a:prstGeom>
+          <a:noFill/>
+        </p:spPr>
+        <p:txBody>
+          <a:bodyPr wrap="square" lIns="91440" tIns="45720" rIns="91440" bIns="45720">
+            <a:spAutoFit/>
+          </a:bodyPr>
+          <a:lstStyle/>
+          <a:p>
+            <a:r>
+              <a:rPr lang="de-DE" sz="1400" b="0" cap="none" spc="0" dirty="0">
+                <a:ln w="0"/>
+                <a:solidFill>
+                  <a:schemeClr val="tx1"/>
+                </a:solidFill>
+                <a:effectLst>
+                  <a:outerShdw blurRad="38100" dist="38100" dir="2700000" algn="tl">
+                    <a:srgbClr val="000000">
+                      <a:alpha val="43137"/>
+                    </a:srgbClr>
+                  </a:outerShdw>
+                </a:effectLst>
+              </a:rPr>
+              <a:t>Dies ist nur ein Beispiel an Informationen, weitere folgen.</a:t>
+            </a:r>
+          </a:p>
+        </p:txBody>
+      </p:sp>
+      <p:cxnSp>
+        <p:nvCxnSpPr>
+          <p:cNvPr id="40" name="Gerade Verbindung mit Pfeil 39"/>
+          <p:cNvCxnSpPr>
+            <a:cxnSpLocks/>
+            <a:stCxn id="39" idx="1"/>
+          </p:cNvCxnSpPr>
+          <p:nvPr/>
+        </p:nvCxnSpPr>
+        <p:spPr>
+          <a:xfrm flipH="1">
+            <a:off x="6665844" y="1775944"/>
+            <a:ext cx="172278" cy="514380"/>
+          </a:xfrm>
+          <a:prstGeom prst="straightConnector1">
+            <a:avLst/>
+          </a:prstGeom>
+          <a:ln>
+            <a:tailEnd type="triangle"/>
+          </a:ln>
+        </p:spPr>
+        <p:style>
+          <a:lnRef idx="3">
+            <a:schemeClr val="accent2"/>
+          </a:lnRef>
+          <a:fillRef idx="0">
+            <a:schemeClr val="accent2"/>
+          </a:fillRef>
+          <a:effectRef idx="2">
+            <a:schemeClr val="accent2"/>
+          </a:effectRef>
+          <a:fontRef idx="minor">
+            <a:schemeClr val="tx1"/>
+          </a:fontRef>
+        </p:style>
+      </p:cxnSp>
+      <p:cxnSp>
+        <p:nvCxnSpPr>
+          <p:cNvPr id="41" name="Gerade Verbindung mit Pfeil 40"/>
+          <p:cNvCxnSpPr>
+            <a:cxnSpLocks/>
+          </p:cNvCxnSpPr>
+          <p:nvPr/>
+        </p:nvCxnSpPr>
+        <p:spPr>
+          <a:xfrm flipH="1">
+            <a:off x="6758610" y="3481696"/>
+            <a:ext cx="649357" cy="0"/>
+          </a:xfrm>
+          <a:prstGeom prst="straightConnector1">
+            <a:avLst/>
+          </a:prstGeom>
+          <a:ln>
+            <a:tailEnd type="triangle"/>
+          </a:ln>
+        </p:spPr>
+        <p:style>
+          <a:lnRef idx="3">
+            <a:schemeClr val="accent2"/>
+          </a:lnRef>
+          <a:fillRef idx="0">
+            <a:schemeClr val="accent2"/>
+          </a:fillRef>
+          <a:effectRef idx="2">
+            <a:schemeClr val="accent2"/>
+          </a:effectRef>
+          <a:fontRef idx="minor">
+            <a:schemeClr val="tx1"/>
+          </a:fontRef>
+        </p:style>
+      </p:cxnSp>
+      <p:sp>
+        <p:nvSpPr>
+          <p:cNvPr id="42" name="Rechteck 41"/>
+          <p:cNvSpPr/>
+          <p:nvPr/>
+        </p:nvSpPr>
+        <p:spPr>
+          <a:xfrm>
+            <a:off x="7407965" y="3206352"/>
+            <a:ext cx="2676939" cy="523220"/>
+          </a:xfrm>
+          <a:prstGeom prst="rect">
+            <a:avLst/>
+          </a:prstGeom>
+          <a:noFill/>
+        </p:spPr>
+        <p:txBody>
+          <a:bodyPr wrap="square" lIns="91440" tIns="45720" rIns="91440" bIns="45720">
+            <a:spAutoFit/>
+          </a:bodyPr>
+          <a:lstStyle/>
+          <a:p>
+            <a:r>
+              <a:rPr lang="de-DE" sz="1400" b="0" cap="none" spc="0" dirty="0">
+                <a:ln w="0"/>
+                <a:solidFill>
+                  <a:schemeClr val="tx1"/>
+                </a:solidFill>
+                <a:effectLst>
+                  <a:outerShdw blurRad="38100" dist="19050" dir="2700000" algn="tl" rotWithShape="0">
+                    <a:schemeClr val="dk1">
+                      <a:alpha val="40000"/>
+                    </a:schemeClr>
+                  </a:outerShdw>
+                </a:effectLst>
+              </a:rPr>
+              <a:t>Hier muss der User die Adresse</a:t>
+            </a:r>
+          </a:p>
+          <a:p>
+            <a:r>
+              <a:rPr lang="de-DE" sz="1400" dirty="0">
+                <a:ln w="0"/>
+                <a:effectLst>
+                  <a:outerShdw blurRad="38100" dist="19050" dir="2700000" algn="tl" rotWithShape="0">
+                    <a:schemeClr val="dk1">
+                      <a:alpha val="40000"/>
+                    </a:schemeClr>
+                  </a:outerShdw>
+                </a:effectLst>
+              </a:rPr>
+              <a:t>des neuen Lieferanten </a:t>
+            </a:r>
+            <a:r>
+              <a:rPr lang="de-DE" sz="1400" b="0" cap="none" spc="0" dirty="0">
+                <a:ln w="0"/>
+                <a:solidFill>
+                  <a:schemeClr val="tx1"/>
+                </a:solidFill>
+                <a:effectLst>
+                  <a:outerShdw blurRad="38100" dist="19050" dir="2700000" algn="tl" rotWithShape="0">
+                    <a:schemeClr val="dk1">
+                      <a:alpha val="40000"/>
+                    </a:schemeClr>
+                  </a:outerShdw>
+                </a:effectLst>
+              </a:rPr>
+              <a:t>eintragen</a:t>
+            </a:r>
+          </a:p>
+        </p:txBody>
+      </p:sp>
+      <p:cxnSp>
+        <p:nvCxnSpPr>
+          <p:cNvPr id="43" name="Gerade Verbindung mit Pfeil 42"/>
+          <p:cNvCxnSpPr>
+            <a:cxnSpLocks/>
+          </p:cNvCxnSpPr>
+          <p:nvPr/>
+        </p:nvCxnSpPr>
+        <p:spPr>
+          <a:xfrm flipH="1">
+            <a:off x="6758610" y="4508897"/>
+            <a:ext cx="649357" cy="0"/>
+          </a:xfrm>
+          <a:prstGeom prst="straightConnector1">
+            <a:avLst/>
+          </a:prstGeom>
+          <a:ln>
+            <a:tailEnd type="triangle"/>
+          </a:ln>
+        </p:spPr>
+        <p:style>
+          <a:lnRef idx="3">
+            <a:schemeClr val="accent2"/>
+          </a:lnRef>
+          <a:fillRef idx="0">
+            <a:schemeClr val="accent2"/>
+          </a:fillRef>
+          <a:effectRef idx="2">
+            <a:schemeClr val="accent2"/>
+          </a:effectRef>
+          <a:fontRef idx="minor">
+            <a:schemeClr val="tx1"/>
+          </a:fontRef>
+        </p:style>
+      </p:cxnSp>
+      <p:sp>
+        <p:nvSpPr>
+          <p:cNvPr id="44" name="Rechteck 43"/>
+          <p:cNvSpPr/>
+          <p:nvPr/>
+        </p:nvSpPr>
+        <p:spPr>
+          <a:xfrm>
+            <a:off x="7407965" y="4233553"/>
+            <a:ext cx="3136808" cy="523220"/>
+          </a:xfrm>
+          <a:prstGeom prst="rect">
+            <a:avLst/>
+          </a:prstGeom>
+          <a:noFill/>
+        </p:spPr>
+        <p:txBody>
+          <a:bodyPr wrap="square" lIns="91440" tIns="45720" rIns="91440" bIns="45720">
+            <a:spAutoFit/>
+          </a:bodyPr>
+          <a:lstStyle/>
+          <a:p>
+            <a:r>
+              <a:rPr lang="de-DE" sz="1400" b="0" cap="none" spc="0" dirty="0">
+                <a:ln w="0"/>
+                <a:solidFill>
+                  <a:schemeClr val="tx1"/>
+                </a:solidFill>
+                <a:effectLst>
+                  <a:outerShdw blurRad="38100" dist="19050" dir="2700000" algn="tl" rotWithShape="0">
+                    <a:schemeClr val="dk1">
+                      <a:alpha val="40000"/>
+                    </a:schemeClr>
+                  </a:outerShdw>
+                </a:effectLst>
+              </a:rPr>
+              <a:t>Hier muss der User die </a:t>
+            </a:r>
+            <a:r>
+              <a:rPr lang="de-DE" sz="1400" dirty="0">
+                <a:ln w="0"/>
+                <a:effectLst>
+                  <a:outerShdw blurRad="38100" dist="19050" dir="2700000" algn="tl" rotWithShape="0">
+                    <a:schemeClr val="dk1">
+                      <a:alpha val="40000"/>
+                    </a:schemeClr>
+                  </a:outerShdw>
+                </a:effectLst>
+              </a:rPr>
+              <a:t>T</a:t>
+            </a:r>
+            <a:r>
+              <a:rPr lang="de-DE" sz="1400" b="0" cap="none" spc="0" dirty="0">
+                <a:ln w="0"/>
+                <a:solidFill>
+                  <a:schemeClr val="tx1"/>
+                </a:solidFill>
+                <a:effectLst>
+                  <a:outerShdw blurRad="38100" dist="19050" dir="2700000" algn="tl" rotWithShape="0">
+                    <a:schemeClr val="dk1">
+                      <a:alpha val="40000"/>
+                    </a:schemeClr>
+                  </a:outerShdw>
+                </a:effectLst>
+              </a:rPr>
+              <a:t>elefonnummer</a:t>
+            </a:r>
+          </a:p>
+          <a:p>
+            <a:r>
+              <a:rPr lang="de-DE" sz="1400" dirty="0">
+                <a:ln w="0"/>
+                <a:effectLst>
+                  <a:outerShdw blurRad="38100" dist="19050" dir="2700000" algn="tl" rotWithShape="0">
+                    <a:schemeClr val="dk1">
+                      <a:alpha val="40000"/>
+                    </a:schemeClr>
+                  </a:outerShdw>
+                </a:effectLst>
+              </a:rPr>
+              <a:t>des neuen Lieferanten </a:t>
+            </a:r>
+            <a:r>
+              <a:rPr lang="de-DE" sz="1400" b="0" cap="none" spc="0" dirty="0">
+                <a:ln w="0"/>
+                <a:solidFill>
+                  <a:schemeClr val="tx1"/>
+                </a:solidFill>
+                <a:effectLst>
+                  <a:outerShdw blurRad="38100" dist="19050" dir="2700000" algn="tl" rotWithShape="0">
+                    <a:schemeClr val="dk1">
+                      <a:alpha val="40000"/>
+                    </a:schemeClr>
+                  </a:outerShdw>
+                </a:effectLst>
+              </a:rPr>
+              <a:t>eintragen</a:t>
+            </a:r>
+          </a:p>
+        </p:txBody>
+      </p:sp>
+      <p:cxnSp>
+        <p:nvCxnSpPr>
+          <p:cNvPr id="48" name="Gerade Verbindung mit Pfeil 47"/>
+          <p:cNvCxnSpPr>
+            <a:cxnSpLocks/>
+          </p:cNvCxnSpPr>
+          <p:nvPr/>
+        </p:nvCxnSpPr>
+        <p:spPr>
+          <a:xfrm>
+            <a:off x="2501177" y="5884816"/>
+            <a:ext cx="560075" cy="279379"/>
+          </a:xfrm>
+          <a:prstGeom prst="straightConnector1">
+            <a:avLst/>
+          </a:prstGeom>
+          <a:ln>
+            <a:tailEnd type="triangle"/>
+          </a:ln>
+        </p:spPr>
+        <p:style>
+          <a:lnRef idx="3">
+            <a:schemeClr val="accent2"/>
+          </a:lnRef>
+          <a:fillRef idx="0">
+            <a:schemeClr val="accent2"/>
+          </a:fillRef>
+          <a:effectRef idx="2">
+            <a:schemeClr val="accent2"/>
+          </a:effectRef>
+          <a:fontRef idx="minor">
+            <a:schemeClr val="tx1"/>
+          </a:fontRef>
+        </p:style>
+      </p:cxnSp>
+      <p:sp>
+        <p:nvSpPr>
+          <p:cNvPr id="49" name="Rechteck 48"/>
+          <p:cNvSpPr/>
+          <p:nvPr/>
+        </p:nvSpPr>
+        <p:spPr>
+          <a:xfrm>
+            <a:off x="383131" y="5448126"/>
+            <a:ext cx="2462534" cy="738664"/>
+          </a:xfrm>
+          <a:prstGeom prst="rect">
+            <a:avLst/>
+          </a:prstGeom>
+          <a:noFill/>
+        </p:spPr>
+        <p:txBody>
+          <a:bodyPr wrap="square" lIns="91440" tIns="45720" rIns="91440" bIns="45720">
+            <a:spAutoFit/>
+          </a:bodyPr>
+          <a:lstStyle/>
+          <a:p>
+            <a:r>
+              <a:rPr lang="de-DE" sz="1400" b="0" cap="none" spc="0" dirty="0">
+                <a:ln w="0"/>
+                <a:solidFill>
+                  <a:schemeClr val="tx1"/>
+                </a:solidFill>
+                <a:effectLst>
+                  <a:outerShdw blurRad="38100" dist="38100" dir="2700000" algn="tl">
+                    <a:srgbClr val="000000">
+                      <a:alpha val="43137"/>
+                    </a:srgbClr>
+                  </a:outerShdw>
+                </a:effectLst>
+              </a:rPr>
+              <a:t>Beim Klick auf diesen Button werden die eingetragenen Informationen gelöscht</a:t>
+            </a:r>
+          </a:p>
+        </p:txBody>
+      </p:sp>
+      <p:cxnSp>
+        <p:nvCxnSpPr>
+          <p:cNvPr id="50" name="Gerade Verbindung mit Pfeil 49"/>
+          <p:cNvCxnSpPr>
+            <a:cxnSpLocks/>
+          </p:cNvCxnSpPr>
+          <p:nvPr/>
+        </p:nvCxnSpPr>
+        <p:spPr>
+          <a:xfrm flipH="1">
+            <a:off x="6990522" y="5880756"/>
+            <a:ext cx="775252" cy="306034"/>
+          </a:xfrm>
+          <a:prstGeom prst="straightConnector1">
+            <a:avLst/>
+          </a:prstGeom>
+          <a:ln>
+            <a:tailEnd type="triangle"/>
+          </a:ln>
+        </p:spPr>
+        <p:style>
+          <a:lnRef idx="3">
+            <a:schemeClr val="accent2"/>
+          </a:lnRef>
+          <a:fillRef idx="0">
+            <a:schemeClr val="accent2"/>
+          </a:fillRef>
+          <a:effectRef idx="2">
+            <a:schemeClr val="accent2"/>
+          </a:effectRef>
+          <a:fontRef idx="minor">
+            <a:schemeClr val="tx1"/>
+          </a:fontRef>
+        </p:style>
+      </p:cxnSp>
+      <p:sp>
+        <p:nvSpPr>
+          <p:cNvPr id="51" name="Rechteck 50"/>
+          <p:cNvSpPr/>
+          <p:nvPr/>
+        </p:nvSpPr>
+        <p:spPr>
+          <a:xfrm>
+            <a:off x="7765772" y="5713952"/>
+            <a:ext cx="2462534" cy="738664"/>
+          </a:xfrm>
+          <a:prstGeom prst="rect">
+            <a:avLst/>
+          </a:prstGeom>
+          <a:noFill/>
+        </p:spPr>
+        <p:txBody>
+          <a:bodyPr wrap="square" lIns="91440" tIns="45720" rIns="91440" bIns="45720">
+            <a:spAutoFit/>
+          </a:bodyPr>
+          <a:lstStyle/>
+          <a:p>
+            <a:r>
+              <a:rPr lang="de-DE" sz="1400" b="0" cap="none" spc="0" dirty="0">
+                <a:ln w="0"/>
+                <a:solidFill>
+                  <a:schemeClr val="tx1"/>
+                </a:solidFill>
+                <a:effectLst>
+                  <a:outerShdw blurRad="38100" dist="38100" dir="2700000" algn="tl">
+                    <a:srgbClr val="000000">
+                      <a:alpha val="43137"/>
+                    </a:srgbClr>
+                  </a:outerShdw>
+                </a:effectLst>
+              </a:rPr>
+              <a:t>Beim Klick auf diesen Button wird der neue Lieferant in der Datenbank angelegt</a:t>
+            </a:r>
+          </a:p>
+        </p:txBody>
+      </p:sp>
     </p:spTree>
     <p:extLst>
       <p:ext uri="{BB962C8B-B14F-4D97-AF65-F5344CB8AC3E}">
         <p14:creationId xmlns:p14="http://schemas.microsoft.com/office/powerpoint/2010/main" val="4192720969"/>
+      </p:ext>
+    </p:extLst>
+  </p:cSld>
+  <p:clrMapOvr>
+    <a:masterClrMapping/>
+  </p:clrMapOvr>
+</p:sld>
+</file>
+
+<file path=ppt/slides/slide18.xml><?xml version="1.0" encoding="utf-8"?>
+<p:sld xmlns:a="http://schemas.openxmlformats.org/drawingml/2006/main" xmlns:r="http://schemas.openxmlformats.org/officeDocument/2006/relationships" xmlns:p="http://schemas.openxmlformats.org/presentationml/2006/main">
+  <p:cSld>
+    <p:spTree>
+      <p:nvGrpSpPr>
+        <p:cNvPr id="1" name=""/>
+        <p:cNvGrpSpPr/>
+        <p:nvPr/>
+      </p:nvGrpSpPr>
+      <p:grpSpPr>
+        <a:xfrm>
+          <a:off x="0" y="0"/>
+          <a:ext cx="0" cy="0"/>
+          <a:chOff x="0" y="0"/>
+          <a:chExt cx="0" cy="0"/>
+        </a:xfrm>
+      </p:grpSpPr>
+      <p:sp>
+        <p:nvSpPr>
+          <p:cNvPr id="14" name="Rechteck 13"/>
+          <p:cNvSpPr/>
+          <p:nvPr/>
+        </p:nvSpPr>
+        <p:spPr>
+          <a:xfrm>
+            <a:off x="0" y="620785"/>
+            <a:ext cx="1484244" cy="5972962"/>
+          </a:xfrm>
+          <a:prstGeom prst="rect">
+            <a:avLst/>
+          </a:prstGeom>
+          <a:solidFill>
+            <a:srgbClr val="9ABEDF"/>
+          </a:solidFill>
+          <a:ln>
+            <a:solidFill>
+              <a:srgbClr val="9ABEDF"/>
+            </a:solidFill>
+          </a:ln>
+        </p:spPr>
+        <p:style>
+          <a:lnRef idx="2">
+            <a:schemeClr val="accent1">
+              <a:shade val="50000"/>
+            </a:schemeClr>
+          </a:lnRef>
+          <a:fillRef idx="1">
+            <a:schemeClr val="accent1"/>
+          </a:fillRef>
+          <a:effectRef idx="0">
+            <a:schemeClr val="accent1"/>
+          </a:effectRef>
+          <a:fontRef idx="minor">
+            <a:schemeClr val="lt1"/>
+          </a:fontRef>
+        </p:style>
+        <p:txBody>
+          <a:bodyPr rtlCol="0" anchor="ctr"/>
+          <a:lstStyle/>
+          <a:p>
+            <a:pPr algn="ctr"/>
+            <a:endParaRPr lang="de-DE"/>
+          </a:p>
+        </p:txBody>
+      </p:sp>
+      <p:sp>
+        <p:nvSpPr>
+          <p:cNvPr id="5" name="Rechteck 4"/>
+          <p:cNvSpPr/>
+          <p:nvPr/>
+        </p:nvSpPr>
+        <p:spPr>
+          <a:xfrm>
+            <a:off x="0" y="6593747"/>
+            <a:ext cx="12192000" cy="264253"/>
+          </a:xfrm>
+          <a:prstGeom prst="rect">
+            <a:avLst/>
+          </a:prstGeom>
+          <a:solidFill>
+            <a:srgbClr val="9ABEDF"/>
+          </a:solidFill>
+          <a:ln>
+            <a:solidFill>
+              <a:srgbClr val="9ABEDF"/>
+            </a:solidFill>
+          </a:ln>
+        </p:spPr>
+        <p:style>
+          <a:lnRef idx="2">
+            <a:schemeClr val="accent1">
+              <a:shade val="50000"/>
+            </a:schemeClr>
+          </a:lnRef>
+          <a:fillRef idx="1">
+            <a:schemeClr val="accent1"/>
+          </a:fillRef>
+          <a:effectRef idx="0">
+            <a:schemeClr val="accent1"/>
+          </a:effectRef>
+          <a:fontRef idx="minor">
+            <a:schemeClr val="lt1"/>
+          </a:fontRef>
+        </p:style>
+        <p:txBody>
+          <a:bodyPr rtlCol="0" anchor="ctr"/>
+          <a:lstStyle/>
+          <a:p>
+            <a:pPr algn="ctr"/>
+            <a:endParaRPr lang="de-DE"/>
+          </a:p>
+        </p:txBody>
+      </p:sp>
+      <p:sp>
+        <p:nvSpPr>
+          <p:cNvPr id="8" name="Rechteck 7"/>
+          <p:cNvSpPr/>
+          <p:nvPr/>
+        </p:nvSpPr>
+        <p:spPr>
+          <a:xfrm>
+            <a:off x="11232859" y="6629399"/>
+            <a:ext cx="864066" cy="192947"/>
+          </a:xfrm>
+          <a:prstGeom prst="rect">
+            <a:avLst/>
+          </a:prstGeom>
+        </p:spPr>
+        <p:style>
+          <a:lnRef idx="2">
+            <a:schemeClr val="dk1"/>
+          </a:lnRef>
+          <a:fillRef idx="1">
+            <a:schemeClr val="lt1"/>
+          </a:fillRef>
+          <a:effectRef idx="0">
+            <a:schemeClr val="dk1"/>
+          </a:effectRef>
+          <a:fontRef idx="minor">
+            <a:schemeClr val="dk1"/>
+          </a:fontRef>
+        </p:style>
+        <p:txBody>
+          <a:bodyPr rtlCol="0" anchor="ctr"/>
+          <a:lstStyle/>
+          <a:p>
+            <a:pPr algn="ctr"/>
+            <a:r>
+              <a:rPr lang="de-DE" dirty="0"/>
+              <a:t>Hilfe</a:t>
+            </a:r>
+          </a:p>
+        </p:txBody>
+      </p:sp>
+      <p:sp>
+        <p:nvSpPr>
+          <p:cNvPr id="9" name="Rechteck 8"/>
+          <p:cNvSpPr/>
+          <p:nvPr/>
+        </p:nvSpPr>
+        <p:spPr>
+          <a:xfrm>
+            <a:off x="9571839" y="6629399"/>
+            <a:ext cx="1560352" cy="192947"/>
+          </a:xfrm>
+          <a:prstGeom prst="rect">
+            <a:avLst/>
+          </a:prstGeom>
+        </p:spPr>
+        <p:style>
+          <a:lnRef idx="2">
+            <a:schemeClr val="dk1"/>
+          </a:lnRef>
+          <a:fillRef idx="1">
+            <a:schemeClr val="lt1"/>
+          </a:fillRef>
+          <a:effectRef idx="0">
+            <a:schemeClr val="dk1"/>
+          </a:effectRef>
+          <a:fontRef idx="minor">
+            <a:schemeClr val="dk1"/>
+          </a:fontRef>
+        </p:style>
+        <p:txBody>
+          <a:bodyPr rtlCol="0" anchor="ctr"/>
+          <a:lstStyle/>
+          <a:p>
+            <a:pPr algn="ctr"/>
+            <a:r>
+              <a:rPr lang="de-DE" dirty="0"/>
+              <a:t>Kontakt/Ticket</a:t>
+            </a:r>
+          </a:p>
+        </p:txBody>
+      </p:sp>
+      <p:sp>
+        <p:nvSpPr>
+          <p:cNvPr id="23" name="Rechteck 22"/>
+          <p:cNvSpPr/>
+          <p:nvPr/>
+        </p:nvSpPr>
+        <p:spPr>
+          <a:xfrm>
+            <a:off x="134224" y="6629399"/>
+            <a:ext cx="1498023" cy="192947"/>
+          </a:xfrm>
+          <a:prstGeom prst="rect">
+            <a:avLst/>
+          </a:prstGeom>
+        </p:spPr>
+        <p:style>
+          <a:lnRef idx="2">
+            <a:schemeClr val="dk1"/>
+          </a:lnRef>
+          <a:fillRef idx="1">
+            <a:schemeClr val="lt1"/>
+          </a:fillRef>
+          <a:effectRef idx="0">
+            <a:schemeClr val="dk1"/>
+          </a:effectRef>
+          <a:fontRef idx="minor">
+            <a:schemeClr val="dk1"/>
+          </a:fontRef>
+        </p:style>
+        <p:txBody>
+          <a:bodyPr rtlCol="0" anchor="ctr"/>
+          <a:lstStyle/>
+          <a:p>
+            <a:pPr algn="ctr"/>
+            <a:r>
+              <a:rPr lang="de-DE" sz="1400" dirty="0">
+                <a:solidFill>
+                  <a:schemeClr val="tx1"/>
+                </a:solidFill>
+              </a:rPr>
+              <a:t>Link zur Schul-HP</a:t>
+            </a:r>
+          </a:p>
+        </p:txBody>
+      </p:sp>
+      <p:sp>
+        <p:nvSpPr>
+          <p:cNvPr id="3" name="Rechteck 2"/>
+          <p:cNvSpPr/>
+          <p:nvPr/>
+        </p:nvSpPr>
+        <p:spPr>
+          <a:xfrm>
+            <a:off x="1632246" y="718144"/>
+            <a:ext cx="4450501" cy="646331"/>
+          </a:xfrm>
+          <a:prstGeom prst="rect">
+            <a:avLst/>
+          </a:prstGeom>
+          <a:noFill/>
+        </p:spPr>
+        <p:txBody>
+          <a:bodyPr wrap="square" lIns="91440" tIns="45720" rIns="91440" bIns="45720">
+            <a:spAutoFit/>
+          </a:bodyPr>
+          <a:lstStyle/>
+          <a:p>
+            <a:r>
+              <a:rPr lang="de-DE" sz="3600" b="0" cap="none" spc="0" dirty="0">
+                <a:ln w="0"/>
+                <a:solidFill>
+                  <a:schemeClr val="tx1"/>
+                </a:solidFill>
+                <a:effectLst>
+                  <a:outerShdw blurRad="38100" dist="19050" dir="2700000" algn="tl" rotWithShape="0">
+                    <a:schemeClr val="dk1">
+                      <a:alpha val="40000"/>
+                    </a:schemeClr>
+                  </a:outerShdw>
+                </a:effectLst>
+              </a:rPr>
+              <a:t>Ticketverwaltung</a:t>
+            </a:r>
+          </a:p>
+        </p:txBody>
+      </p:sp>
+      <p:pic>
+        <p:nvPicPr>
+          <p:cNvPr id="30" name="Grafik 29"/>
+          <p:cNvPicPr>
+            <a:picLocks noChangeAspect="1"/>
+          </p:cNvPicPr>
+          <p:nvPr/>
+        </p:nvPicPr>
+        <p:blipFill>
+          <a:blip r:embed="rId2">
+            <a:extLst>
+              <a:ext uri="{28A0092B-C50C-407E-A947-70E740481C1C}">
+                <a14:useLocalDpi xmlns:a14="http://schemas.microsoft.com/office/drawing/2010/main" val="0"/>
+              </a:ext>
+            </a:extLst>
+          </a:blip>
+          <a:stretch>
+            <a:fillRect/>
+          </a:stretch>
+        </p:blipFill>
+        <p:spPr>
+          <a:xfrm>
+            <a:off x="210281" y="63397"/>
+            <a:ext cx="1130694" cy="493394"/>
+          </a:xfrm>
+          <a:prstGeom prst="rect">
+            <a:avLst/>
+          </a:prstGeom>
+        </p:spPr>
+      </p:pic>
+      <p:sp>
+        <p:nvSpPr>
+          <p:cNvPr id="31" name="Rechteck 30"/>
+          <p:cNvSpPr/>
+          <p:nvPr/>
+        </p:nvSpPr>
+        <p:spPr>
+          <a:xfrm>
+            <a:off x="1484244" y="0"/>
+            <a:ext cx="10707756" cy="620785"/>
+          </a:xfrm>
+          <a:prstGeom prst="rect">
+            <a:avLst/>
+          </a:prstGeom>
+          <a:solidFill>
+            <a:srgbClr val="9ABEDF"/>
+          </a:solidFill>
+          <a:ln>
+            <a:solidFill>
+              <a:srgbClr val="9ABEDF"/>
+            </a:solidFill>
+          </a:ln>
+        </p:spPr>
+        <p:style>
+          <a:lnRef idx="2">
+            <a:schemeClr val="accent3"/>
+          </a:lnRef>
+          <a:fillRef idx="1">
+            <a:schemeClr val="lt1"/>
+          </a:fillRef>
+          <a:effectRef idx="0">
+            <a:schemeClr val="accent3"/>
+          </a:effectRef>
+          <a:fontRef idx="minor">
+            <a:schemeClr val="dk1"/>
+          </a:fontRef>
+        </p:style>
+        <p:txBody>
+          <a:bodyPr rtlCol="0" anchor="ctr"/>
+          <a:lstStyle/>
+          <a:p>
+            <a:pPr algn="ctr"/>
+            <a:endParaRPr lang="de-DE"/>
+          </a:p>
+        </p:txBody>
+      </p:sp>
+      <p:sp>
+        <p:nvSpPr>
+          <p:cNvPr id="16" name="Rechteck 15"/>
+          <p:cNvSpPr/>
+          <p:nvPr/>
+        </p:nvSpPr>
+        <p:spPr>
+          <a:xfrm>
+            <a:off x="1906271" y="1255654"/>
+            <a:ext cx="2029625" cy="400110"/>
+          </a:xfrm>
+          <a:prstGeom prst="rect">
+            <a:avLst/>
+          </a:prstGeom>
+          <a:noFill/>
+        </p:spPr>
+        <p:txBody>
+          <a:bodyPr wrap="square" lIns="91440" tIns="45720" rIns="91440" bIns="45720">
+            <a:spAutoFit/>
+          </a:bodyPr>
+          <a:lstStyle/>
+          <a:p>
+            <a:r>
+              <a:rPr lang="de-DE" sz="2000" dirty="0">
+                <a:ln w="0"/>
+                <a:effectLst>
+                  <a:outerShdw blurRad="38100" dist="19050" dir="2700000" algn="tl" rotWithShape="0">
+                    <a:schemeClr val="dk1">
+                      <a:alpha val="40000"/>
+                    </a:schemeClr>
+                  </a:outerShdw>
+                </a:effectLst>
+              </a:rPr>
+              <a:t>Ticket-Liste</a:t>
+            </a:r>
+            <a:endParaRPr lang="de-DE" sz="2000" b="0" cap="none" spc="0" dirty="0">
+              <a:ln w="0"/>
+              <a:solidFill>
+                <a:schemeClr val="tx1"/>
+              </a:solidFill>
+              <a:effectLst>
+                <a:outerShdw blurRad="38100" dist="19050" dir="2700000" algn="tl" rotWithShape="0">
+                  <a:schemeClr val="dk1">
+                    <a:alpha val="40000"/>
+                  </a:schemeClr>
+                </a:outerShdw>
+              </a:effectLst>
+            </a:endParaRPr>
+          </a:p>
+        </p:txBody>
+      </p:sp>
+      <p:sp>
+        <p:nvSpPr>
+          <p:cNvPr id="15" name="Rechteck 14"/>
+          <p:cNvSpPr/>
+          <p:nvPr/>
+        </p:nvSpPr>
+        <p:spPr>
+          <a:xfrm>
+            <a:off x="127317" y="1505494"/>
+            <a:ext cx="1213658" cy="523220"/>
+          </a:xfrm>
+          <a:prstGeom prst="rect">
+            <a:avLst/>
+          </a:prstGeom>
+          <a:noFill/>
+        </p:spPr>
+        <p:txBody>
+          <a:bodyPr wrap="square" lIns="91440" tIns="45720" rIns="91440" bIns="45720">
+            <a:spAutoFit/>
+          </a:bodyPr>
+          <a:lstStyle/>
+          <a:p>
+            <a:pPr algn="ctr"/>
+            <a:r>
+              <a:rPr lang="de-DE" sz="1400" dirty="0">
+                <a:ln w="0"/>
+                <a:effectLst>
+                  <a:outerShdw blurRad="38100" dist="19050" dir="2700000" algn="tl" rotWithShape="0">
+                    <a:schemeClr val="dk1">
+                      <a:alpha val="40000"/>
+                    </a:schemeClr>
+                  </a:outerShdw>
+                </a:effectLst>
+              </a:rPr>
+              <a:t>Ticket hinzufügen</a:t>
+            </a:r>
+            <a:endParaRPr lang="de-DE" sz="1400" b="0" cap="none" spc="0" dirty="0">
+              <a:ln w="0"/>
+              <a:solidFill>
+                <a:schemeClr val="tx1"/>
+              </a:solidFill>
+              <a:effectLst>
+                <a:outerShdw blurRad="38100" dist="19050" dir="2700000" algn="tl" rotWithShape="0">
+                  <a:schemeClr val="dk1">
+                    <a:alpha val="40000"/>
+                  </a:schemeClr>
+                </a:outerShdw>
+              </a:effectLst>
+            </a:endParaRPr>
+          </a:p>
+        </p:txBody>
+      </p:sp>
+      <p:sp>
+        <p:nvSpPr>
+          <p:cNvPr id="17" name="Rechteck 16"/>
+          <p:cNvSpPr/>
+          <p:nvPr/>
+        </p:nvSpPr>
+        <p:spPr>
+          <a:xfrm>
+            <a:off x="127317" y="777552"/>
+            <a:ext cx="1213658" cy="523220"/>
+          </a:xfrm>
+          <a:prstGeom prst="rect">
+            <a:avLst/>
+          </a:prstGeom>
+          <a:noFill/>
+        </p:spPr>
+        <p:txBody>
+          <a:bodyPr wrap="square" lIns="91440" tIns="45720" rIns="91440" bIns="45720">
+            <a:spAutoFit/>
+          </a:bodyPr>
+          <a:lstStyle/>
+          <a:p>
+            <a:pPr algn="ctr"/>
+            <a:r>
+              <a:rPr lang="de-DE" sz="1400" dirty="0">
+                <a:ln w="0"/>
+                <a:effectLst>
+                  <a:outerShdw blurRad="38100" dist="19050" dir="2700000" algn="tl" rotWithShape="0">
+                    <a:schemeClr val="dk1">
+                      <a:alpha val="40000"/>
+                    </a:schemeClr>
+                  </a:outerShdw>
+                </a:effectLst>
+              </a:rPr>
+              <a:t>Ticket</a:t>
+            </a:r>
+          </a:p>
+          <a:p>
+            <a:pPr algn="ctr"/>
+            <a:r>
+              <a:rPr lang="de-DE" sz="1400" b="0" cap="none" spc="0" dirty="0">
+                <a:ln w="0"/>
+                <a:solidFill>
+                  <a:schemeClr val="tx1"/>
+                </a:solidFill>
+                <a:effectLst>
+                  <a:outerShdw blurRad="38100" dist="19050" dir="2700000" algn="tl" rotWithShape="0">
+                    <a:schemeClr val="dk1">
+                      <a:alpha val="40000"/>
+                    </a:schemeClr>
+                  </a:outerShdw>
+                </a:effectLst>
+              </a:rPr>
+              <a:t>Liste</a:t>
+            </a:r>
+          </a:p>
+        </p:txBody>
+      </p:sp>
+      <p:sp>
+        <p:nvSpPr>
+          <p:cNvPr id="18" name="Rechteck 17"/>
+          <p:cNvSpPr/>
+          <p:nvPr/>
+        </p:nvSpPr>
+        <p:spPr>
+          <a:xfrm>
+            <a:off x="11006983" y="135272"/>
+            <a:ext cx="1089942" cy="335560"/>
+          </a:xfrm>
+          <a:prstGeom prst="rect">
+            <a:avLst/>
+          </a:prstGeom>
+          <a:ln>
+            <a:solidFill>
+              <a:schemeClr val="tx1"/>
+            </a:solidFill>
+          </a:ln>
+        </p:spPr>
+        <p:style>
+          <a:lnRef idx="2">
+            <a:schemeClr val="dk1"/>
+          </a:lnRef>
+          <a:fillRef idx="1">
+            <a:schemeClr val="lt1"/>
+          </a:fillRef>
+          <a:effectRef idx="0">
+            <a:schemeClr val="dk1"/>
+          </a:effectRef>
+          <a:fontRef idx="minor">
+            <a:schemeClr val="dk1"/>
+          </a:fontRef>
+        </p:style>
+        <p:txBody>
+          <a:bodyPr rtlCol="0" anchor="ctr"/>
+          <a:lstStyle/>
+          <a:p>
+            <a:pPr algn="ctr"/>
+            <a:r>
+              <a:rPr lang="de-DE" dirty="0"/>
+              <a:t>Logout</a:t>
+            </a:r>
+          </a:p>
+        </p:txBody>
+      </p:sp>
+      <p:sp>
+        <p:nvSpPr>
+          <p:cNvPr id="19" name="Rechteck 18"/>
+          <p:cNvSpPr/>
+          <p:nvPr/>
+        </p:nvSpPr>
+        <p:spPr>
+          <a:xfrm>
+            <a:off x="2295203" y="142612"/>
+            <a:ext cx="8249570" cy="335559"/>
+          </a:xfrm>
+          <a:prstGeom prst="rect">
+            <a:avLst/>
+          </a:prstGeom>
+          <a:ln>
+            <a:solidFill>
+              <a:schemeClr val="tx1"/>
+            </a:solidFill>
+          </a:ln>
+        </p:spPr>
+        <p:style>
+          <a:lnRef idx="2">
+            <a:schemeClr val="accent3"/>
+          </a:lnRef>
+          <a:fillRef idx="1">
+            <a:schemeClr val="lt1"/>
+          </a:fillRef>
+          <a:effectRef idx="0">
+            <a:schemeClr val="accent3"/>
+          </a:effectRef>
+          <a:fontRef idx="minor">
+            <a:schemeClr val="dk1"/>
+          </a:fontRef>
+        </p:style>
+        <p:txBody>
+          <a:bodyPr rtlCol="0" anchor="ctr"/>
+          <a:lstStyle/>
+          <a:p>
+            <a:pPr algn="ctr"/>
+            <a:r>
+              <a:rPr lang="de-DE" dirty="0"/>
+              <a:t>Menü</a:t>
+            </a:r>
+          </a:p>
+        </p:txBody>
+      </p:sp>
+      <p:graphicFrame>
+        <p:nvGraphicFramePr>
+          <p:cNvPr id="28" name="Tabelle 27"/>
+          <p:cNvGraphicFramePr>
+            <a:graphicFrameLocks noGrp="1"/>
+          </p:cNvGraphicFramePr>
+          <p:nvPr>
+            <p:extLst/>
+          </p:nvPr>
+        </p:nvGraphicFramePr>
+        <p:xfrm>
+          <a:off x="2773038" y="2333421"/>
+          <a:ext cx="7431136" cy="1483360"/>
+        </p:xfrm>
+        <a:graphic>
+          <a:graphicData uri="http://schemas.openxmlformats.org/drawingml/2006/table">
+            <a:tbl>
+              <a:tblPr firstRow="1" bandRow="1">
+                <a:tableStyleId>{5C22544A-7EE6-4342-B048-85BDC9FD1C3A}</a:tableStyleId>
+              </a:tblPr>
+              <a:tblGrid>
+                <a:gridCol w="1161143">
+                  <a:extLst>
+                    <a:ext uri="{9D8B030D-6E8A-4147-A177-3AD203B41FA5}">
+                      <a16:colId xmlns:a16="http://schemas.microsoft.com/office/drawing/2014/main" val="1973645712"/>
+                    </a:ext>
+                  </a:extLst>
+                </a:gridCol>
+                <a:gridCol w="1161143">
+                  <a:extLst>
+                    <a:ext uri="{9D8B030D-6E8A-4147-A177-3AD203B41FA5}">
+                      <a16:colId xmlns:a16="http://schemas.microsoft.com/office/drawing/2014/main" val="725524563"/>
+                    </a:ext>
+                  </a:extLst>
+                </a:gridCol>
+                <a:gridCol w="1161143">
+                  <a:extLst>
+                    <a:ext uri="{9D8B030D-6E8A-4147-A177-3AD203B41FA5}">
+                      <a16:colId xmlns:a16="http://schemas.microsoft.com/office/drawing/2014/main" val="1928714447"/>
+                    </a:ext>
+                  </a:extLst>
+                </a:gridCol>
+                <a:gridCol w="1161143">
+                  <a:extLst>
+                    <a:ext uri="{9D8B030D-6E8A-4147-A177-3AD203B41FA5}">
+                      <a16:colId xmlns:a16="http://schemas.microsoft.com/office/drawing/2014/main" val="2172086988"/>
+                    </a:ext>
+                  </a:extLst>
+                </a:gridCol>
+                <a:gridCol w="1161143">
+                  <a:extLst>
+                    <a:ext uri="{9D8B030D-6E8A-4147-A177-3AD203B41FA5}">
+                      <a16:colId xmlns:a16="http://schemas.microsoft.com/office/drawing/2014/main" val="3235168416"/>
+                    </a:ext>
+                  </a:extLst>
+                </a:gridCol>
+                <a:gridCol w="1161143">
+                  <a:extLst>
+                    <a:ext uri="{9D8B030D-6E8A-4147-A177-3AD203B41FA5}">
+                      <a16:colId xmlns:a16="http://schemas.microsoft.com/office/drawing/2014/main" val="6555399"/>
+                    </a:ext>
+                  </a:extLst>
+                </a:gridCol>
+                <a:gridCol w="464278">
+                  <a:extLst>
+                    <a:ext uri="{9D8B030D-6E8A-4147-A177-3AD203B41FA5}">
+                      <a16:colId xmlns:a16="http://schemas.microsoft.com/office/drawing/2014/main" val="1634155767"/>
+                    </a:ext>
+                  </a:extLst>
+                </a:gridCol>
+              </a:tblGrid>
+              <a:tr h="370840">
+                <a:tc>
+                  <a:txBody>
+                    <a:bodyPr/>
+                    <a:lstStyle/>
+                    <a:p>
+                      <a:r>
+                        <a:rPr lang="de-DE" dirty="0"/>
+                        <a:t>Name</a:t>
+                      </a:r>
+                    </a:p>
+                  </a:txBody>
+                  <a:tcPr/>
+                </a:tc>
+                <a:tc>
+                  <a:txBody>
+                    <a:bodyPr/>
+                    <a:lstStyle/>
+                    <a:p>
+                      <a:r>
+                        <a:rPr lang="de-DE" dirty="0"/>
+                        <a:t>…</a:t>
+                      </a:r>
+                    </a:p>
+                  </a:txBody>
+                  <a:tcPr/>
+                </a:tc>
+                <a:tc>
+                  <a:txBody>
+                    <a:bodyPr/>
+                    <a:lstStyle/>
+                    <a:p>
+                      <a:r>
+                        <a:rPr lang="de-DE" dirty="0"/>
+                        <a:t>…</a:t>
+                      </a:r>
+                    </a:p>
+                  </a:txBody>
+                  <a:tcPr/>
+                </a:tc>
+                <a:tc>
+                  <a:txBody>
+                    <a:bodyPr/>
+                    <a:lstStyle/>
+                    <a:p>
+                      <a:r>
+                        <a:rPr lang="de-DE" dirty="0"/>
+                        <a:t>…</a:t>
+                      </a:r>
+                    </a:p>
+                  </a:txBody>
+                  <a:tcPr/>
+                </a:tc>
+                <a:tc>
+                  <a:txBody>
+                    <a:bodyPr/>
+                    <a:lstStyle/>
+                    <a:p>
+                      <a:r>
+                        <a:rPr lang="de-DE" dirty="0"/>
+                        <a:t>…</a:t>
+                      </a:r>
+                    </a:p>
+                  </a:txBody>
+                  <a:tcPr/>
+                </a:tc>
+                <a:tc>
+                  <a:txBody>
+                    <a:bodyPr/>
+                    <a:lstStyle/>
+                    <a:p>
+                      <a:r>
+                        <a:rPr lang="de-DE" dirty="0"/>
+                        <a:t>…</a:t>
+                      </a:r>
+                    </a:p>
+                  </a:txBody>
+                  <a:tcPr/>
+                </a:tc>
+                <a:tc>
+                  <a:txBody>
+                    <a:bodyPr/>
+                    <a:lstStyle/>
+                    <a:p>
+                      <a:r>
+                        <a:rPr lang="de-DE" dirty="0"/>
+                        <a:t>…</a:t>
+                      </a:r>
+                    </a:p>
+                  </a:txBody>
+                  <a:tcPr/>
+                </a:tc>
+                <a:extLst>
+                  <a:ext uri="{0D108BD9-81ED-4DB2-BD59-A6C34878D82A}">
+                    <a16:rowId xmlns:a16="http://schemas.microsoft.com/office/drawing/2014/main" val="1387327695"/>
+                  </a:ext>
+                </a:extLst>
+              </a:tr>
+              <a:tr h="370840">
+                <a:tc>
+                  <a:txBody>
+                    <a:bodyPr/>
+                    <a:lstStyle/>
+                    <a:p>
+                      <a:endParaRPr lang="de-DE"/>
+                    </a:p>
+                  </a:txBody>
+                  <a:tcPr/>
+                </a:tc>
+                <a:tc>
+                  <a:txBody>
+                    <a:bodyPr/>
+                    <a:lstStyle/>
+                    <a:p>
+                      <a:endParaRPr lang="de-DE"/>
+                    </a:p>
+                  </a:txBody>
+                  <a:tcPr/>
+                </a:tc>
+                <a:tc>
+                  <a:txBody>
+                    <a:bodyPr/>
+                    <a:lstStyle/>
+                    <a:p>
+                      <a:endParaRPr lang="de-DE"/>
+                    </a:p>
+                  </a:txBody>
+                  <a:tcPr/>
+                </a:tc>
+                <a:tc>
+                  <a:txBody>
+                    <a:bodyPr/>
+                    <a:lstStyle/>
+                    <a:p>
+                      <a:endParaRPr lang="de-DE"/>
+                    </a:p>
+                  </a:txBody>
+                  <a:tcPr/>
+                </a:tc>
+                <a:tc>
+                  <a:txBody>
+                    <a:bodyPr/>
+                    <a:lstStyle/>
+                    <a:p>
+                      <a:endParaRPr lang="de-DE"/>
+                    </a:p>
+                  </a:txBody>
+                  <a:tcPr/>
+                </a:tc>
+                <a:tc>
+                  <a:txBody>
+                    <a:bodyPr/>
+                    <a:lstStyle/>
+                    <a:p>
+                      <a:endParaRPr lang="de-DE"/>
+                    </a:p>
+                  </a:txBody>
+                  <a:tcPr/>
+                </a:tc>
+                <a:tc>
+                  <a:txBody>
+                    <a:bodyPr/>
+                    <a:lstStyle/>
+                    <a:p>
+                      <a:endParaRPr lang="de-DE" dirty="0"/>
+                    </a:p>
+                  </a:txBody>
+                  <a:tcPr/>
+                </a:tc>
+                <a:extLst>
+                  <a:ext uri="{0D108BD9-81ED-4DB2-BD59-A6C34878D82A}">
+                    <a16:rowId xmlns:a16="http://schemas.microsoft.com/office/drawing/2014/main" val="1014381066"/>
+                  </a:ext>
+                </a:extLst>
+              </a:tr>
+              <a:tr h="370840">
+                <a:tc>
+                  <a:txBody>
+                    <a:bodyPr/>
+                    <a:lstStyle/>
+                    <a:p>
+                      <a:endParaRPr lang="de-DE"/>
+                    </a:p>
+                  </a:txBody>
+                  <a:tcPr/>
+                </a:tc>
+                <a:tc>
+                  <a:txBody>
+                    <a:bodyPr/>
+                    <a:lstStyle/>
+                    <a:p>
+                      <a:endParaRPr lang="de-DE"/>
+                    </a:p>
+                  </a:txBody>
+                  <a:tcPr/>
+                </a:tc>
+                <a:tc>
+                  <a:txBody>
+                    <a:bodyPr/>
+                    <a:lstStyle/>
+                    <a:p>
+                      <a:endParaRPr lang="de-DE"/>
+                    </a:p>
+                  </a:txBody>
+                  <a:tcPr/>
+                </a:tc>
+                <a:tc>
+                  <a:txBody>
+                    <a:bodyPr/>
+                    <a:lstStyle/>
+                    <a:p>
+                      <a:endParaRPr lang="de-DE"/>
+                    </a:p>
+                  </a:txBody>
+                  <a:tcPr/>
+                </a:tc>
+                <a:tc>
+                  <a:txBody>
+                    <a:bodyPr/>
+                    <a:lstStyle/>
+                    <a:p>
+                      <a:endParaRPr lang="de-DE"/>
+                    </a:p>
+                  </a:txBody>
+                  <a:tcPr/>
+                </a:tc>
+                <a:tc>
+                  <a:txBody>
+                    <a:bodyPr/>
+                    <a:lstStyle/>
+                    <a:p>
+                      <a:endParaRPr lang="de-DE"/>
+                    </a:p>
+                  </a:txBody>
+                  <a:tcPr/>
+                </a:tc>
+                <a:tc>
+                  <a:txBody>
+                    <a:bodyPr/>
+                    <a:lstStyle/>
+                    <a:p>
+                      <a:endParaRPr lang="de-DE"/>
+                    </a:p>
+                  </a:txBody>
+                  <a:tcPr/>
+                </a:tc>
+                <a:extLst>
+                  <a:ext uri="{0D108BD9-81ED-4DB2-BD59-A6C34878D82A}">
+                    <a16:rowId xmlns:a16="http://schemas.microsoft.com/office/drawing/2014/main" val="1863009190"/>
+                  </a:ext>
+                </a:extLst>
+              </a:tr>
+              <a:tr h="370840">
+                <a:tc>
+                  <a:txBody>
+                    <a:bodyPr/>
+                    <a:lstStyle/>
+                    <a:p>
+                      <a:endParaRPr lang="de-DE"/>
+                    </a:p>
+                  </a:txBody>
+                  <a:tcPr/>
+                </a:tc>
+                <a:tc>
+                  <a:txBody>
+                    <a:bodyPr/>
+                    <a:lstStyle/>
+                    <a:p>
+                      <a:endParaRPr lang="de-DE"/>
+                    </a:p>
+                  </a:txBody>
+                  <a:tcPr/>
+                </a:tc>
+                <a:tc>
+                  <a:txBody>
+                    <a:bodyPr/>
+                    <a:lstStyle/>
+                    <a:p>
+                      <a:endParaRPr lang="de-DE"/>
+                    </a:p>
+                  </a:txBody>
+                  <a:tcPr/>
+                </a:tc>
+                <a:tc>
+                  <a:txBody>
+                    <a:bodyPr/>
+                    <a:lstStyle/>
+                    <a:p>
+                      <a:endParaRPr lang="de-DE" dirty="0"/>
+                    </a:p>
+                  </a:txBody>
+                  <a:tcPr/>
+                </a:tc>
+                <a:tc>
+                  <a:txBody>
+                    <a:bodyPr/>
+                    <a:lstStyle/>
+                    <a:p>
+                      <a:endParaRPr lang="de-DE"/>
+                    </a:p>
+                  </a:txBody>
+                  <a:tcPr/>
+                </a:tc>
+                <a:tc>
+                  <a:txBody>
+                    <a:bodyPr/>
+                    <a:lstStyle/>
+                    <a:p>
+                      <a:endParaRPr lang="de-DE"/>
+                    </a:p>
+                  </a:txBody>
+                  <a:tcPr/>
+                </a:tc>
+                <a:tc>
+                  <a:txBody>
+                    <a:bodyPr/>
+                    <a:lstStyle/>
+                    <a:p>
+                      <a:endParaRPr lang="de-DE" dirty="0"/>
+                    </a:p>
+                  </a:txBody>
+                  <a:tcPr/>
+                </a:tc>
+                <a:extLst>
+                  <a:ext uri="{0D108BD9-81ED-4DB2-BD59-A6C34878D82A}">
+                    <a16:rowId xmlns:a16="http://schemas.microsoft.com/office/drawing/2014/main" val="2881324689"/>
+                  </a:ext>
+                </a:extLst>
+              </a:tr>
+            </a:tbl>
+          </a:graphicData>
+        </a:graphic>
+      </p:graphicFrame>
+      <p:cxnSp>
+        <p:nvCxnSpPr>
+          <p:cNvPr id="29" name="Gerade Verbindung mit Pfeil 28"/>
+          <p:cNvCxnSpPr/>
+          <p:nvPr/>
+        </p:nvCxnSpPr>
+        <p:spPr>
+          <a:xfrm flipH="1" flipV="1">
+            <a:off x="5857461" y="3631096"/>
+            <a:ext cx="1192696" cy="795130"/>
+          </a:xfrm>
+          <a:prstGeom prst="straightConnector1">
+            <a:avLst/>
+          </a:prstGeom>
+          <a:ln>
+            <a:tailEnd type="triangle"/>
+          </a:ln>
+        </p:spPr>
+        <p:style>
+          <a:lnRef idx="3">
+            <a:schemeClr val="accent2"/>
+          </a:lnRef>
+          <a:fillRef idx="0">
+            <a:schemeClr val="accent2"/>
+          </a:fillRef>
+          <a:effectRef idx="2">
+            <a:schemeClr val="accent2"/>
+          </a:effectRef>
+          <a:fontRef idx="minor">
+            <a:schemeClr val="tx1"/>
+          </a:fontRef>
+        </p:style>
+      </p:cxnSp>
+      <p:sp>
+        <p:nvSpPr>
+          <p:cNvPr id="32" name="Rechteck 31"/>
+          <p:cNvSpPr/>
+          <p:nvPr/>
+        </p:nvSpPr>
+        <p:spPr>
+          <a:xfrm>
+            <a:off x="5421157" y="4426226"/>
+            <a:ext cx="3258008" cy="307777"/>
+          </a:xfrm>
+          <a:prstGeom prst="rect">
+            <a:avLst/>
+          </a:prstGeom>
+          <a:noFill/>
+        </p:spPr>
+        <p:txBody>
+          <a:bodyPr wrap="none" lIns="91440" tIns="45720" rIns="91440" bIns="45720">
+            <a:spAutoFit/>
+          </a:bodyPr>
+          <a:lstStyle/>
+          <a:p>
+            <a:pPr algn="ctr"/>
+            <a:r>
+              <a:rPr lang="de-DE" sz="1400" b="0" cap="none" spc="0" dirty="0">
+                <a:ln w="0"/>
+                <a:solidFill>
+                  <a:schemeClr val="tx1"/>
+                </a:solidFill>
+                <a:effectLst>
+                  <a:outerShdw blurRad="38100" dist="19050" dir="2700000" algn="tl" rotWithShape="0">
+                    <a:schemeClr val="dk1">
+                      <a:alpha val="40000"/>
+                    </a:schemeClr>
+                  </a:outerShdw>
+                </a:effectLst>
+              </a:rPr>
+              <a:t>Hier stehen die Infos für jeden Lieferanten</a:t>
+            </a:r>
+          </a:p>
+        </p:txBody>
+      </p:sp>
+      <p:sp>
+        <p:nvSpPr>
+          <p:cNvPr id="33" name="Rechteck 32"/>
+          <p:cNvSpPr/>
+          <p:nvPr/>
+        </p:nvSpPr>
+        <p:spPr>
+          <a:xfrm>
+            <a:off x="9782773" y="2736573"/>
+            <a:ext cx="322010" cy="307777"/>
+          </a:xfrm>
+          <a:prstGeom prst="rect">
+            <a:avLst/>
+          </a:prstGeom>
+        </p:spPr>
+        <p:style>
+          <a:lnRef idx="2">
+            <a:schemeClr val="dk1"/>
+          </a:lnRef>
+          <a:fillRef idx="1">
+            <a:schemeClr val="lt1"/>
+          </a:fillRef>
+          <a:effectRef idx="0">
+            <a:schemeClr val="dk1"/>
+          </a:effectRef>
+          <a:fontRef idx="minor">
+            <a:schemeClr val="dk1"/>
+          </a:fontRef>
+        </p:style>
+        <p:txBody>
+          <a:bodyPr rtlCol="0" anchor="ctr"/>
+          <a:lstStyle/>
+          <a:p>
+            <a:pPr algn="ctr"/>
+            <a:endParaRPr lang="de-DE"/>
+          </a:p>
+        </p:txBody>
+      </p:sp>
+      <p:sp>
+        <p:nvSpPr>
+          <p:cNvPr id="34" name="Additionszeichen 33"/>
+          <p:cNvSpPr/>
+          <p:nvPr/>
+        </p:nvSpPr>
+        <p:spPr>
+          <a:xfrm>
+            <a:off x="9817882" y="2751313"/>
+            <a:ext cx="251791" cy="278296"/>
+          </a:xfrm>
+          <a:prstGeom prst="mathPlus">
+            <a:avLst/>
+          </a:prstGeom>
+        </p:spPr>
+        <p:style>
+          <a:lnRef idx="2">
+            <a:schemeClr val="dk1"/>
+          </a:lnRef>
+          <a:fillRef idx="1">
+            <a:schemeClr val="lt1"/>
+          </a:fillRef>
+          <a:effectRef idx="0">
+            <a:schemeClr val="dk1"/>
+          </a:effectRef>
+          <a:fontRef idx="minor">
+            <a:schemeClr val="dk1"/>
+          </a:fontRef>
+        </p:style>
+        <p:txBody>
+          <a:bodyPr rtlCol="0" anchor="ctr"/>
+          <a:lstStyle/>
+          <a:p>
+            <a:pPr algn="ctr"/>
+            <a:endParaRPr lang="de-DE"/>
+          </a:p>
+        </p:txBody>
+      </p:sp>
+      <p:sp>
+        <p:nvSpPr>
+          <p:cNvPr id="35" name="Rechteck 34"/>
+          <p:cNvSpPr/>
+          <p:nvPr/>
+        </p:nvSpPr>
+        <p:spPr>
+          <a:xfrm>
+            <a:off x="9782773" y="3094439"/>
+            <a:ext cx="322010" cy="307777"/>
+          </a:xfrm>
+          <a:prstGeom prst="rect">
+            <a:avLst/>
+          </a:prstGeom>
+        </p:spPr>
+        <p:style>
+          <a:lnRef idx="2">
+            <a:schemeClr val="dk1"/>
+          </a:lnRef>
+          <a:fillRef idx="1">
+            <a:schemeClr val="lt1"/>
+          </a:fillRef>
+          <a:effectRef idx="0">
+            <a:schemeClr val="dk1"/>
+          </a:effectRef>
+          <a:fontRef idx="minor">
+            <a:schemeClr val="dk1"/>
+          </a:fontRef>
+        </p:style>
+        <p:txBody>
+          <a:bodyPr rtlCol="0" anchor="ctr"/>
+          <a:lstStyle/>
+          <a:p>
+            <a:pPr algn="ctr"/>
+            <a:endParaRPr lang="de-DE"/>
+          </a:p>
+        </p:txBody>
+      </p:sp>
+      <p:sp>
+        <p:nvSpPr>
+          <p:cNvPr id="36" name="Additionszeichen 35"/>
+          <p:cNvSpPr/>
+          <p:nvPr/>
+        </p:nvSpPr>
+        <p:spPr>
+          <a:xfrm>
+            <a:off x="9817882" y="3109179"/>
+            <a:ext cx="251791" cy="278296"/>
+          </a:xfrm>
+          <a:prstGeom prst="mathPlus">
+            <a:avLst/>
+          </a:prstGeom>
+        </p:spPr>
+        <p:style>
+          <a:lnRef idx="2">
+            <a:schemeClr val="dk1"/>
+          </a:lnRef>
+          <a:fillRef idx="1">
+            <a:schemeClr val="lt1"/>
+          </a:fillRef>
+          <a:effectRef idx="0">
+            <a:schemeClr val="dk1"/>
+          </a:effectRef>
+          <a:fontRef idx="minor">
+            <a:schemeClr val="dk1"/>
+          </a:fontRef>
+        </p:style>
+        <p:txBody>
+          <a:bodyPr rtlCol="0" anchor="ctr"/>
+          <a:lstStyle/>
+          <a:p>
+            <a:pPr algn="ctr"/>
+            <a:endParaRPr lang="de-DE"/>
+          </a:p>
+        </p:txBody>
+      </p:sp>
+      <p:sp>
+        <p:nvSpPr>
+          <p:cNvPr id="37" name="Rechteck 36"/>
+          <p:cNvSpPr/>
+          <p:nvPr/>
+        </p:nvSpPr>
+        <p:spPr>
+          <a:xfrm>
+            <a:off x="9782773" y="3477208"/>
+            <a:ext cx="322010" cy="307777"/>
+          </a:xfrm>
+          <a:prstGeom prst="rect">
+            <a:avLst/>
+          </a:prstGeom>
+        </p:spPr>
+        <p:style>
+          <a:lnRef idx="2">
+            <a:schemeClr val="dk1"/>
+          </a:lnRef>
+          <a:fillRef idx="1">
+            <a:schemeClr val="lt1"/>
+          </a:fillRef>
+          <a:effectRef idx="0">
+            <a:schemeClr val="dk1"/>
+          </a:effectRef>
+          <a:fontRef idx="minor">
+            <a:schemeClr val="dk1"/>
+          </a:fontRef>
+        </p:style>
+        <p:txBody>
+          <a:bodyPr rtlCol="0" anchor="ctr"/>
+          <a:lstStyle/>
+          <a:p>
+            <a:pPr algn="ctr"/>
+            <a:endParaRPr lang="de-DE"/>
+          </a:p>
+        </p:txBody>
+      </p:sp>
+      <p:sp>
+        <p:nvSpPr>
+          <p:cNvPr id="38" name="Additionszeichen 37"/>
+          <p:cNvSpPr/>
+          <p:nvPr/>
+        </p:nvSpPr>
+        <p:spPr>
+          <a:xfrm>
+            <a:off x="9817882" y="3491948"/>
+            <a:ext cx="251791" cy="278296"/>
+          </a:xfrm>
+          <a:prstGeom prst="mathPlus">
+            <a:avLst/>
+          </a:prstGeom>
+        </p:spPr>
+        <p:style>
+          <a:lnRef idx="2">
+            <a:schemeClr val="dk1"/>
+          </a:lnRef>
+          <a:fillRef idx="1">
+            <a:schemeClr val="lt1"/>
+          </a:fillRef>
+          <a:effectRef idx="0">
+            <a:schemeClr val="dk1"/>
+          </a:effectRef>
+          <a:fontRef idx="minor">
+            <a:schemeClr val="dk1"/>
+          </a:fontRef>
+        </p:style>
+        <p:txBody>
+          <a:bodyPr rtlCol="0" anchor="ctr"/>
+          <a:lstStyle/>
+          <a:p>
+            <a:pPr algn="ctr"/>
+            <a:endParaRPr lang="de-DE"/>
+          </a:p>
+        </p:txBody>
+      </p:sp>
+      <p:cxnSp>
+        <p:nvCxnSpPr>
+          <p:cNvPr id="39" name="Gerade Verbindung mit Pfeil 38"/>
+          <p:cNvCxnSpPr>
+            <a:cxnSpLocks/>
+          </p:cNvCxnSpPr>
+          <p:nvPr/>
+        </p:nvCxnSpPr>
+        <p:spPr>
+          <a:xfrm flipH="1" flipV="1">
+            <a:off x="10069673" y="3770244"/>
+            <a:ext cx="282342" cy="1015483"/>
+          </a:xfrm>
+          <a:prstGeom prst="straightConnector1">
+            <a:avLst/>
+          </a:prstGeom>
+          <a:ln>
+            <a:tailEnd type="triangle"/>
+          </a:ln>
+        </p:spPr>
+        <p:style>
+          <a:lnRef idx="3">
+            <a:schemeClr val="accent2"/>
+          </a:lnRef>
+          <a:fillRef idx="0">
+            <a:schemeClr val="accent2"/>
+          </a:fillRef>
+          <a:effectRef idx="2">
+            <a:schemeClr val="accent2"/>
+          </a:effectRef>
+          <a:fontRef idx="minor">
+            <a:schemeClr val="tx1"/>
+          </a:fontRef>
+        </p:style>
+      </p:cxnSp>
+      <p:sp>
+        <p:nvSpPr>
+          <p:cNvPr id="40" name="Rechteck 39"/>
+          <p:cNvSpPr/>
+          <p:nvPr/>
+        </p:nvSpPr>
+        <p:spPr>
+          <a:xfrm>
+            <a:off x="6961132" y="4769656"/>
+            <a:ext cx="4995727" cy="307777"/>
+          </a:xfrm>
+          <a:prstGeom prst="rect">
+            <a:avLst/>
+          </a:prstGeom>
+          <a:noFill/>
+        </p:spPr>
+        <p:txBody>
+          <a:bodyPr wrap="none" lIns="91440" tIns="45720" rIns="91440" bIns="45720">
+            <a:spAutoFit/>
+          </a:bodyPr>
+          <a:lstStyle/>
+          <a:p>
+            <a:pPr algn="ctr"/>
+            <a:r>
+              <a:rPr lang="de-DE" sz="1400" b="0" cap="none" spc="0" dirty="0">
+                <a:ln w="0"/>
+                <a:solidFill>
+                  <a:schemeClr val="tx1"/>
+                </a:solidFill>
+                <a:effectLst>
+                  <a:outerShdw blurRad="38100" dist="19050" dir="2700000" algn="tl" rotWithShape="0">
+                    <a:schemeClr val="dk1">
+                      <a:alpha val="40000"/>
+                    </a:schemeClr>
+                  </a:outerShdw>
+                </a:effectLst>
+              </a:rPr>
+              <a:t>Beim Klick auf diesen Button öffnet sich die Detailseite des Tickets</a:t>
+            </a:r>
+          </a:p>
+        </p:txBody>
+      </p:sp>
+    </p:spTree>
+    <p:extLst>
+      <p:ext uri="{BB962C8B-B14F-4D97-AF65-F5344CB8AC3E}">
+        <p14:creationId xmlns:p14="http://schemas.microsoft.com/office/powerpoint/2010/main" val="226939108"/>
+      </p:ext>
+    </p:extLst>
+  </p:cSld>
+  <p:clrMapOvr>
+    <a:masterClrMapping/>
+  </p:clrMapOvr>
+</p:sld>
+</file>
+
+<file path=ppt/slides/slide19.xml><?xml version="1.0" encoding="utf-8"?>
+<p:sld xmlns:a="http://schemas.openxmlformats.org/drawingml/2006/main" xmlns:r="http://schemas.openxmlformats.org/officeDocument/2006/relationships" xmlns:p="http://schemas.openxmlformats.org/presentationml/2006/main">
+  <p:cSld>
+    <p:spTree>
+      <p:nvGrpSpPr>
+        <p:cNvPr id="1" name=""/>
+        <p:cNvGrpSpPr/>
+        <p:nvPr/>
+      </p:nvGrpSpPr>
+      <p:grpSpPr>
+        <a:xfrm>
+          <a:off x="0" y="0"/>
+          <a:ext cx="0" cy="0"/>
+          <a:chOff x="0" y="0"/>
+          <a:chExt cx="0" cy="0"/>
+        </a:xfrm>
+      </p:grpSpPr>
+      <p:sp>
+        <p:nvSpPr>
+          <p:cNvPr id="14" name="Rechteck 13"/>
+          <p:cNvSpPr/>
+          <p:nvPr/>
+        </p:nvSpPr>
+        <p:spPr>
+          <a:xfrm>
+            <a:off x="0" y="620785"/>
+            <a:ext cx="1484244" cy="5972962"/>
+          </a:xfrm>
+          <a:prstGeom prst="rect">
+            <a:avLst/>
+          </a:prstGeom>
+          <a:solidFill>
+            <a:srgbClr val="9ABEDF"/>
+          </a:solidFill>
+          <a:ln>
+            <a:solidFill>
+              <a:srgbClr val="9ABEDF"/>
+            </a:solidFill>
+          </a:ln>
+        </p:spPr>
+        <p:style>
+          <a:lnRef idx="2">
+            <a:schemeClr val="accent1">
+              <a:shade val="50000"/>
+            </a:schemeClr>
+          </a:lnRef>
+          <a:fillRef idx="1">
+            <a:schemeClr val="accent1"/>
+          </a:fillRef>
+          <a:effectRef idx="0">
+            <a:schemeClr val="accent1"/>
+          </a:effectRef>
+          <a:fontRef idx="minor">
+            <a:schemeClr val="lt1"/>
+          </a:fontRef>
+        </p:style>
+        <p:txBody>
+          <a:bodyPr rtlCol="0" anchor="ctr"/>
+          <a:lstStyle/>
+          <a:p>
+            <a:pPr algn="ctr"/>
+            <a:endParaRPr lang="de-DE"/>
+          </a:p>
+        </p:txBody>
+      </p:sp>
+      <p:sp>
+        <p:nvSpPr>
+          <p:cNvPr id="5" name="Rechteck 4"/>
+          <p:cNvSpPr/>
+          <p:nvPr/>
+        </p:nvSpPr>
+        <p:spPr>
+          <a:xfrm>
+            <a:off x="0" y="6593747"/>
+            <a:ext cx="12192000" cy="264253"/>
+          </a:xfrm>
+          <a:prstGeom prst="rect">
+            <a:avLst/>
+          </a:prstGeom>
+          <a:solidFill>
+            <a:srgbClr val="9ABEDF"/>
+          </a:solidFill>
+          <a:ln>
+            <a:solidFill>
+              <a:srgbClr val="9ABEDF"/>
+            </a:solidFill>
+          </a:ln>
+        </p:spPr>
+        <p:style>
+          <a:lnRef idx="2">
+            <a:schemeClr val="accent1">
+              <a:shade val="50000"/>
+            </a:schemeClr>
+          </a:lnRef>
+          <a:fillRef idx="1">
+            <a:schemeClr val="accent1"/>
+          </a:fillRef>
+          <a:effectRef idx="0">
+            <a:schemeClr val="accent1"/>
+          </a:effectRef>
+          <a:fontRef idx="minor">
+            <a:schemeClr val="lt1"/>
+          </a:fontRef>
+        </p:style>
+        <p:txBody>
+          <a:bodyPr rtlCol="0" anchor="ctr"/>
+          <a:lstStyle/>
+          <a:p>
+            <a:pPr algn="ctr"/>
+            <a:endParaRPr lang="de-DE"/>
+          </a:p>
+        </p:txBody>
+      </p:sp>
+      <p:sp>
+        <p:nvSpPr>
+          <p:cNvPr id="8" name="Rechteck 7"/>
+          <p:cNvSpPr/>
+          <p:nvPr/>
+        </p:nvSpPr>
+        <p:spPr>
+          <a:xfrm>
+            <a:off x="11232859" y="6629399"/>
+            <a:ext cx="864066" cy="192947"/>
+          </a:xfrm>
+          <a:prstGeom prst="rect">
+            <a:avLst/>
+          </a:prstGeom>
+        </p:spPr>
+        <p:style>
+          <a:lnRef idx="2">
+            <a:schemeClr val="dk1"/>
+          </a:lnRef>
+          <a:fillRef idx="1">
+            <a:schemeClr val="lt1"/>
+          </a:fillRef>
+          <a:effectRef idx="0">
+            <a:schemeClr val="dk1"/>
+          </a:effectRef>
+          <a:fontRef idx="minor">
+            <a:schemeClr val="dk1"/>
+          </a:fontRef>
+        </p:style>
+        <p:txBody>
+          <a:bodyPr rtlCol="0" anchor="ctr"/>
+          <a:lstStyle/>
+          <a:p>
+            <a:pPr algn="ctr"/>
+            <a:r>
+              <a:rPr lang="de-DE" dirty="0"/>
+              <a:t>Hilfe</a:t>
+            </a:r>
+          </a:p>
+        </p:txBody>
+      </p:sp>
+      <p:sp>
+        <p:nvSpPr>
+          <p:cNvPr id="9" name="Rechteck 8"/>
+          <p:cNvSpPr/>
+          <p:nvPr/>
+        </p:nvSpPr>
+        <p:spPr>
+          <a:xfrm>
+            <a:off x="9571839" y="6629399"/>
+            <a:ext cx="1560352" cy="192947"/>
+          </a:xfrm>
+          <a:prstGeom prst="rect">
+            <a:avLst/>
+          </a:prstGeom>
+        </p:spPr>
+        <p:style>
+          <a:lnRef idx="2">
+            <a:schemeClr val="dk1"/>
+          </a:lnRef>
+          <a:fillRef idx="1">
+            <a:schemeClr val="lt1"/>
+          </a:fillRef>
+          <a:effectRef idx="0">
+            <a:schemeClr val="dk1"/>
+          </a:effectRef>
+          <a:fontRef idx="minor">
+            <a:schemeClr val="dk1"/>
+          </a:fontRef>
+        </p:style>
+        <p:txBody>
+          <a:bodyPr rtlCol="0" anchor="ctr"/>
+          <a:lstStyle/>
+          <a:p>
+            <a:pPr algn="ctr"/>
+            <a:r>
+              <a:rPr lang="de-DE" dirty="0"/>
+              <a:t>Kontakt/Ticket</a:t>
+            </a:r>
+          </a:p>
+        </p:txBody>
+      </p:sp>
+      <p:sp>
+        <p:nvSpPr>
+          <p:cNvPr id="23" name="Rechteck 22"/>
+          <p:cNvSpPr/>
+          <p:nvPr/>
+        </p:nvSpPr>
+        <p:spPr>
+          <a:xfrm>
+            <a:off x="134224" y="6629399"/>
+            <a:ext cx="1498023" cy="192947"/>
+          </a:xfrm>
+          <a:prstGeom prst="rect">
+            <a:avLst/>
+          </a:prstGeom>
+        </p:spPr>
+        <p:style>
+          <a:lnRef idx="2">
+            <a:schemeClr val="dk1"/>
+          </a:lnRef>
+          <a:fillRef idx="1">
+            <a:schemeClr val="lt1"/>
+          </a:fillRef>
+          <a:effectRef idx="0">
+            <a:schemeClr val="dk1"/>
+          </a:effectRef>
+          <a:fontRef idx="minor">
+            <a:schemeClr val="dk1"/>
+          </a:fontRef>
+        </p:style>
+        <p:txBody>
+          <a:bodyPr rtlCol="0" anchor="ctr"/>
+          <a:lstStyle/>
+          <a:p>
+            <a:pPr algn="ctr"/>
+            <a:r>
+              <a:rPr lang="de-DE" sz="1400" dirty="0">
+                <a:solidFill>
+                  <a:schemeClr val="tx1"/>
+                </a:solidFill>
+              </a:rPr>
+              <a:t>Link zur Schul-HP</a:t>
+            </a:r>
+          </a:p>
+        </p:txBody>
+      </p:sp>
+      <p:pic>
+        <p:nvPicPr>
+          <p:cNvPr id="30" name="Grafik 29"/>
+          <p:cNvPicPr>
+            <a:picLocks noChangeAspect="1"/>
+          </p:cNvPicPr>
+          <p:nvPr/>
+        </p:nvPicPr>
+        <p:blipFill>
+          <a:blip r:embed="rId2">
+            <a:extLst>
+              <a:ext uri="{28A0092B-C50C-407E-A947-70E740481C1C}">
+                <a14:useLocalDpi xmlns:a14="http://schemas.microsoft.com/office/drawing/2010/main" val="0"/>
+              </a:ext>
+            </a:extLst>
+          </a:blip>
+          <a:stretch>
+            <a:fillRect/>
+          </a:stretch>
+        </p:blipFill>
+        <p:spPr>
+          <a:xfrm>
+            <a:off x="210281" y="63397"/>
+            <a:ext cx="1130694" cy="493394"/>
+          </a:xfrm>
+          <a:prstGeom prst="rect">
+            <a:avLst/>
+          </a:prstGeom>
+        </p:spPr>
+      </p:pic>
+      <p:sp>
+        <p:nvSpPr>
+          <p:cNvPr id="31" name="Rechteck 30"/>
+          <p:cNvSpPr/>
+          <p:nvPr/>
+        </p:nvSpPr>
+        <p:spPr>
+          <a:xfrm>
+            <a:off x="1484244" y="0"/>
+            <a:ext cx="10707756" cy="620785"/>
+          </a:xfrm>
+          <a:prstGeom prst="rect">
+            <a:avLst/>
+          </a:prstGeom>
+          <a:solidFill>
+            <a:srgbClr val="9ABEDF"/>
+          </a:solidFill>
+          <a:ln>
+            <a:solidFill>
+              <a:srgbClr val="9ABEDF"/>
+            </a:solidFill>
+          </a:ln>
+        </p:spPr>
+        <p:style>
+          <a:lnRef idx="2">
+            <a:schemeClr val="accent3"/>
+          </a:lnRef>
+          <a:fillRef idx="1">
+            <a:schemeClr val="lt1"/>
+          </a:fillRef>
+          <a:effectRef idx="0">
+            <a:schemeClr val="accent3"/>
+          </a:effectRef>
+          <a:fontRef idx="minor">
+            <a:schemeClr val="dk1"/>
+          </a:fontRef>
+        </p:style>
+        <p:txBody>
+          <a:bodyPr rtlCol="0" anchor="ctr"/>
+          <a:lstStyle/>
+          <a:p>
+            <a:pPr algn="ctr"/>
+            <a:endParaRPr lang="de-DE"/>
+          </a:p>
+        </p:txBody>
+      </p:sp>
+      <p:sp>
+        <p:nvSpPr>
+          <p:cNvPr id="16" name="Rechteck 15"/>
+          <p:cNvSpPr/>
+          <p:nvPr/>
+        </p:nvSpPr>
+        <p:spPr>
+          <a:xfrm>
+            <a:off x="1906271" y="1255654"/>
+            <a:ext cx="1733533" cy="400110"/>
+          </a:xfrm>
+          <a:prstGeom prst="rect">
+            <a:avLst/>
+          </a:prstGeom>
+          <a:noFill/>
+        </p:spPr>
+        <p:txBody>
+          <a:bodyPr wrap="square" lIns="91440" tIns="45720" rIns="91440" bIns="45720">
+            <a:spAutoFit/>
+          </a:bodyPr>
+          <a:lstStyle/>
+          <a:p>
+            <a:r>
+              <a:rPr lang="de-DE" sz="2000" dirty="0">
+                <a:ln w="0"/>
+                <a:effectLst>
+                  <a:outerShdw blurRad="38100" dist="19050" dir="2700000" algn="tl" rotWithShape="0">
+                    <a:schemeClr val="dk1">
+                      <a:alpha val="40000"/>
+                    </a:schemeClr>
+                  </a:outerShdw>
+                </a:effectLst>
+              </a:rPr>
+              <a:t>Detailseite</a:t>
+            </a:r>
+            <a:endParaRPr lang="de-DE" sz="2000" b="0" cap="none" spc="0" dirty="0">
+              <a:ln w="0"/>
+              <a:solidFill>
+                <a:schemeClr val="tx1"/>
+              </a:solidFill>
+              <a:effectLst>
+                <a:outerShdw blurRad="38100" dist="19050" dir="2700000" algn="tl" rotWithShape="0">
+                  <a:schemeClr val="dk1">
+                    <a:alpha val="40000"/>
+                  </a:schemeClr>
+                </a:outerShdw>
+              </a:effectLst>
+            </a:endParaRPr>
+          </a:p>
+        </p:txBody>
+      </p:sp>
+      <p:sp>
+        <p:nvSpPr>
+          <p:cNvPr id="19" name="Rechteck 18"/>
+          <p:cNvSpPr/>
+          <p:nvPr/>
+        </p:nvSpPr>
+        <p:spPr>
+          <a:xfrm>
+            <a:off x="11006983" y="135272"/>
+            <a:ext cx="1089942" cy="335560"/>
+          </a:xfrm>
+          <a:prstGeom prst="rect">
+            <a:avLst/>
+          </a:prstGeom>
+          <a:ln>
+            <a:solidFill>
+              <a:schemeClr val="tx1"/>
+            </a:solidFill>
+          </a:ln>
+        </p:spPr>
+        <p:style>
+          <a:lnRef idx="2">
+            <a:schemeClr val="dk1"/>
+          </a:lnRef>
+          <a:fillRef idx="1">
+            <a:schemeClr val="lt1"/>
+          </a:fillRef>
+          <a:effectRef idx="0">
+            <a:schemeClr val="dk1"/>
+          </a:effectRef>
+          <a:fontRef idx="minor">
+            <a:schemeClr val="dk1"/>
+          </a:fontRef>
+        </p:style>
+        <p:txBody>
+          <a:bodyPr rtlCol="0" anchor="ctr"/>
+          <a:lstStyle/>
+          <a:p>
+            <a:pPr algn="ctr"/>
+            <a:r>
+              <a:rPr lang="de-DE" dirty="0"/>
+              <a:t>Logout</a:t>
+            </a:r>
+          </a:p>
+        </p:txBody>
+      </p:sp>
+      <p:sp>
+        <p:nvSpPr>
+          <p:cNvPr id="20" name="Rechteck 19"/>
+          <p:cNvSpPr/>
+          <p:nvPr/>
+        </p:nvSpPr>
+        <p:spPr>
+          <a:xfrm>
+            <a:off x="2295203" y="142612"/>
+            <a:ext cx="8249570" cy="335559"/>
+          </a:xfrm>
+          <a:prstGeom prst="rect">
+            <a:avLst/>
+          </a:prstGeom>
+          <a:ln>
+            <a:solidFill>
+              <a:schemeClr val="tx1"/>
+            </a:solidFill>
+          </a:ln>
+        </p:spPr>
+        <p:style>
+          <a:lnRef idx="2">
+            <a:schemeClr val="accent3"/>
+          </a:lnRef>
+          <a:fillRef idx="1">
+            <a:schemeClr val="lt1"/>
+          </a:fillRef>
+          <a:effectRef idx="0">
+            <a:schemeClr val="accent3"/>
+          </a:effectRef>
+          <a:fontRef idx="minor">
+            <a:schemeClr val="dk1"/>
+          </a:fontRef>
+        </p:style>
+        <p:txBody>
+          <a:bodyPr rtlCol="0" anchor="ctr"/>
+          <a:lstStyle/>
+          <a:p>
+            <a:pPr algn="ctr"/>
+            <a:r>
+              <a:rPr lang="de-DE" dirty="0"/>
+              <a:t>Menü</a:t>
+            </a:r>
+          </a:p>
+        </p:txBody>
+      </p:sp>
+      <p:graphicFrame>
+        <p:nvGraphicFramePr>
+          <p:cNvPr id="21" name="Tabelle 20"/>
+          <p:cNvGraphicFramePr>
+            <a:graphicFrameLocks noGrp="1"/>
+          </p:cNvGraphicFramePr>
+          <p:nvPr>
+            <p:extLst>
+              <p:ext uri="{D42A27DB-BD31-4B8C-83A1-F6EECF244321}">
+                <p14:modId xmlns:p14="http://schemas.microsoft.com/office/powerpoint/2010/main" val="2949446349"/>
+              </p:ext>
+            </p:extLst>
+          </p:nvPr>
+        </p:nvGraphicFramePr>
+        <p:xfrm>
+          <a:off x="3966886" y="2432093"/>
+          <a:ext cx="4906203" cy="2595880"/>
+        </p:xfrm>
+        <a:graphic>
+          <a:graphicData uri="http://schemas.openxmlformats.org/drawingml/2006/table">
+            <a:tbl>
+              <a:tblPr firstRow="1" bandRow="1">
+                <a:tableStyleId>{5C22544A-7EE6-4342-B048-85BDC9FD1C3A}</a:tableStyleId>
+              </a:tblPr>
+              <a:tblGrid>
+                <a:gridCol w="2032000">
+                  <a:extLst>
+                    <a:ext uri="{9D8B030D-6E8A-4147-A177-3AD203B41FA5}">
+                      <a16:colId xmlns:a16="http://schemas.microsoft.com/office/drawing/2014/main" val="448766067"/>
+                    </a:ext>
+                  </a:extLst>
+                </a:gridCol>
+                <a:gridCol w="2032000">
+                  <a:extLst>
+                    <a:ext uri="{9D8B030D-6E8A-4147-A177-3AD203B41FA5}">
+                      <a16:colId xmlns:a16="http://schemas.microsoft.com/office/drawing/2014/main" val="2254631643"/>
+                    </a:ext>
+                  </a:extLst>
+                </a:gridCol>
+                <a:gridCol w="404882">
+                  <a:extLst>
+                    <a:ext uri="{9D8B030D-6E8A-4147-A177-3AD203B41FA5}">
+                      <a16:colId xmlns:a16="http://schemas.microsoft.com/office/drawing/2014/main" val="3299523282"/>
+                    </a:ext>
+                  </a:extLst>
+                </a:gridCol>
+                <a:gridCol w="437321">
+                  <a:extLst>
+                    <a:ext uri="{9D8B030D-6E8A-4147-A177-3AD203B41FA5}">
+                      <a16:colId xmlns:a16="http://schemas.microsoft.com/office/drawing/2014/main" val="1511840853"/>
+                    </a:ext>
+                  </a:extLst>
+                </a:gridCol>
+              </a:tblGrid>
+              <a:tr h="370840">
+                <a:tc>
+                  <a:txBody>
+                    <a:bodyPr/>
+                    <a:lstStyle/>
+                    <a:p>
+                      <a:endParaRPr lang="de-DE" dirty="0"/>
+                    </a:p>
+                  </a:txBody>
+                  <a:tcPr/>
+                </a:tc>
+                <a:tc>
+                  <a:txBody>
+                    <a:bodyPr/>
+                    <a:lstStyle/>
+                    <a:p>
+                      <a:endParaRPr lang="de-DE"/>
+                    </a:p>
+                  </a:txBody>
+                  <a:tcPr/>
+                </a:tc>
+                <a:tc>
+                  <a:txBody>
+                    <a:bodyPr/>
+                    <a:lstStyle/>
+                    <a:p>
+                      <a:endParaRPr lang="de-DE"/>
+                    </a:p>
+                  </a:txBody>
+                  <a:tcPr/>
+                </a:tc>
+                <a:tc>
+                  <a:txBody>
+                    <a:bodyPr/>
+                    <a:lstStyle/>
+                    <a:p>
+                      <a:endParaRPr lang="de-DE"/>
+                    </a:p>
+                  </a:txBody>
+                  <a:tcPr/>
+                </a:tc>
+                <a:extLst>
+                  <a:ext uri="{0D108BD9-81ED-4DB2-BD59-A6C34878D82A}">
+                    <a16:rowId xmlns:a16="http://schemas.microsoft.com/office/drawing/2014/main" val="1095717144"/>
+                  </a:ext>
+                </a:extLst>
+              </a:tr>
+              <a:tr h="370840">
+                <a:tc>
+                  <a:txBody>
+                    <a:bodyPr/>
+                    <a:lstStyle/>
+                    <a:p>
+                      <a:r>
+                        <a:rPr lang="de-DE" dirty="0"/>
+                        <a:t>ID</a:t>
+                      </a:r>
+                    </a:p>
+                  </a:txBody>
+                  <a:tcPr/>
+                </a:tc>
+                <a:tc>
+                  <a:txBody>
+                    <a:bodyPr/>
+                    <a:lstStyle/>
+                    <a:p>
+                      <a:r>
+                        <a:rPr lang="de-DE" dirty="0"/>
+                        <a:t>…</a:t>
+                      </a:r>
+                    </a:p>
+                  </a:txBody>
+                  <a:tcPr/>
+                </a:tc>
+                <a:tc>
+                  <a:txBody>
+                    <a:bodyPr/>
+                    <a:lstStyle/>
+                    <a:p>
+                      <a:endParaRPr lang="de-DE" dirty="0"/>
+                    </a:p>
+                  </a:txBody>
+                  <a:tcPr/>
+                </a:tc>
+                <a:tc>
+                  <a:txBody>
+                    <a:bodyPr/>
+                    <a:lstStyle/>
+                    <a:p>
+                      <a:endParaRPr lang="de-DE"/>
+                    </a:p>
+                  </a:txBody>
+                  <a:tcPr/>
+                </a:tc>
+                <a:extLst>
+                  <a:ext uri="{0D108BD9-81ED-4DB2-BD59-A6C34878D82A}">
+                    <a16:rowId xmlns:a16="http://schemas.microsoft.com/office/drawing/2014/main" val="3208829586"/>
+                  </a:ext>
+                </a:extLst>
+              </a:tr>
+              <a:tr h="370840">
+                <a:tc>
+                  <a:txBody>
+                    <a:bodyPr/>
+                    <a:lstStyle/>
+                    <a:p>
+                      <a:r>
+                        <a:rPr lang="de-DE" dirty="0"/>
+                        <a:t>Bezeichnung</a:t>
+                      </a:r>
+                    </a:p>
+                  </a:txBody>
+                  <a:tcPr/>
+                </a:tc>
+                <a:tc>
+                  <a:txBody>
+                    <a:bodyPr/>
+                    <a:lstStyle/>
+                    <a:p>
+                      <a:r>
+                        <a:rPr lang="de-DE" dirty="0"/>
+                        <a:t>…</a:t>
+                      </a:r>
+                    </a:p>
+                  </a:txBody>
+                  <a:tcPr/>
+                </a:tc>
+                <a:tc>
+                  <a:txBody>
+                    <a:bodyPr/>
+                    <a:lstStyle/>
+                    <a:p>
+                      <a:endParaRPr lang="de-DE"/>
+                    </a:p>
+                  </a:txBody>
+                  <a:tcPr/>
+                </a:tc>
+                <a:tc>
+                  <a:txBody>
+                    <a:bodyPr/>
+                    <a:lstStyle/>
+                    <a:p>
+                      <a:endParaRPr lang="de-DE"/>
+                    </a:p>
+                  </a:txBody>
+                  <a:tcPr/>
+                </a:tc>
+                <a:extLst>
+                  <a:ext uri="{0D108BD9-81ED-4DB2-BD59-A6C34878D82A}">
+                    <a16:rowId xmlns:a16="http://schemas.microsoft.com/office/drawing/2014/main" val="286167125"/>
+                  </a:ext>
+                </a:extLst>
+              </a:tr>
+              <a:tr h="370840">
+                <a:tc>
+                  <a:txBody>
+                    <a:bodyPr/>
+                    <a:lstStyle/>
+                    <a:p>
+                      <a:r>
+                        <a:rPr lang="de-DE" dirty="0"/>
+                        <a:t>Ersteller</a:t>
+                      </a:r>
+                    </a:p>
+                  </a:txBody>
+                  <a:tcPr/>
+                </a:tc>
+                <a:tc>
+                  <a:txBody>
+                    <a:bodyPr/>
+                    <a:lstStyle/>
+                    <a:p>
+                      <a:r>
+                        <a:rPr lang="de-DE" dirty="0"/>
+                        <a:t>…</a:t>
+                      </a:r>
+                    </a:p>
+                  </a:txBody>
+                  <a:tcPr/>
+                </a:tc>
+                <a:tc>
+                  <a:txBody>
+                    <a:bodyPr/>
+                    <a:lstStyle/>
+                    <a:p>
+                      <a:endParaRPr lang="de-DE"/>
+                    </a:p>
+                  </a:txBody>
+                  <a:tcPr/>
+                </a:tc>
+                <a:tc>
+                  <a:txBody>
+                    <a:bodyPr/>
+                    <a:lstStyle/>
+                    <a:p>
+                      <a:endParaRPr lang="de-DE"/>
+                    </a:p>
+                  </a:txBody>
+                  <a:tcPr/>
+                </a:tc>
+                <a:extLst>
+                  <a:ext uri="{0D108BD9-81ED-4DB2-BD59-A6C34878D82A}">
+                    <a16:rowId xmlns:a16="http://schemas.microsoft.com/office/drawing/2014/main" val="55845206"/>
+                  </a:ext>
+                </a:extLst>
+              </a:tr>
+              <a:tr h="370840">
+                <a:tc>
+                  <a:txBody>
+                    <a:bodyPr/>
+                    <a:lstStyle/>
+                    <a:p>
+                      <a:r>
+                        <a:rPr lang="de-DE" dirty="0"/>
+                        <a:t>Notiz</a:t>
+                      </a:r>
+                    </a:p>
+                  </a:txBody>
+                  <a:tcPr/>
+                </a:tc>
+                <a:tc>
+                  <a:txBody>
+                    <a:bodyPr/>
+                    <a:lstStyle/>
+                    <a:p>
+                      <a:r>
+                        <a:rPr lang="de-DE" dirty="0"/>
+                        <a:t>…</a:t>
+                      </a:r>
+                    </a:p>
+                  </a:txBody>
+                  <a:tcPr/>
+                </a:tc>
+                <a:tc>
+                  <a:txBody>
+                    <a:bodyPr/>
+                    <a:lstStyle/>
+                    <a:p>
+                      <a:endParaRPr lang="de-DE"/>
+                    </a:p>
+                  </a:txBody>
+                  <a:tcPr/>
+                </a:tc>
+                <a:tc>
+                  <a:txBody>
+                    <a:bodyPr/>
+                    <a:lstStyle/>
+                    <a:p>
+                      <a:endParaRPr lang="de-DE"/>
+                    </a:p>
+                  </a:txBody>
+                  <a:tcPr/>
+                </a:tc>
+                <a:extLst>
+                  <a:ext uri="{0D108BD9-81ED-4DB2-BD59-A6C34878D82A}">
+                    <a16:rowId xmlns:a16="http://schemas.microsoft.com/office/drawing/2014/main" val="2649806943"/>
+                  </a:ext>
+                </a:extLst>
+              </a:tr>
+              <a:tr h="370840">
+                <a:tc>
+                  <a:txBody>
+                    <a:bodyPr/>
+                    <a:lstStyle/>
+                    <a:p>
+                      <a:r>
+                        <a:rPr lang="de-DE" dirty="0" err="1"/>
+                        <a:t>DatumEingang</a:t>
+                      </a:r>
+                      <a:endParaRPr lang="de-DE" dirty="0"/>
+                    </a:p>
+                  </a:txBody>
+                  <a:tcPr/>
+                </a:tc>
+                <a:tc>
+                  <a:txBody>
+                    <a:bodyPr/>
+                    <a:lstStyle/>
+                    <a:p>
+                      <a:r>
+                        <a:rPr lang="de-DE" dirty="0"/>
+                        <a:t>…</a:t>
+                      </a:r>
+                    </a:p>
+                  </a:txBody>
+                  <a:tcPr/>
+                </a:tc>
+                <a:tc>
+                  <a:txBody>
+                    <a:bodyPr/>
+                    <a:lstStyle/>
+                    <a:p>
+                      <a:endParaRPr lang="de-DE"/>
+                    </a:p>
+                  </a:txBody>
+                  <a:tcPr/>
+                </a:tc>
+                <a:tc>
+                  <a:txBody>
+                    <a:bodyPr/>
+                    <a:lstStyle/>
+                    <a:p>
+                      <a:endParaRPr lang="de-DE"/>
+                    </a:p>
+                  </a:txBody>
+                  <a:tcPr/>
+                </a:tc>
+                <a:extLst>
+                  <a:ext uri="{0D108BD9-81ED-4DB2-BD59-A6C34878D82A}">
+                    <a16:rowId xmlns:a16="http://schemas.microsoft.com/office/drawing/2014/main" val="1320921200"/>
+                  </a:ext>
+                </a:extLst>
+              </a:tr>
+              <a:tr h="370840">
+                <a:tc>
+                  <a:txBody>
+                    <a:bodyPr/>
+                    <a:lstStyle/>
+                    <a:p>
+                      <a:r>
+                        <a:rPr lang="de-DE" dirty="0"/>
+                        <a:t>Bearbeiter</a:t>
+                      </a:r>
+                    </a:p>
+                  </a:txBody>
+                  <a:tcPr/>
+                </a:tc>
+                <a:tc>
+                  <a:txBody>
+                    <a:bodyPr/>
+                    <a:lstStyle/>
+                    <a:p>
+                      <a:r>
+                        <a:rPr lang="de-DE" dirty="0"/>
+                        <a:t>…</a:t>
+                      </a:r>
+                    </a:p>
+                  </a:txBody>
+                  <a:tcPr/>
+                </a:tc>
+                <a:tc>
+                  <a:txBody>
+                    <a:bodyPr/>
+                    <a:lstStyle/>
+                    <a:p>
+                      <a:endParaRPr lang="de-DE"/>
+                    </a:p>
+                  </a:txBody>
+                  <a:tcPr/>
+                </a:tc>
+                <a:tc>
+                  <a:txBody>
+                    <a:bodyPr/>
+                    <a:lstStyle/>
+                    <a:p>
+                      <a:endParaRPr lang="de-DE" dirty="0"/>
+                    </a:p>
+                  </a:txBody>
+                  <a:tcPr/>
+                </a:tc>
+                <a:extLst>
+                  <a:ext uri="{0D108BD9-81ED-4DB2-BD59-A6C34878D82A}">
+                    <a16:rowId xmlns:a16="http://schemas.microsoft.com/office/drawing/2014/main" val="3494277923"/>
+                  </a:ext>
+                </a:extLst>
+              </a:tr>
+            </a:tbl>
+          </a:graphicData>
+        </a:graphic>
+      </p:graphicFrame>
+      <p:sp>
+        <p:nvSpPr>
+          <p:cNvPr id="22" name="Rechteck 21"/>
+          <p:cNvSpPr/>
+          <p:nvPr/>
+        </p:nvSpPr>
+        <p:spPr>
+          <a:xfrm>
+            <a:off x="8059991" y="2829338"/>
+            <a:ext cx="322010" cy="307777"/>
+          </a:xfrm>
+          <a:prstGeom prst="rect">
+            <a:avLst/>
+          </a:prstGeom>
+        </p:spPr>
+        <p:style>
+          <a:lnRef idx="2">
+            <a:schemeClr val="dk1"/>
+          </a:lnRef>
+          <a:fillRef idx="1">
+            <a:schemeClr val="lt1"/>
+          </a:fillRef>
+          <a:effectRef idx="0">
+            <a:schemeClr val="dk1"/>
+          </a:effectRef>
+          <a:fontRef idx="minor">
+            <a:schemeClr val="dk1"/>
+          </a:fontRef>
+        </p:style>
+        <p:txBody>
+          <a:bodyPr rtlCol="0" anchor="ctr"/>
+          <a:lstStyle/>
+          <a:p>
+            <a:pPr algn="ctr"/>
+            <a:endParaRPr lang="de-DE"/>
+          </a:p>
+        </p:txBody>
+      </p:sp>
+      <p:sp>
+        <p:nvSpPr>
+          <p:cNvPr id="24" name="Additionszeichen 23"/>
+          <p:cNvSpPr/>
+          <p:nvPr/>
+        </p:nvSpPr>
+        <p:spPr>
+          <a:xfrm>
+            <a:off x="8095100" y="2844078"/>
+            <a:ext cx="251791" cy="278296"/>
+          </a:xfrm>
+          <a:prstGeom prst="mathPlus">
+            <a:avLst/>
+          </a:prstGeom>
+        </p:spPr>
+        <p:style>
+          <a:lnRef idx="2">
+            <a:schemeClr val="dk1"/>
+          </a:lnRef>
+          <a:fillRef idx="1">
+            <a:schemeClr val="lt1"/>
+          </a:fillRef>
+          <a:effectRef idx="0">
+            <a:schemeClr val="dk1"/>
+          </a:effectRef>
+          <a:fontRef idx="minor">
+            <a:schemeClr val="dk1"/>
+          </a:fontRef>
+        </p:style>
+        <p:txBody>
+          <a:bodyPr rtlCol="0" anchor="ctr"/>
+          <a:lstStyle/>
+          <a:p>
+            <a:pPr algn="ctr"/>
+            <a:endParaRPr lang="de-DE"/>
+          </a:p>
+        </p:txBody>
+      </p:sp>
+      <p:sp>
+        <p:nvSpPr>
+          <p:cNvPr id="25" name="Rechteck 24"/>
+          <p:cNvSpPr/>
+          <p:nvPr/>
+        </p:nvSpPr>
+        <p:spPr>
+          <a:xfrm>
+            <a:off x="8059991" y="3192536"/>
+            <a:ext cx="322010" cy="307777"/>
+          </a:xfrm>
+          <a:prstGeom prst="rect">
+            <a:avLst/>
+          </a:prstGeom>
+        </p:spPr>
+        <p:style>
+          <a:lnRef idx="2">
+            <a:schemeClr val="dk1"/>
+          </a:lnRef>
+          <a:fillRef idx="1">
+            <a:schemeClr val="lt1"/>
+          </a:fillRef>
+          <a:effectRef idx="0">
+            <a:schemeClr val="dk1"/>
+          </a:effectRef>
+          <a:fontRef idx="minor">
+            <a:schemeClr val="dk1"/>
+          </a:fontRef>
+        </p:style>
+        <p:txBody>
+          <a:bodyPr rtlCol="0" anchor="ctr"/>
+          <a:lstStyle/>
+          <a:p>
+            <a:pPr algn="ctr"/>
+            <a:endParaRPr lang="de-DE"/>
+          </a:p>
+        </p:txBody>
+      </p:sp>
+      <p:sp>
+        <p:nvSpPr>
+          <p:cNvPr id="26" name="Additionszeichen 25"/>
+          <p:cNvSpPr/>
+          <p:nvPr/>
+        </p:nvSpPr>
+        <p:spPr>
+          <a:xfrm>
+            <a:off x="8095100" y="3207276"/>
+            <a:ext cx="251791" cy="278296"/>
+          </a:xfrm>
+          <a:prstGeom prst="mathPlus">
+            <a:avLst/>
+          </a:prstGeom>
+        </p:spPr>
+        <p:style>
+          <a:lnRef idx="2">
+            <a:schemeClr val="dk1"/>
+          </a:lnRef>
+          <a:fillRef idx="1">
+            <a:schemeClr val="lt1"/>
+          </a:fillRef>
+          <a:effectRef idx="0">
+            <a:schemeClr val="dk1"/>
+          </a:effectRef>
+          <a:fontRef idx="minor">
+            <a:schemeClr val="dk1"/>
+          </a:fontRef>
+        </p:style>
+        <p:txBody>
+          <a:bodyPr rtlCol="0" anchor="ctr"/>
+          <a:lstStyle/>
+          <a:p>
+            <a:pPr algn="ctr"/>
+            <a:endParaRPr lang="de-DE"/>
+          </a:p>
+        </p:txBody>
+      </p:sp>
+      <p:sp>
+        <p:nvSpPr>
+          <p:cNvPr id="27" name="Rechteck 26"/>
+          <p:cNvSpPr/>
+          <p:nvPr/>
+        </p:nvSpPr>
+        <p:spPr>
+          <a:xfrm>
+            <a:off x="8059991" y="3562418"/>
+            <a:ext cx="322010" cy="307777"/>
+          </a:xfrm>
+          <a:prstGeom prst="rect">
+            <a:avLst/>
+          </a:prstGeom>
+        </p:spPr>
+        <p:style>
+          <a:lnRef idx="2">
+            <a:schemeClr val="dk1"/>
+          </a:lnRef>
+          <a:fillRef idx="1">
+            <a:schemeClr val="lt1"/>
+          </a:fillRef>
+          <a:effectRef idx="0">
+            <a:schemeClr val="dk1"/>
+          </a:effectRef>
+          <a:fontRef idx="minor">
+            <a:schemeClr val="dk1"/>
+          </a:fontRef>
+        </p:style>
+        <p:txBody>
+          <a:bodyPr rtlCol="0" anchor="ctr"/>
+          <a:lstStyle/>
+          <a:p>
+            <a:pPr algn="ctr"/>
+            <a:endParaRPr lang="de-DE"/>
+          </a:p>
+        </p:txBody>
+      </p:sp>
+      <p:sp>
+        <p:nvSpPr>
+          <p:cNvPr id="28" name="Additionszeichen 27"/>
+          <p:cNvSpPr/>
+          <p:nvPr/>
+        </p:nvSpPr>
+        <p:spPr>
+          <a:xfrm>
+            <a:off x="8095100" y="3577158"/>
+            <a:ext cx="251791" cy="278296"/>
+          </a:xfrm>
+          <a:prstGeom prst="mathPlus">
+            <a:avLst/>
+          </a:prstGeom>
+        </p:spPr>
+        <p:style>
+          <a:lnRef idx="2">
+            <a:schemeClr val="dk1"/>
+          </a:lnRef>
+          <a:fillRef idx="1">
+            <a:schemeClr val="lt1"/>
+          </a:fillRef>
+          <a:effectRef idx="0">
+            <a:schemeClr val="dk1"/>
+          </a:effectRef>
+          <a:fontRef idx="minor">
+            <a:schemeClr val="dk1"/>
+          </a:fontRef>
+        </p:style>
+        <p:txBody>
+          <a:bodyPr rtlCol="0" anchor="ctr"/>
+          <a:lstStyle/>
+          <a:p>
+            <a:pPr algn="ctr"/>
+            <a:endParaRPr lang="de-DE"/>
+          </a:p>
+        </p:txBody>
+      </p:sp>
+      <p:sp>
+        <p:nvSpPr>
+          <p:cNvPr id="29" name="Rechteck 28"/>
+          <p:cNvSpPr/>
+          <p:nvPr/>
+        </p:nvSpPr>
+        <p:spPr>
+          <a:xfrm>
+            <a:off x="8059991" y="3941049"/>
+            <a:ext cx="322010" cy="307777"/>
+          </a:xfrm>
+          <a:prstGeom prst="rect">
+            <a:avLst/>
+          </a:prstGeom>
+        </p:spPr>
+        <p:style>
+          <a:lnRef idx="2">
+            <a:schemeClr val="dk1"/>
+          </a:lnRef>
+          <a:fillRef idx="1">
+            <a:schemeClr val="lt1"/>
+          </a:fillRef>
+          <a:effectRef idx="0">
+            <a:schemeClr val="dk1"/>
+          </a:effectRef>
+          <a:fontRef idx="minor">
+            <a:schemeClr val="dk1"/>
+          </a:fontRef>
+        </p:style>
+        <p:txBody>
+          <a:bodyPr rtlCol="0" anchor="ctr"/>
+          <a:lstStyle/>
+          <a:p>
+            <a:pPr algn="ctr"/>
+            <a:endParaRPr lang="de-DE"/>
+          </a:p>
+        </p:txBody>
+      </p:sp>
+      <p:sp>
+        <p:nvSpPr>
+          <p:cNvPr id="32" name="Additionszeichen 31"/>
+          <p:cNvSpPr/>
+          <p:nvPr/>
+        </p:nvSpPr>
+        <p:spPr>
+          <a:xfrm>
+            <a:off x="8095100" y="3955789"/>
+            <a:ext cx="251791" cy="278296"/>
+          </a:xfrm>
+          <a:prstGeom prst="mathPlus">
+            <a:avLst/>
+          </a:prstGeom>
+        </p:spPr>
+        <p:style>
+          <a:lnRef idx="2">
+            <a:schemeClr val="dk1"/>
+          </a:lnRef>
+          <a:fillRef idx="1">
+            <a:schemeClr val="lt1"/>
+          </a:fillRef>
+          <a:effectRef idx="0">
+            <a:schemeClr val="dk1"/>
+          </a:effectRef>
+          <a:fontRef idx="minor">
+            <a:schemeClr val="dk1"/>
+          </a:fontRef>
+        </p:style>
+        <p:txBody>
+          <a:bodyPr rtlCol="0" anchor="ctr"/>
+          <a:lstStyle/>
+          <a:p>
+            <a:pPr algn="ctr"/>
+            <a:endParaRPr lang="de-DE"/>
+          </a:p>
+        </p:txBody>
+      </p:sp>
+      <p:sp>
+        <p:nvSpPr>
+          <p:cNvPr id="33" name="Rechteck 32"/>
+          <p:cNvSpPr/>
+          <p:nvPr/>
+        </p:nvSpPr>
+        <p:spPr>
+          <a:xfrm>
+            <a:off x="8059991" y="4293799"/>
+            <a:ext cx="322010" cy="307777"/>
+          </a:xfrm>
+          <a:prstGeom prst="rect">
+            <a:avLst/>
+          </a:prstGeom>
+        </p:spPr>
+        <p:style>
+          <a:lnRef idx="2">
+            <a:schemeClr val="dk1"/>
+          </a:lnRef>
+          <a:fillRef idx="1">
+            <a:schemeClr val="lt1"/>
+          </a:fillRef>
+          <a:effectRef idx="0">
+            <a:schemeClr val="dk1"/>
+          </a:effectRef>
+          <a:fontRef idx="minor">
+            <a:schemeClr val="dk1"/>
+          </a:fontRef>
+        </p:style>
+        <p:txBody>
+          <a:bodyPr rtlCol="0" anchor="ctr"/>
+          <a:lstStyle/>
+          <a:p>
+            <a:pPr algn="ctr"/>
+            <a:endParaRPr lang="de-DE"/>
+          </a:p>
+        </p:txBody>
+      </p:sp>
+      <p:sp>
+        <p:nvSpPr>
+          <p:cNvPr id="34" name="Additionszeichen 33"/>
+          <p:cNvSpPr/>
+          <p:nvPr/>
+        </p:nvSpPr>
+        <p:spPr>
+          <a:xfrm>
+            <a:off x="8095100" y="4308539"/>
+            <a:ext cx="251791" cy="278296"/>
+          </a:xfrm>
+          <a:prstGeom prst="mathPlus">
+            <a:avLst/>
+          </a:prstGeom>
+        </p:spPr>
+        <p:style>
+          <a:lnRef idx="2">
+            <a:schemeClr val="dk1"/>
+          </a:lnRef>
+          <a:fillRef idx="1">
+            <a:schemeClr val="lt1"/>
+          </a:fillRef>
+          <a:effectRef idx="0">
+            <a:schemeClr val="dk1"/>
+          </a:effectRef>
+          <a:fontRef idx="minor">
+            <a:schemeClr val="dk1"/>
+          </a:fontRef>
+        </p:style>
+        <p:txBody>
+          <a:bodyPr rtlCol="0" anchor="ctr"/>
+          <a:lstStyle/>
+          <a:p>
+            <a:pPr algn="ctr"/>
+            <a:endParaRPr lang="de-DE"/>
+          </a:p>
+        </p:txBody>
+      </p:sp>
+      <p:sp>
+        <p:nvSpPr>
+          <p:cNvPr id="35" name="Rechteck 34"/>
+          <p:cNvSpPr/>
+          <p:nvPr/>
+        </p:nvSpPr>
+        <p:spPr>
+          <a:xfrm>
+            <a:off x="8059991" y="4673378"/>
+            <a:ext cx="322010" cy="307777"/>
+          </a:xfrm>
+          <a:prstGeom prst="rect">
+            <a:avLst/>
+          </a:prstGeom>
+        </p:spPr>
+        <p:style>
+          <a:lnRef idx="2">
+            <a:schemeClr val="dk1"/>
+          </a:lnRef>
+          <a:fillRef idx="1">
+            <a:schemeClr val="lt1"/>
+          </a:fillRef>
+          <a:effectRef idx="0">
+            <a:schemeClr val="dk1"/>
+          </a:effectRef>
+          <a:fontRef idx="minor">
+            <a:schemeClr val="dk1"/>
+          </a:fontRef>
+        </p:style>
+        <p:txBody>
+          <a:bodyPr rtlCol="0" anchor="ctr"/>
+          <a:lstStyle/>
+          <a:p>
+            <a:pPr algn="ctr"/>
+            <a:endParaRPr lang="de-DE"/>
+          </a:p>
+        </p:txBody>
+      </p:sp>
+      <p:sp>
+        <p:nvSpPr>
+          <p:cNvPr id="36" name="Additionszeichen 35"/>
+          <p:cNvSpPr/>
+          <p:nvPr/>
+        </p:nvSpPr>
+        <p:spPr>
+          <a:xfrm>
+            <a:off x="8095100" y="4688118"/>
+            <a:ext cx="251791" cy="278296"/>
+          </a:xfrm>
+          <a:prstGeom prst="mathPlus">
+            <a:avLst/>
+          </a:prstGeom>
+        </p:spPr>
+        <p:style>
+          <a:lnRef idx="2">
+            <a:schemeClr val="dk1"/>
+          </a:lnRef>
+          <a:fillRef idx="1">
+            <a:schemeClr val="lt1"/>
+          </a:fillRef>
+          <a:effectRef idx="0">
+            <a:schemeClr val="dk1"/>
+          </a:effectRef>
+          <a:fontRef idx="minor">
+            <a:schemeClr val="dk1"/>
+          </a:fontRef>
+        </p:style>
+        <p:txBody>
+          <a:bodyPr rtlCol="0" anchor="ctr"/>
+          <a:lstStyle/>
+          <a:p>
+            <a:pPr algn="ctr"/>
+            <a:endParaRPr lang="de-DE"/>
+          </a:p>
+        </p:txBody>
+      </p:sp>
+      <p:sp>
+        <p:nvSpPr>
+          <p:cNvPr id="37" name="Rechteck 36"/>
+          <p:cNvSpPr/>
+          <p:nvPr/>
+        </p:nvSpPr>
+        <p:spPr>
+          <a:xfrm>
+            <a:off x="8466540" y="4663398"/>
+            <a:ext cx="322010" cy="307777"/>
+          </a:xfrm>
+          <a:prstGeom prst="rect">
+            <a:avLst/>
+          </a:prstGeom>
+        </p:spPr>
+        <p:style>
+          <a:lnRef idx="2">
+            <a:schemeClr val="dk1"/>
+          </a:lnRef>
+          <a:fillRef idx="1">
+            <a:schemeClr val="lt1"/>
+          </a:fillRef>
+          <a:effectRef idx="0">
+            <a:schemeClr val="dk1"/>
+          </a:effectRef>
+          <a:fontRef idx="minor">
+            <a:schemeClr val="dk1"/>
+          </a:fontRef>
+        </p:style>
+        <p:txBody>
+          <a:bodyPr rtlCol="0" anchor="ctr"/>
+          <a:lstStyle/>
+          <a:p>
+            <a:pPr algn="ctr"/>
+            <a:endParaRPr lang="de-DE"/>
+          </a:p>
+        </p:txBody>
+      </p:sp>
+      <p:sp>
+        <p:nvSpPr>
+          <p:cNvPr id="38" name="Multiplikationszeichen 37"/>
+          <p:cNvSpPr/>
+          <p:nvPr/>
+        </p:nvSpPr>
+        <p:spPr>
+          <a:xfrm>
+            <a:off x="8501649" y="4687311"/>
+            <a:ext cx="251792" cy="293036"/>
+          </a:xfrm>
+          <a:prstGeom prst="mathMultiply">
+            <a:avLst/>
+          </a:prstGeom>
+        </p:spPr>
+        <p:style>
+          <a:lnRef idx="2">
+            <a:schemeClr val="dk1"/>
+          </a:lnRef>
+          <a:fillRef idx="1">
+            <a:schemeClr val="lt1"/>
+          </a:fillRef>
+          <a:effectRef idx="0">
+            <a:schemeClr val="dk1"/>
+          </a:effectRef>
+          <a:fontRef idx="minor">
+            <a:schemeClr val="dk1"/>
+          </a:fontRef>
+        </p:style>
+        <p:txBody>
+          <a:bodyPr rtlCol="0" anchor="ctr"/>
+          <a:lstStyle/>
+          <a:p>
+            <a:pPr algn="ctr"/>
+            <a:endParaRPr lang="de-DE"/>
+          </a:p>
+        </p:txBody>
+      </p:sp>
+      <p:sp>
+        <p:nvSpPr>
+          <p:cNvPr id="39" name="Rechteck 38"/>
+          <p:cNvSpPr/>
+          <p:nvPr/>
+        </p:nvSpPr>
+        <p:spPr>
+          <a:xfrm>
+            <a:off x="8476249" y="2820166"/>
+            <a:ext cx="322010" cy="307777"/>
+          </a:xfrm>
+          <a:prstGeom prst="rect">
+            <a:avLst/>
+          </a:prstGeom>
+        </p:spPr>
+        <p:style>
+          <a:lnRef idx="2">
+            <a:schemeClr val="dk1"/>
+          </a:lnRef>
+          <a:fillRef idx="1">
+            <a:schemeClr val="lt1"/>
+          </a:fillRef>
+          <a:effectRef idx="0">
+            <a:schemeClr val="dk1"/>
+          </a:effectRef>
+          <a:fontRef idx="minor">
+            <a:schemeClr val="dk1"/>
+          </a:fontRef>
+        </p:style>
+        <p:txBody>
+          <a:bodyPr rtlCol="0" anchor="ctr"/>
+          <a:lstStyle/>
+          <a:p>
+            <a:pPr algn="ctr"/>
+            <a:endParaRPr lang="de-DE"/>
+          </a:p>
+        </p:txBody>
+      </p:sp>
+      <p:sp>
+        <p:nvSpPr>
+          <p:cNvPr id="40" name="Multiplikationszeichen 39"/>
+          <p:cNvSpPr/>
+          <p:nvPr/>
+        </p:nvSpPr>
+        <p:spPr>
+          <a:xfrm>
+            <a:off x="8511358" y="2844079"/>
+            <a:ext cx="251792" cy="293036"/>
+          </a:xfrm>
+          <a:prstGeom prst="mathMultiply">
+            <a:avLst/>
+          </a:prstGeom>
+        </p:spPr>
+        <p:style>
+          <a:lnRef idx="2">
+            <a:schemeClr val="dk1"/>
+          </a:lnRef>
+          <a:fillRef idx="1">
+            <a:schemeClr val="lt1"/>
+          </a:fillRef>
+          <a:effectRef idx="0">
+            <a:schemeClr val="dk1"/>
+          </a:effectRef>
+          <a:fontRef idx="minor">
+            <a:schemeClr val="dk1"/>
+          </a:fontRef>
+        </p:style>
+        <p:txBody>
+          <a:bodyPr rtlCol="0" anchor="ctr"/>
+          <a:lstStyle/>
+          <a:p>
+            <a:pPr algn="ctr"/>
+            <a:endParaRPr lang="de-DE"/>
+          </a:p>
+        </p:txBody>
+      </p:sp>
+      <p:sp>
+        <p:nvSpPr>
+          <p:cNvPr id="41" name="Rechteck 40"/>
+          <p:cNvSpPr/>
+          <p:nvPr/>
+        </p:nvSpPr>
+        <p:spPr>
+          <a:xfrm>
+            <a:off x="8471602" y="3200030"/>
+            <a:ext cx="322010" cy="307777"/>
+          </a:xfrm>
+          <a:prstGeom prst="rect">
+            <a:avLst/>
+          </a:prstGeom>
+        </p:spPr>
+        <p:style>
+          <a:lnRef idx="2">
+            <a:schemeClr val="dk1"/>
+          </a:lnRef>
+          <a:fillRef idx="1">
+            <a:schemeClr val="lt1"/>
+          </a:fillRef>
+          <a:effectRef idx="0">
+            <a:schemeClr val="dk1"/>
+          </a:effectRef>
+          <a:fontRef idx="minor">
+            <a:schemeClr val="dk1"/>
+          </a:fontRef>
+        </p:style>
+        <p:txBody>
+          <a:bodyPr rtlCol="0" anchor="ctr"/>
+          <a:lstStyle/>
+          <a:p>
+            <a:pPr algn="ctr"/>
+            <a:endParaRPr lang="de-DE"/>
+          </a:p>
+        </p:txBody>
+      </p:sp>
+      <p:sp>
+        <p:nvSpPr>
+          <p:cNvPr id="42" name="Multiplikationszeichen 41"/>
+          <p:cNvSpPr/>
+          <p:nvPr/>
+        </p:nvSpPr>
+        <p:spPr>
+          <a:xfrm>
+            <a:off x="8506711" y="3223943"/>
+            <a:ext cx="251792" cy="293036"/>
+          </a:xfrm>
+          <a:prstGeom prst="mathMultiply">
+            <a:avLst/>
+          </a:prstGeom>
+        </p:spPr>
+        <p:style>
+          <a:lnRef idx="2">
+            <a:schemeClr val="dk1"/>
+          </a:lnRef>
+          <a:fillRef idx="1">
+            <a:schemeClr val="lt1"/>
+          </a:fillRef>
+          <a:effectRef idx="0">
+            <a:schemeClr val="dk1"/>
+          </a:effectRef>
+          <a:fontRef idx="minor">
+            <a:schemeClr val="dk1"/>
+          </a:fontRef>
+        </p:style>
+        <p:txBody>
+          <a:bodyPr rtlCol="0" anchor="ctr"/>
+          <a:lstStyle/>
+          <a:p>
+            <a:pPr algn="ctr"/>
+            <a:endParaRPr lang="de-DE"/>
+          </a:p>
+        </p:txBody>
+      </p:sp>
+      <p:sp>
+        <p:nvSpPr>
+          <p:cNvPr id="43" name="Rechteck 42"/>
+          <p:cNvSpPr/>
+          <p:nvPr/>
+        </p:nvSpPr>
+        <p:spPr>
+          <a:xfrm>
+            <a:off x="8471602" y="3563706"/>
+            <a:ext cx="322010" cy="307777"/>
+          </a:xfrm>
+          <a:prstGeom prst="rect">
+            <a:avLst/>
+          </a:prstGeom>
+        </p:spPr>
+        <p:style>
+          <a:lnRef idx="2">
+            <a:schemeClr val="dk1"/>
+          </a:lnRef>
+          <a:fillRef idx="1">
+            <a:schemeClr val="lt1"/>
+          </a:fillRef>
+          <a:effectRef idx="0">
+            <a:schemeClr val="dk1"/>
+          </a:effectRef>
+          <a:fontRef idx="minor">
+            <a:schemeClr val="dk1"/>
+          </a:fontRef>
+        </p:style>
+        <p:txBody>
+          <a:bodyPr rtlCol="0" anchor="ctr"/>
+          <a:lstStyle/>
+          <a:p>
+            <a:pPr algn="ctr"/>
+            <a:endParaRPr lang="de-DE"/>
+          </a:p>
+        </p:txBody>
+      </p:sp>
+      <p:sp>
+        <p:nvSpPr>
+          <p:cNvPr id="44" name="Multiplikationszeichen 43"/>
+          <p:cNvSpPr/>
+          <p:nvPr/>
+        </p:nvSpPr>
+        <p:spPr>
+          <a:xfrm>
+            <a:off x="8506711" y="3587619"/>
+            <a:ext cx="251792" cy="293036"/>
+          </a:xfrm>
+          <a:prstGeom prst="mathMultiply">
+            <a:avLst/>
+          </a:prstGeom>
+        </p:spPr>
+        <p:style>
+          <a:lnRef idx="2">
+            <a:schemeClr val="dk1"/>
+          </a:lnRef>
+          <a:fillRef idx="1">
+            <a:schemeClr val="lt1"/>
+          </a:fillRef>
+          <a:effectRef idx="0">
+            <a:schemeClr val="dk1"/>
+          </a:effectRef>
+          <a:fontRef idx="minor">
+            <a:schemeClr val="dk1"/>
+          </a:fontRef>
+        </p:style>
+        <p:txBody>
+          <a:bodyPr rtlCol="0" anchor="ctr"/>
+          <a:lstStyle/>
+          <a:p>
+            <a:pPr algn="ctr"/>
+            <a:endParaRPr lang="de-DE"/>
+          </a:p>
+        </p:txBody>
+      </p:sp>
+      <p:sp>
+        <p:nvSpPr>
+          <p:cNvPr id="45" name="Rechteck 44"/>
+          <p:cNvSpPr/>
+          <p:nvPr/>
+        </p:nvSpPr>
+        <p:spPr>
+          <a:xfrm>
+            <a:off x="8471602" y="3937468"/>
+            <a:ext cx="322010" cy="307777"/>
+          </a:xfrm>
+          <a:prstGeom prst="rect">
+            <a:avLst/>
+          </a:prstGeom>
+        </p:spPr>
+        <p:style>
+          <a:lnRef idx="2">
+            <a:schemeClr val="dk1"/>
+          </a:lnRef>
+          <a:fillRef idx="1">
+            <a:schemeClr val="lt1"/>
+          </a:fillRef>
+          <a:effectRef idx="0">
+            <a:schemeClr val="dk1"/>
+          </a:effectRef>
+          <a:fontRef idx="minor">
+            <a:schemeClr val="dk1"/>
+          </a:fontRef>
+        </p:style>
+        <p:txBody>
+          <a:bodyPr rtlCol="0" anchor="ctr"/>
+          <a:lstStyle/>
+          <a:p>
+            <a:pPr algn="ctr"/>
+            <a:endParaRPr lang="de-DE"/>
+          </a:p>
+        </p:txBody>
+      </p:sp>
+      <p:sp>
+        <p:nvSpPr>
+          <p:cNvPr id="46" name="Multiplikationszeichen 45"/>
+          <p:cNvSpPr/>
+          <p:nvPr/>
+        </p:nvSpPr>
+        <p:spPr>
+          <a:xfrm>
+            <a:off x="8506711" y="3961381"/>
+            <a:ext cx="251792" cy="293036"/>
+          </a:xfrm>
+          <a:prstGeom prst="mathMultiply">
+            <a:avLst/>
+          </a:prstGeom>
+        </p:spPr>
+        <p:style>
+          <a:lnRef idx="2">
+            <a:schemeClr val="dk1"/>
+          </a:lnRef>
+          <a:fillRef idx="1">
+            <a:schemeClr val="lt1"/>
+          </a:fillRef>
+          <a:effectRef idx="0">
+            <a:schemeClr val="dk1"/>
+          </a:effectRef>
+          <a:fontRef idx="minor">
+            <a:schemeClr val="dk1"/>
+          </a:fontRef>
+        </p:style>
+        <p:txBody>
+          <a:bodyPr rtlCol="0" anchor="ctr"/>
+          <a:lstStyle/>
+          <a:p>
+            <a:pPr algn="ctr"/>
+            <a:endParaRPr lang="de-DE"/>
+          </a:p>
+        </p:txBody>
+      </p:sp>
+      <p:sp>
+        <p:nvSpPr>
+          <p:cNvPr id="47" name="Rechteck 46"/>
+          <p:cNvSpPr/>
+          <p:nvPr/>
+        </p:nvSpPr>
+        <p:spPr>
+          <a:xfrm>
+            <a:off x="8471602" y="4303885"/>
+            <a:ext cx="322010" cy="307777"/>
+          </a:xfrm>
+          <a:prstGeom prst="rect">
+            <a:avLst/>
+          </a:prstGeom>
+        </p:spPr>
+        <p:style>
+          <a:lnRef idx="2">
+            <a:schemeClr val="dk1"/>
+          </a:lnRef>
+          <a:fillRef idx="1">
+            <a:schemeClr val="lt1"/>
+          </a:fillRef>
+          <a:effectRef idx="0">
+            <a:schemeClr val="dk1"/>
+          </a:effectRef>
+          <a:fontRef idx="minor">
+            <a:schemeClr val="dk1"/>
+          </a:fontRef>
+        </p:style>
+        <p:txBody>
+          <a:bodyPr rtlCol="0" anchor="ctr"/>
+          <a:lstStyle/>
+          <a:p>
+            <a:pPr algn="ctr"/>
+            <a:endParaRPr lang="de-DE"/>
+          </a:p>
+        </p:txBody>
+      </p:sp>
+      <p:sp>
+        <p:nvSpPr>
+          <p:cNvPr id="48" name="Multiplikationszeichen 47"/>
+          <p:cNvSpPr/>
+          <p:nvPr/>
+        </p:nvSpPr>
+        <p:spPr>
+          <a:xfrm>
+            <a:off x="8506711" y="4327798"/>
+            <a:ext cx="251792" cy="293036"/>
+          </a:xfrm>
+          <a:prstGeom prst="mathMultiply">
+            <a:avLst/>
+          </a:prstGeom>
+        </p:spPr>
+        <p:style>
+          <a:lnRef idx="2">
+            <a:schemeClr val="dk1"/>
+          </a:lnRef>
+          <a:fillRef idx="1">
+            <a:schemeClr val="lt1"/>
+          </a:fillRef>
+          <a:effectRef idx="0">
+            <a:schemeClr val="dk1"/>
+          </a:effectRef>
+          <a:fontRef idx="minor">
+            <a:schemeClr val="dk1"/>
+          </a:fontRef>
+        </p:style>
+        <p:txBody>
+          <a:bodyPr rtlCol="0" anchor="ctr"/>
+          <a:lstStyle/>
+          <a:p>
+            <a:pPr algn="ctr"/>
+            <a:endParaRPr lang="de-DE"/>
+          </a:p>
+        </p:txBody>
+      </p:sp>
+      <p:cxnSp>
+        <p:nvCxnSpPr>
+          <p:cNvPr id="49" name="Gerade Verbindung mit Pfeil 48"/>
+          <p:cNvCxnSpPr/>
+          <p:nvPr/>
+        </p:nvCxnSpPr>
+        <p:spPr>
+          <a:xfrm flipV="1">
+            <a:off x="5380383" y="4823791"/>
+            <a:ext cx="0" cy="583096"/>
+          </a:xfrm>
+          <a:prstGeom prst="straightConnector1">
+            <a:avLst/>
+          </a:prstGeom>
+          <a:ln>
+            <a:tailEnd type="triangle"/>
+          </a:ln>
+        </p:spPr>
+        <p:style>
+          <a:lnRef idx="3">
+            <a:schemeClr val="accent2"/>
+          </a:lnRef>
+          <a:fillRef idx="0">
+            <a:schemeClr val="accent2"/>
+          </a:fillRef>
+          <a:effectRef idx="2">
+            <a:schemeClr val="accent2"/>
+          </a:effectRef>
+          <a:fontRef idx="minor">
+            <a:schemeClr val="tx1"/>
+          </a:fontRef>
+        </p:style>
+      </p:cxnSp>
+      <p:sp>
+        <p:nvSpPr>
+          <p:cNvPr id="50" name="Rechteck 49"/>
+          <p:cNvSpPr/>
+          <p:nvPr/>
+        </p:nvSpPr>
+        <p:spPr>
+          <a:xfrm>
+            <a:off x="3134319" y="5416154"/>
+            <a:ext cx="4492127" cy="523220"/>
+          </a:xfrm>
+          <a:prstGeom prst="rect">
+            <a:avLst/>
+          </a:prstGeom>
+          <a:noFill/>
+        </p:spPr>
+        <p:txBody>
+          <a:bodyPr wrap="none" lIns="91440" tIns="45720" rIns="91440" bIns="45720">
+            <a:spAutoFit/>
+          </a:bodyPr>
+          <a:lstStyle/>
+          <a:p>
+            <a:r>
+              <a:rPr lang="de-DE" sz="1400" b="0" cap="none" spc="0" dirty="0">
+                <a:ln w="0"/>
+                <a:solidFill>
+                  <a:schemeClr val="tx1"/>
+                </a:solidFill>
+                <a:effectLst>
+                  <a:outerShdw blurRad="38100" dist="38100" dir="2700000" algn="tl">
+                    <a:srgbClr val="000000">
+                      <a:alpha val="43137"/>
+                    </a:srgbClr>
+                  </a:outerShdw>
+                </a:effectLst>
+              </a:rPr>
+              <a:t>Eine Liste mit Informationen zu einem bestimmten Produkt</a:t>
+            </a:r>
+          </a:p>
+          <a:p>
+            <a:pPr marL="285750" indent="-285750">
+              <a:buFontTx/>
+              <a:buChar char="-"/>
+            </a:pPr>
+            <a:r>
+              <a:rPr lang="de-DE" sz="1400" dirty="0">
+                <a:ln w="0"/>
+                <a:effectLst>
+                  <a:outerShdw blurRad="38100" dist="38100" dir="2700000" algn="tl">
+                    <a:srgbClr val="000000">
+                      <a:alpha val="43137"/>
+                    </a:srgbClr>
+                  </a:outerShdw>
+                </a:effectLst>
+              </a:rPr>
+              <a:t>Nicht editierbar</a:t>
+            </a:r>
+          </a:p>
+        </p:txBody>
+      </p:sp>
+      <p:cxnSp>
+        <p:nvCxnSpPr>
+          <p:cNvPr id="51" name="Gerade Verbindung mit Pfeil 50"/>
+          <p:cNvCxnSpPr>
+            <a:cxnSpLocks/>
+            <a:endCxn id="24" idx="0"/>
+          </p:cNvCxnSpPr>
+          <p:nvPr/>
+        </p:nvCxnSpPr>
+        <p:spPr>
+          <a:xfrm flipH="1">
+            <a:off x="8313516" y="2983226"/>
+            <a:ext cx="764223" cy="0"/>
+          </a:xfrm>
+          <a:prstGeom prst="straightConnector1">
+            <a:avLst/>
+          </a:prstGeom>
+          <a:ln>
+            <a:tailEnd type="triangle"/>
+          </a:ln>
+        </p:spPr>
+        <p:style>
+          <a:lnRef idx="3">
+            <a:schemeClr val="accent2"/>
+          </a:lnRef>
+          <a:fillRef idx="0">
+            <a:schemeClr val="accent2"/>
+          </a:fillRef>
+          <a:effectRef idx="2">
+            <a:schemeClr val="accent2"/>
+          </a:effectRef>
+          <a:fontRef idx="minor">
+            <a:schemeClr val="tx1"/>
+          </a:fontRef>
+        </p:style>
+      </p:cxnSp>
+      <p:sp>
+        <p:nvSpPr>
+          <p:cNvPr id="52" name="Rechteck 51"/>
+          <p:cNvSpPr/>
+          <p:nvPr/>
+        </p:nvSpPr>
+        <p:spPr>
+          <a:xfrm>
+            <a:off x="9077739" y="2721616"/>
+            <a:ext cx="2265877" cy="523220"/>
+          </a:xfrm>
+          <a:prstGeom prst="rect">
+            <a:avLst/>
+          </a:prstGeom>
+          <a:noFill/>
+        </p:spPr>
+        <p:txBody>
+          <a:bodyPr wrap="none" lIns="91440" tIns="45720" rIns="91440" bIns="45720">
+            <a:spAutoFit/>
+          </a:bodyPr>
+          <a:lstStyle/>
+          <a:p>
+            <a:r>
+              <a:rPr lang="de-DE" sz="1400" dirty="0">
+                <a:ln w="0"/>
+                <a:effectLst>
+                  <a:outerShdw blurRad="38100" dist="38100" dir="2700000" algn="tl">
+                    <a:srgbClr val="000000">
+                      <a:alpha val="43137"/>
+                    </a:srgbClr>
+                  </a:outerShdw>
+                </a:effectLst>
+              </a:rPr>
+              <a:t>Beim Klick auf diesen Button</a:t>
+            </a:r>
+          </a:p>
+          <a:p>
+            <a:r>
+              <a:rPr lang="de-DE" sz="1400" dirty="0">
+                <a:ln w="0"/>
+                <a:effectLst>
+                  <a:outerShdw blurRad="38100" dist="38100" dir="2700000" algn="tl">
+                    <a:srgbClr val="000000">
+                      <a:alpha val="43137"/>
+                    </a:srgbClr>
+                  </a:outerShdw>
+                </a:effectLst>
+              </a:rPr>
+              <a:t> wird die Liste editierbar</a:t>
+            </a:r>
+            <a:endParaRPr lang="de-DE" sz="1400" b="0" cap="none" spc="0" dirty="0">
+              <a:ln w="0"/>
+              <a:solidFill>
+                <a:schemeClr val="tx1"/>
+              </a:solidFill>
+              <a:effectLst>
+                <a:outerShdw blurRad="38100" dist="38100" dir="2700000" algn="tl">
+                  <a:srgbClr val="000000">
+                    <a:alpha val="43137"/>
+                  </a:srgbClr>
+                </a:outerShdw>
+              </a:effectLst>
+            </a:endParaRPr>
+          </a:p>
+        </p:txBody>
+      </p:sp>
+      <p:cxnSp>
+        <p:nvCxnSpPr>
+          <p:cNvPr id="53" name="Gerade Verbindung mit Pfeil 52"/>
+          <p:cNvCxnSpPr>
+            <a:cxnSpLocks/>
+          </p:cNvCxnSpPr>
+          <p:nvPr/>
+        </p:nvCxnSpPr>
+        <p:spPr>
+          <a:xfrm flipH="1">
+            <a:off x="8695627" y="3730033"/>
+            <a:ext cx="764223" cy="0"/>
+          </a:xfrm>
+          <a:prstGeom prst="straightConnector1">
+            <a:avLst/>
+          </a:prstGeom>
+          <a:ln>
+            <a:tailEnd type="triangle"/>
+          </a:ln>
+        </p:spPr>
+        <p:style>
+          <a:lnRef idx="3">
+            <a:schemeClr val="accent2"/>
+          </a:lnRef>
+          <a:fillRef idx="0">
+            <a:schemeClr val="accent2"/>
+          </a:fillRef>
+          <a:effectRef idx="2">
+            <a:schemeClr val="accent2"/>
+          </a:effectRef>
+          <a:fontRef idx="minor">
+            <a:schemeClr val="tx1"/>
+          </a:fontRef>
+        </p:style>
+      </p:cxnSp>
+      <p:sp>
+        <p:nvSpPr>
+          <p:cNvPr id="54" name="Rechteck 53"/>
+          <p:cNvSpPr/>
+          <p:nvPr/>
+        </p:nvSpPr>
+        <p:spPr>
+          <a:xfrm>
+            <a:off x="9399015" y="3468423"/>
+            <a:ext cx="2533707" cy="954107"/>
+          </a:xfrm>
+          <a:prstGeom prst="rect">
+            <a:avLst/>
+          </a:prstGeom>
+          <a:noFill/>
+        </p:spPr>
+        <p:txBody>
+          <a:bodyPr wrap="none" lIns="91440" tIns="45720" rIns="91440" bIns="45720">
+            <a:spAutoFit/>
+          </a:bodyPr>
+          <a:lstStyle/>
+          <a:p>
+            <a:r>
+              <a:rPr lang="de-DE" sz="1400" dirty="0">
+                <a:ln w="0"/>
+                <a:effectLst>
+                  <a:outerShdw blurRad="38100" dist="19050" dir="2700000" algn="tl" rotWithShape="0">
+                    <a:schemeClr val="dk1">
+                      <a:alpha val="40000"/>
+                    </a:schemeClr>
+                  </a:outerShdw>
+                </a:effectLst>
+              </a:rPr>
+              <a:t>Beim Klick auf diesen Button</a:t>
+            </a:r>
+          </a:p>
+          <a:p>
+            <a:r>
+              <a:rPr lang="de-DE" sz="1400" dirty="0">
+                <a:ln w="0"/>
+                <a:effectLst>
+                  <a:outerShdw blurRad="38100" dist="19050" dir="2700000" algn="tl" rotWithShape="0">
+                    <a:schemeClr val="dk1">
+                      <a:alpha val="40000"/>
+                    </a:schemeClr>
+                  </a:outerShdw>
+                </a:effectLst>
+              </a:rPr>
+              <a:t> wird der Lieferant gelöscht und </a:t>
+            </a:r>
+          </a:p>
+          <a:p>
+            <a:r>
+              <a:rPr lang="de-DE" sz="1400" dirty="0">
+                <a:ln w="0"/>
+                <a:effectLst>
+                  <a:outerShdw blurRad="38100" dist="19050" dir="2700000" algn="tl" rotWithShape="0">
+                    <a:schemeClr val="dk1">
+                      <a:alpha val="40000"/>
+                    </a:schemeClr>
+                  </a:outerShdw>
+                </a:effectLst>
+              </a:rPr>
+              <a:t>der User in die Lieferanten-Liste </a:t>
+            </a:r>
+          </a:p>
+          <a:p>
+            <a:r>
+              <a:rPr lang="de-DE" sz="1400" dirty="0">
+                <a:ln w="0"/>
+                <a:effectLst>
+                  <a:outerShdw blurRad="38100" dist="19050" dir="2700000" algn="tl" rotWithShape="0">
+                    <a:schemeClr val="dk1">
+                      <a:alpha val="40000"/>
+                    </a:schemeClr>
+                  </a:outerShdw>
+                </a:effectLst>
+              </a:rPr>
+              <a:t>weitergeleitet</a:t>
+            </a:r>
+            <a:endParaRPr lang="de-DE" sz="1400" b="0" cap="none" spc="0" dirty="0">
+              <a:ln w="0"/>
+              <a:solidFill>
+                <a:schemeClr val="tx1"/>
+              </a:solidFill>
+              <a:effectLst>
+                <a:outerShdw blurRad="38100" dist="19050" dir="2700000" algn="tl" rotWithShape="0">
+                  <a:schemeClr val="dk1">
+                    <a:alpha val="40000"/>
+                  </a:schemeClr>
+                </a:outerShdw>
+              </a:effectLst>
+            </a:endParaRPr>
+          </a:p>
+        </p:txBody>
+      </p:sp>
+      <p:sp>
+        <p:nvSpPr>
+          <p:cNvPr id="55" name="Rechteck 54"/>
+          <p:cNvSpPr/>
+          <p:nvPr/>
+        </p:nvSpPr>
+        <p:spPr>
+          <a:xfrm>
+            <a:off x="127317" y="1505494"/>
+            <a:ext cx="1213658" cy="523220"/>
+          </a:xfrm>
+          <a:prstGeom prst="rect">
+            <a:avLst/>
+          </a:prstGeom>
+          <a:noFill/>
+        </p:spPr>
+        <p:txBody>
+          <a:bodyPr wrap="square" lIns="91440" tIns="45720" rIns="91440" bIns="45720">
+            <a:spAutoFit/>
+          </a:bodyPr>
+          <a:lstStyle/>
+          <a:p>
+            <a:pPr algn="ctr"/>
+            <a:r>
+              <a:rPr lang="de-DE" sz="1400" dirty="0">
+                <a:ln w="0"/>
+                <a:effectLst>
+                  <a:outerShdw blurRad="38100" dist="19050" dir="2700000" algn="tl" rotWithShape="0">
+                    <a:schemeClr val="dk1">
+                      <a:alpha val="40000"/>
+                    </a:schemeClr>
+                  </a:outerShdw>
+                </a:effectLst>
+              </a:rPr>
+              <a:t>Ticket hinzufügen</a:t>
+            </a:r>
+            <a:endParaRPr lang="de-DE" sz="1400" b="0" cap="none" spc="0" dirty="0">
+              <a:ln w="0"/>
+              <a:solidFill>
+                <a:schemeClr val="tx1"/>
+              </a:solidFill>
+              <a:effectLst>
+                <a:outerShdw blurRad="38100" dist="19050" dir="2700000" algn="tl" rotWithShape="0">
+                  <a:schemeClr val="dk1">
+                    <a:alpha val="40000"/>
+                  </a:schemeClr>
+                </a:outerShdw>
+              </a:effectLst>
+            </a:endParaRPr>
+          </a:p>
+        </p:txBody>
+      </p:sp>
+      <p:sp>
+        <p:nvSpPr>
+          <p:cNvPr id="56" name="Rechteck 55"/>
+          <p:cNvSpPr/>
+          <p:nvPr/>
+        </p:nvSpPr>
+        <p:spPr>
+          <a:xfrm>
+            <a:off x="127317" y="777552"/>
+            <a:ext cx="1213658" cy="523220"/>
+          </a:xfrm>
+          <a:prstGeom prst="rect">
+            <a:avLst/>
+          </a:prstGeom>
+          <a:noFill/>
+        </p:spPr>
+        <p:txBody>
+          <a:bodyPr wrap="square" lIns="91440" tIns="45720" rIns="91440" bIns="45720">
+            <a:spAutoFit/>
+          </a:bodyPr>
+          <a:lstStyle/>
+          <a:p>
+            <a:pPr algn="ctr"/>
+            <a:r>
+              <a:rPr lang="de-DE" sz="1400" dirty="0">
+                <a:ln w="0"/>
+                <a:effectLst>
+                  <a:outerShdw blurRad="38100" dist="19050" dir="2700000" algn="tl" rotWithShape="0">
+                    <a:schemeClr val="dk1">
+                      <a:alpha val="40000"/>
+                    </a:schemeClr>
+                  </a:outerShdw>
+                </a:effectLst>
+              </a:rPr>
+              <a:t>Ticket</a:t>
+            </a:r>
+          </a:p>
+          <a:p>
+            <a:pPr algn="ctr"/>
+            <a:r>
+              <a:rPr lang="de-DE" sz="1400" b="0" cap="none" spc="0" dirty="0">
+                <a:ln w="0"/>
+                <a:solidFill>
+                  <a:schemeClr val="tx1"/>
+                </a:solidFill>
+                <a:effectLst>
+                  <a:outerShdw blurRad="38100" dist="19050" dir="2700000" algn="tl" rotWithShape="0">
+                    <a:schemeClr val="dk1">
+                      <a:alpha val="40000"/>
+                    </a:schemeClr>
+                  </a:outerShdw>
+                </a:effectLst>
+              </a:rPr>
+              <a:t>Liste</a:t>
+            </a:r>
+          </a:p>
+        </p:txBody>
+      </p:sp>
+      <p:sp>
+        <p:nvSpPr>
+          <p:cNvPr id="57" name="Rechteck 56"/>
+          <p:cNvSpPr/>
+          <p:nvPr/>
+        </p:nvSpPr>
+        <p:spPr>
+          <a:xfrm>
+            <a:off x="1632246" y="718144"/>
+            <a:ext cx="4450501" cy="646331"/>
+          </a:xfrm>
+          <a:prstGeom prst="rect">
+            <a:avLst/>
+          </a:prstGeom>
+          <a:noFill/>
+        </p:spPr>
+        <p:txBody>
+          <a:bodyPr wrap="square" lIns="91440" tIns="45720" rIns="91440" bIns="45720">
+            <a:spAutoFit/>
+          </a:bodyPr>
+          <a:lstStyle/>
+          <a:p>
+            <a:r>
+              <a:rPr lang="de-DE" sz="3600" b="0" cap="none" spc="0" dirty="0">
+                <a:ln w="0"/>
+                <a:solidFill>
+                  <a:schemeClr val="tx1"/>
+                </a:solidFill>
+                <a:effectLst>
+                  <a:outerShdw blurRad="38100" dist="19050" dir="2700000" algn="tl" rotWithShape="0">
+                    <a:schemeClr val="dk1">
+                      <a:alpha val="40000"/>
+                    </a:schemeClr>
+                  </a:outerShdw>
+                </a:effectLst>
+              </a:rPr>
+              <a:t>Ticketverwaltung</a:t>
+            </a:r>
+          </a:p>
+        </p:txBody>
+      </p:sp>
+    </p:spTree>
+    <p:extLst>
+      <p:ext uri="{BB962C8B-B14F-4D97-AF65-F5344CB8AC3E}">
+        <p14:creationId xmlns:p14="http://schemas.microsoft.com/office/powerpoint/2010/main" val="421031377"/>
       </p:ext>
     </p:extLst>
   </p:cSld>
@@ -18309,6 +22767,1348 @@
     <p:extLst>
       <p:ext uri="{BB962C8B-B14F-4D97-AF65-F5344CB8AC3E}">
         <p14:creationId xmlns:p14="http://schemas.microsoft.com/office/powerpoint/2010/main" val="2037559820"/>
+      </p:ext>
+    </p:extLst>
+  </p:cSld>
+  <p:clrMapOvr>
+    <a:masterClrMapping/>
+  </p:clrMapOvr>
+</p:sld>
+</file>
+
+<file path=ppt/slides/slide20.xml><?xml version="1.0" encoding="utf-8"?>
+<p:sld xmlns:a="http://schemas.openxmlformats.org/drawingml/2006/main" xmlns:r="http://schemas.openxmlformats.org/officeDocument/2006/relationships" xmlns:p="http://schemas.openxmlformats.org/presentationml/2006/main">
+  <p:cSld>
+    <p:spTree>
+      <p:nvGrpSpPr>
+        <p:cNvPr id="1" name=""/>
+        <p:cNvGrpSpPr/>
+        <p:nvPr/>
+      </p:nvGrpSpPr>
+      <p:grpSpPr>
+        <a:xfrm>
+          <a:off x="0" y="0"/>
+          <a:ext cx="0" cy="0"/>
+          <a:chOff x="0" y="0"/>
+          <a:chExt cx="0" cy="0"/>
+        </a:xfrm>
+      </p:grpSpPr>
+      <p:sp>
+        <p:nvSpPr>
+          <p:cNvPr id="14" name="Rechteck 13"/>
+          <p:cNvSpPr/>
+          <p:nvPr/>
+        </p:nvSpPr>
+        <p:spPr>
+          <a:xfrm>
+            <a:off x="0" y="620785"/>
+            <a:ext cx="1484243" cy="5972962"/>
+          </a:xfrm>
+          <a:prstGeom prst="rect">
+            <a:avLst/>
+          </a:prstGeom>
+          <a:solidFill>
+            <a:srgbClr val="9ABEDF"/>
+          </a:solidFill>
+          <a:ln>
+            <a:solidFill>
+              <a:srgbClr val="9ABEDF"/>
+            </a:solidFill>
+          </a:ln>
+        </p:spPr>
+        <p:style>
+          <a:lnRef idx="2">
+            <a:schemeClr val="accent1">
+              <a:shade val="50000"/>
+            </a:schemeClr>
+          </a:lnRef>
+          <a:fillRef idx="1">
+            <a:schemeClr val="accent1"/>
+          </a:fillRef>
+          <a:effectRef idx="0">
+            <a:schemeClr val="accent1"/>
+          </a:effectRef>
+          <a:fontRef idx="minor">
+            <a:schemeClr val="lt1"/>
+          </a:fontRef>
+        </p:style>
+        <p:txBody>
+          <a:bodyPr rtlCol="0" anchor="ctr"/>
+          <a:lstStyle/>
+          <a:p>
+            <a:pPr algn="ctr"/>
+            <a:endParaRPr lang="de-DE"/>
+          </a:p>
+        </p:txBody>
+      </p:sp>
+      <p:sp>
+        <p:nvSpPr>
+          <p:cNvPr id="5" name="Rechteck 4"/>
+          <p:cNvSpPr/>
+          <p:nvPr/>
+        </p:nvSpPr>
+        <p:spPr>
+          <a:xfrm>
+            <a:off x="0" y="6593747"/>
+            <a:ext cx="12192000" cy="264253"/>
+          </a:xfrm>
+          <a:prstGeom prst="rect">
+            <a:avLst/>
+          </a:prstGeom>
+          <a:solidFill>
+            <a:srgbClr val="9ABEDF"/>
+          </a:solidFill>
+          <a:ln>
+            <a:solidFill>
+              <a:srgbClr val="9ABEDF"/>
+            </a:solidFill>
+          </a:ln>
+        </p:spPr>
+        <p:style>
+          <a:lnRef idx="2">
+            <a:schemeClr val="accent1">
+              <a:shade val="50000"/>
+            </a:schemeClr>
+          </a:lnRef>
+          <a:fillRef idx="1">
+            <a:schemeClr val="accent1"/>
+          </a:fillRef>
+          <a:effectRef idx="0">
+            <a:schemeClr val="accent1"/>
+          </a:effectRef>
+          <a:fontRef idx="minor">
+            <a:schemeClr val="lt1"/>
+          </a:fontRef>
+        </p:style>
+        <p:txBody>
+          <a:bodyPr rtlCol="0" anchor="ctr"/>
+          <a:lstStyle/>
+          <a:p>
+            <a:pPr algn="ctr"/>
+            <a:endParaRPr lang="de-DE"/>
+          </a:p>
+        </p:txBody>
+      </p:sp>
+      <p:sp>
+        <p:nvSpPr>
+          <p:cNvPr id="8" name="Rechteck 7"/>
+          <p:cNvSpPr/>
+          <p:nvPr/>
+        </p:nvSpPr>
+        <p:spPr>
+          <a:xfrm>
+            <a:off x="11232859" y="6629399"/>
+            <a:ext cx="864066" cy="192947"/>
+          </a:xfrm>
+          <a:prstGeom prst="rect">
+            <a:avLst/>
+          </a:prstGeom>
+        </p:spPr>
+        <p:style>
+          <a:lnRef idx="2">
+            <a:schemeClr val="dk1"/>
+          </a:lnRef>
+          <a:fillRef idx="1">
+            <a:schemeClr val="lt1"/>
+          </a:fillRef>
+          <a:effectRef idx="0">
+            <a:schemeClr val="dk1"/>
+          </a:effectRef>
+          <a:fontRef idx="minor">
+            <a:schemeClr val="dk1"/>
+          </a:fontRef>
+        </p:style>
+        <p:txBody>
+          <a:bodyPr rtlCol="0" anchor="ctr"/>
+          <a:lstStyle/>
+          <a:p>
+            <a:pPr algn="ctr"/>
+            <a:r>
+              <a:rPr lang="de-DE" dirty="0"/>
+              <a:t>Hilfe</a:t>
+            </a:r>
+          </a:p>
+        </p:txBody>
+      </p:sp>
+      <p:sp>
+        <p:nvSpPr>
+          <p:cNvPr id="9" name="Rechteck 8"/>
+          <p:cNvSpPr/>
+          <p:nvPr/>
+        </p:nvSpPr>
+        <p:spPr>
+          <a:xfrm>
+            <a:off x="9571839" y="6629399"/>
+            <a:ext cx="1560352" cy="192947"/>
+          </a:xfrm>
+          <a:prstGeom prst="rect">
+            <a:avLst/>
+          </a:prstGeom>
+        </p:spPr>
+        <p:style>
+          <a:lnRef idx="2">
+            <a:schemeClr val="dk1"/>
+          </a:lnRef>
+          <a:fillRef idx="1">
+            <a:schemeClr val="lt1"/>
+          </a:fillRef>
+          <a:effectRef idx="0">
+            <a:schemeClr val="dk1"/>
+          </a:effectRef>
+          <a:fontRef idx="minor">
+            <a:schemeClr val="dk1"/>
+          </a:fontRef>
+        </p:style>
+        <p:txBody>
+          <a:bodyPr rtlCol="0" anchor="ctr"/>
+          <a:lstStyle/>
+          <a:p>
+            <a:pPr algn="ctr"/>
+            <a:r>
+              <a:rPr lang="de-DE" dirty="0"/>
+              <a:t>Kontakt/Ticket</a:t>
+            </a:r>
+          </a:p>
+        </p:txBody>
+      </p:sp>
+      <p:sp>
+        <p:nvSpPr>
+          <p:cNvPr id="23" name="Rechteck 22"/>
+          <p:cNvSpPr/>
+          <p:nvPr/>
+        </p:nvSpPr>
+        <p:spPr>
+          <a:xfrm>
+            <a:off x="134224" y="6629399"/>
+            <a:ext cx="1498023" cy="192947"/>
+          </a:xfrm>
+          <a:prstGeom prst="rect">
+            <a:avLst/>
+          </a:prstGeom>
+        </p:spPr>
+        <p:style>
+          <a:lnRef idx="2">
+            <a:schemeClr val="dk1"/>
+          </a:lnRef>
+          <a:fillRef idx="1">
+            <a:schemeClr val="lt1"/>
+          </a:fillRef>
+          <a:effectRef idx="0">
+            <a:schemeClr val="dk1"/>
+          </a:effectRef>
+          <a:fontRef idx="minor">
+            <a:schemeClr val="dk1"/>
+          </a:fontRef>
+        </p:style>
+        <p:txBody>
+          <a:bodyPr rtlCol="0" anchor="ctr"/>
+          <a:lstStyle/>
+          <a:p>
+            <a:pPr algn="ctr"/>
+            <a:r>
+              <a:rPr lang="de-DE" sz="1400" dirty="0">
+                <a:solidFill>
+                  <a:schemeClr val="tx1"/>
+                </a:solidFill>
+              </a:rPr>
+              <a:t>Link zur Schul-HP</a:t>
+            </a:r>
+          </a:p>
+        </p:txBody>
+      </p:sp>
+      <p:pic>
+        <p:nvPicPr>
+          <p:cNvPr id="30" name="Grafik 29"/>
+          <p:cNvPicPr>
+            <a:picLocks noChangeAspect="1"/>
+          </p:cNvPicPr>
+          <p:nvPr/>
+        </p:nvPicPr>
+        <p:blipFill>
+          <a:blip r:embed="rId2">
+            <a:extLst>
+              <a:ext uri="{28A0092B-C50C-407E-A947-70E740481C1C}">
+                <a14:useLocalDpi xmlns:a14="http://schemas.microsoft.com/office/drawing/2010/main" val="0"/>
+              </a:ext>
+            </a:extLst>
+          </a:blip>
+          <a:stretch>
+            <a:fillRect/>
+          </a:stretch>
+        </p:blipFill>
+        <p:spPr>
+          <a:xfrm>
+            <a:off x="210281" y="63397"/>
+            <a:ext cx="1130694" cy="493394"/>
+          </a:xfrm>
+          <a:prstGeom prst="rect">
+            <a:avLst/>
+          </a:prstGeom>
+        </p:spPr>
+      </p:pic>
+      <p:sp>
+        <p:nvSpPr>
+          <p:cNvPr id="31" name="Rechteck 30"/>
+          <p:cNvSpPr/>
+          <p:nvPr/>
+        </p:nvSpPr>
+        <p:spPr>
+          <a:xfrm>
+            <a:off x="1484244" y="0"/>
+            <a:ext cx="10707756" cy="620785"/>
+          </a:xfrm>
+          <a:prstGeom prst="rect">
+            <a:avLst/>
+          </a:prstGeom>
+          <a:solidFill>
+            <a:srgbClr val="9ABEDF"/>
+          </a:solidFill>
+          <a:ln>
+            <a:solidFill>
+              <a:srgbClr val="9ABEDF"/>
+            </a:solidFill>
+          </a:ln>
+        </p:spPr>
+        <p:style>
+          <a:lnRef idx="2">
+            <a:schemeClr val="accent3"/>
+          </a:lnRef>
+          <a:fillRef idx="1">
+            <a:schemeClr val="lt1"/>
+          </a:fillRef>
+          <a:effectRef idx="0">
+            <a:schemeClr val="accent3"/>
+          </a:effectRef>
+          <a:fontRef idx="minor">
+            <a:schemeClr val="dk1"/>
+          </a:fontRef>
+        </p:style>
+        <p:txBody>
+          <a:bodyPr rtlCol="0" anchor="ctr"/>
+          <a:lstStyle/>
+          <a:p>
+            <a:pPr algn="ctr"/>
+            <a:endParaRPr lang="de-DE"/>
+          </a:p>
+        </p:txBody>
+      </p:sp>
+      <p:sp>
+        <p:nvSpPr>
+          <p:cNvPr id="36" name="Rechteck 35"/>
+          <p:cNvSpPr/>
+          <p:nvPr/>
+        </p:nvSpPr>
+        <p:spPr>
+          <a:xfrm>
+            <a:off x="3061252" y="2317415"/>
+            <a:ext cx="4055165" cy="357809"/>
+          </a:xfrm>
+          <a:prstGeom prst="rect">
+            <a:avLst/>
+          </a:prstGeom>
+          <a:ln>
+            <a:solidFill>
+              <a:schemeClr val="tx1"/>
+            </a:solidFill>
+          </a:ln>
+        </p:spPr>
+        <p:style>
+          <a:lnRef idx="2">
+            <a:schemeClr val="accent6"/>
+          </a:lnRef>
+          <a:fillRef idx="1">
+            <a:schemeClr val="lt1"/>
+          </a:fillRef>
+          <a:effectRef idx="0">
+            <a:schemeClr val="accent6"/>
+          </a:effectRef>
+          <a:fontRef idx="minor">
+            <a:schemeClr val="dk1"/>
+          </a:fontRef>
+        </p:style>
+        <p:txBody>
+          <a:bodyPr rtlCol="0" anchor="ctr"/>
+          <a:lstStyle/>
+          <a:p>
+            <a:pPr algn="ctr"/>
+            <a:endParaRPr lang="de-DE"/>
+          </a:p>
+        </p:txBody>
+      </p:sp>
+      <p:sp>
+        <p:nvSpPr>
+          <p:cNvPr id="37" name="Rechteck 36"/>
+          <p:cNvSpPr/>
+          <p:nvPr/>
+        </p:nvSpPr>
+        <p:spPr>
+          <a:xfrm>
+            <a:off x="3061252" y="3340442"/>
+            <a:ext cx="4055165" cy="1293023"/>
+          </a:xfrm>
+          <a:prstGeom prst="rect">
+            <a:avLst/>
+          </a:prstGeom>
+          <a:ln>
+            <a:solidFill>
+              <a:schemeClr val="tx1"/>
+            </a:solidFill>
+          </a:ln>
+        </p:spPr>
+        <p:style>
+          <a:lnRef idx="2">
+            <a:schemeClr val="accent6"/>
+          </a:lnRef>
+          <a:fillRef idx="1">
+            <a:schemeClr val="lt1"/>
+          </a:fillRef>
+          <a:effectRef idx="0">
+            <a:schemeClr val="accent6"/>
+          </a:effectRef>
+          <a:fontRef idx="minor">
+            <a:schemeClr val="dk1"/>
+          </a:fontRef>
+        </p:style>
+        <p:txBody>
+          <a:bodyPr rtlCol="0" anchor="ctr"/>
+          <a:lstStyle/>
+          <a:p>
+            <a:pPr algn="ctr"/>
+            <a:endParaRPr lang="de-DE" dirty="0"/>
+          </a:p>
+        </p:txBody>
+      </p:sp>
+      <p:sp>
+        <p:nvSpPr>
+          <p:cNvPr id="38" name="Rechteck 37"/>
+          <p:cNvSpPr/>
+          <p:nvPr/>
+        </p:nvSpPr>
+        <p:spPr>
+          <a:xfrm>
+            <a:off x="3061252" y="1767104"/>
+            <a:ext cx="3358955" cy="523220"/>
+          </a:xfrm>
+          <a:prstGeom prst="rect">
+            <a:avLst/>
+          </a:prstGeom>
+          <a:noFill/>
+        </p:spPr>
+        <p:txBody>
+          <a:bodyPr wrap="square" lIns="91440" tIns="45720" rIns="91440" bIns="45720">
+            <a:spAutoFit/>
+          </a:bodyPr>
+          <a:lstStyle/>
+          <a:p>
+            <a:r>
+              <a:rPr lang="de-DE" sz="2800" dirty="0">
+                <a:ln w="0"/>
+                <a:effectLst>
+                  <a:outerShdw blurRad="38100" dist="19050" dir="2700000" algn="tl" rotWithShape="0">
+                    <a:schemeClr val="dk1">
+                      <a:alpha val="40000"/>
+                    </a:schemeClr>
+                  </a:outerShdw>
+                </a:effectLst>
+              </a:rPr>
+              <a:t>Ticketbezeichnung</a:t>
+            </a:r>
+            <a:endParaRPr lang="de-DE" sz="2800" b="0" cap="none" spc="0" dirty="0">
+              <a:ln w="0"/>
+              <a:solidFill>
+                <a:schemeClr val="tx1"/>
+              </a:solidFill>
+              <a:effectLst>
+                <a:outerShdw blurRad="38100" dist="19050" dir="2700000" algn="tl" rotWithShape="0">
+                  <a:schemeClr val="dk1">
+                    <a:alpha val="40000"/>
+                  </a:schemeClr>
+                </a:outerShdw>
+              </a:effectLst>
+            </a:endParaRPr>
+          </a:p>
+        </p:txBody>
+      </p:sp>
+      <p:sp>
+        <p:nvSpPr>
+          <p:cNvPr id="39" name="Rechteck 38"/>
+          <p:cNvSpPr/>
+          <p:nvPr/>
+        </p:nvSpPr>
+        <p:spPr>
+          <a:xfrm>
+            <a:off x="3061251" y="2828166"/>
+            <a:ext cx="3358955" cy="523220"/>
+          </a:xfrm>
+          <a:prstGeom prst="rect">
+            <a:avLst/>
+          </a:prstGeom>
+          <a:noFill/>
+        </p:spPr>
+        <p:txBody>
+          <a:bodyPr wrap="square" lIns="91440" tIns="45720" rIns="91440" bIns="45720">
+            <a:spAutoFit/>
+          </a:bodyPr>
+          <a:lstStyle/>
+          <a:p>
+            <a:r>
+              <a:rPr lang="de-DE" sz="2800" dirty="0">
+                <a:ln w="0"/>
+                <a:effectLst>
+                  <a:outerShdw blurRad="38100" dist="19050" dir="2700000" algn="tl" rotWithShape="0">
+                    <a:schemeClr val="dk1">
+                      <a:alpha val="40000"/>
+                    </a:schemeClr>
+                  </a:outerShdw>
+                </a:effectLst>
+              </a:rPr>
+              <a:t>Notiz</a:t>
+            </a:r>
+            <a:endParaRPr lang="de-DE" sz="2800" b="0" cap="none" spc="0" dirty="0">
+              <a:ln w="0"/>
+              <a:solidFill>
+                <a:schemeClr val="tx1"/>
+              </a:solidFill>
+              <a:effectLst>
+                <a:outerShdw blurRad="38100" dist="19050" dir="2700000" algn="tl" rotWithShape="0">
+                  <a:schemeClr val="dk1">
+                    <a:alpha val="40000"/>
+                  </a:schemeClr>
+                </a:outerShdw>
+              </a:effectLst>
+            </a:endParaRPr>
+          </a:p>
+        </p:txBody>
+      </p:sp>
+      <p:sp>
+        <p:nvSpPr>
+          <p:cNvPr id="44" name="Rechteck 43"/>
+          <p:cNvSpPr/>
+          <p:nvPr/>
+        </p:nvSpPr>
+        <p:spPr>
+          <a:xfrm>
+            <a:off x="5777949" y="4924208"/>
+            <a:ext cx="1338468" cy="371061"/>
+          </a:xfrm>
+          <a:prstGeom prst="rect">
+            <a:avLst/>
+          </a:prstGeom>
+          <a:solidFill>
+            <a:srgbClr val="9ABEDF"/>
+          </a:solidFill>
+        </p:spPr>
+        <p:style>
+          <a:lnRef idx="2">
+            <a:schemeClr val="accent1">
+              <a:shade val="50000"/>
+            </a:schemeClr>
+          </a:lnRef>
+          <a:fillRef idx="1">
+            <a:schemeClr val="accent1"/>
+          </a:fillRef>
+          <a:effectRef idx="0">
+            <a:schemeClr val="accent1"/>
+          </a:effectRef>
+          <a:fontRef idx="minor">
+            <a:schemeClr val="lt1"/>
+          </a:fontRef>
+        </p:style>
+        <p:txBody>
+          <a:bodyPr rtlCol="0" anchor="ctr"/>
+          <a:lstStyle/>
+          <a:p>
+            <a:pPr algn="ctr"/>
+            <a:r>
+              <a:rPr lang="de-DE" dirty="0">
+                <a:solidFill>
+                  <a:schemeClr val="tx1"/>
+                </a:solidFill>
+              </a:rPr>
+              <a:t>Erstellen</a:t>
+            </a:r>
+          </a:p>
+        </p:txBody>
+      </p:sp>
+      <p:sp>
+        <p:nvSpPr>
+          <p:cNvPr id="45" name="Rechteck 44"/>
+          <p:cNvSpPr/>
+          <p:nvPr/>
+        </p:nvSpPr>
+        <p:spPr>
+          <a:xfrm>
+            <a:off x="3061252" y="4924209"/>
+            <a:ext cx="1470992" cy="371061"/>
+          </a:xfrm>
+          <a:prstGeom prst="rect">
+            <a:avLst/>
+          </a:prstGeom>
+          <a:solidFill>
+            <a:srgbClr val="9ABEDF"/>
+          </a:solidFill>
+        </p:spPr>
+        <p:style>
+          <a:lnRef idx="2">
+            <a:schemeClr val="accent1">
+              <a:shade val="50000"/>
+            </a:schemeClr>
+          </a:lnRef>
+          <a:fillRef idx="1">
+            <a:schemeClr val="accent1"/>
+          </a:fillRef>
+          <a:effectRef idx="0">
+            <a:schemeClr val="accent1"/>
+          </a:effectRef>
+          <a:fontRef idx="minor">
+            <a:schemeClr val="lt1"/>
+          </a:fontRef>
+        </p:style>
+        <p:txBody>
+          <a:bodyPr rtlCol="0" anchor="ctr"/>
+          <a:lstStyle/>
+          <a:p>
+            <a:pPr algn="ctr"/>
+            <a:r>
+              <a:rPr lang="de-DE" dirty="0">
+                <a:solidFill>
+                  <a:schemeClr val="tx1"/>
+                </a:solidFill>
+              </a:rPr>
+              <a:t>Zurücksetzen</a:t>
+            </a:r>
+          </a:p>
+        </p:txBody>
+      </p:sp>
+      <p:sp>
+        <p:nvSpPr>
+          <p:cNvPr id="47" name="Rechteck 46"/>
+          <p:cNvSpPr/>
+          <p:nvPr/>
+        </p:nvSpPr>
+        <p:spPr>
+          <a:xfrm>
+            <a:off x="1906270" y="1255654"/>
+            <a:ext cx="2334425" cy="400110"/>
+          </a:xfrm>
+          <a:prstGeom prst="rect">
+            <a:avLst/>
+          </a:prstGeom>
+          <a:noFill/>
+        </p:spPr>
+        <p:txBody>
+          <a:bodyPr wrap="square" lIns="91440" tIns="45720" rIns="91440" bIns="45720">
+            <a:spAutoFit/>
+          </a:bodyPr>
+          <a:lstStyle/>
+          <a:p>
+            <a:r>
+              <a:rPr lang="de-DE" sz="2000" dirty="0">
+                <a:ln w="0"/>
+                <a:effectLst>
+                  <a:outerShdw blurRad="38100" dist="19050" dir="2700000" algn="tl" rotWithShape="0">
+                    <a:schemeClr val="dk1">
+                      <a:alpha val="40000"/>
+                    </a:schemeClr>
+                  </a:outerShdw>
+                </a:effectLst>
+              </a:rPr>
+              <a:t>Ticket hinzufügen</a:t>
+            </a:r>
+            <a:endParaRPr lang="de-DE" sz="2000" b="0" cap="none" spc="0" dirty="0">
+              <a:ln w="0"/>
+              <a:solidFill>
+                <a:schemeClr val="tx1"/>
+              </a:solidFill>
+              <a:effectLst>
+                <a:outerShdw blurRad="38100" dist="19050" dir="2700000" algn="tl" rotWithShape="0">
+                  <a:schemeClr val="dk1">
+                    <a:alpha val="40000"/>
+                  </a:schemeClr>
+                </a:outerShdw>
+              </a:effectLst>
+            </a:endParaRPr>
+          </a:p>
+        </p:txBody>
+      </p:sp>
+      <p:sp>
+        <p:nvSpPr>
+          <p:cNvPr id="19" name="Rechteck 18"/>
+          <p:cNvSpPr/>
+          <p:nvPr/>
+        </p:nvSpPr>
+        <p:spPr>
+          <a:xfrm>
+            <a:off x="11006983" y="135272"/>
+            <a:ext cx="1089942" cy="335560"/>
+          </a:xfrm>
+          <a:prstGeom prst="rect">
+            <a:avLst/>
+          </a:prstGeom>
+          <a:ln>
+            <a:solidFill>
+              <a:schemeClr val="tx1"/>
+            </a:solidFill>
+          </a:ln>
+        </p:spPr>
+        <p:style>
+          <a:lnRef idx="2">
+            <a:schemeClr val="dk1"/>
+          </a:lnRef>
+          <a:fillRef idx="1">
+            <a:schemeClr val="lt1"/>
+          </a:fillRef>
+          <a:effectRef idx="0">
+            <a:schemeClr val="dk1"/>
+          </a:effectRef>
+          <a:fontRef idx="minor">
+            <a:schemeClr val="dk1"/>
+          </a:fontRef>
+        </p:style>
+        <p:txBody>
+          <a:bodyPr rtlCol="0" anchor="ctr"/>
+          <a:lstStyle/>
+          <a:p>
+            <a:pPr algn="ctr"/>
+            <a:r>
+              <a:rPr lang="de-DE" dirty="0"/>
+              <a:t>Logout</a:t>
+            </a:r>
+          </a:p>
+        </p:txBody>
+      </p:sp>
+      <p:sp>
+        <p:nvSpPr>
+          <p:cNvPr id="20" name="Rechteck 19"/>
+          <p:cNvSpPr/>
+          <p:nvPr/>
+        </p:nvSpPr>
+        <p:spPr>
+          <a:xfrm>
+            <a:off x="2295203" y="142612"/>
+            <a:ext cx="8249570" cy="335559"/>
+          </a:xfrm>
+          <a:prstGeom prst="rect">
+            <a:avLst/>
+          </a:prstGeom>
+          <a:ln>
+            <a:solidFill>
+              <a:schemeClr val="tx1"/>
+            </a:solidFill>
+          </a:ln>
+        </p:spPr>
+        <p:style>
+          <a:lnRef idx="2">
+            <a:schemeClr val="accent3"/>
+          </a:lnRef>
+          <a:fillRef idx="1">
+            <a:schemeClr val="lt1"/>
+          </a:fillRef>
+          <a:effectRef idx="0">
+            <a:schemeClr val="accent3"/>
+          </a:effectRef>
+          <a:fontRef idx="minor">
+            <a:schemeClr val="dk1"/>
+          </a:fontRef>
+        </p:style>
+        <p:txBody>
+          <a:bodyPr rtlCol="0" anchor="ctr"/>
+          <a:lstStyle/>
+          <a:p>
+            <a:pPr algn="ctr"/>
+            <a:r>
+              <a:rPr lang="de-DE" dirty="0"/>
+              <a:t>Menü</a:t>
+            </a:r>
+          </a:p>
+        </p:txBody>
+      </p:sp>
+      <p:cxnSp>
+        <p:nvCxnSpPr>
+          <p:cNvPr id="21" name="Gerade Verbindung mit Pfeil 20"/>
+          <p:cNvCxnSpPr>
+            <a:cxnSpLocks/>
+          </p:cNvCxnSpPr>
+          <p:nvPr/>
+        </p:nvCxnSpPr>
+        <p:spPr>
+          <a:xfrm flipH="1" flipV="1">
+            <a:off x="6758610" y="2504661"/>
+            <a:ext cx="649355" cy="4572"/>
+          </a:xfrm>
+          <a:prstGeom prst="straightConnector1">
+            <a:avLst/>
+          </a:prstGeom>
+          <a:ln>
+            <a:tailEnd type="triangle"/>
+          </a:ln>
+        </p:spPr>
+        <p:style>
+          <a:lnRef idx="3">
+            <a:schemeClr val="accent2"/>
+          </a:lnRef>
+          <a:fillRef idx="0">
+            <a:schemeClr val="accent2"/>
+          </a:fillRef>
+          <a:effectRef idx="2">
+            <a:schemeClr val="accent2"/>
+          </a:effectRef>
+          <a:fontRef idx="minor">
+            <a:schemeClr val="tx1"/>
+          </a:fontRef>
+        </p:style>
+      </p:cxnSp>
+      <p:sp>
+        <p:nvSpPr>
+          <p:cNvPr id="22" name="Rechteck 21"/>
+          <p:cNvSpPr/>
+          <p:nvPr/>
+        </p:nvSpPr>
+        <p:spPr>
+          <a:xfrm>
+            <a:off x="7407965" y="2233889"/>
+            <a:ext cx="3230693" cy="523220"/>
+          </a:xfrm>
+          <a:prstGeom prst="rect">
+            <a:avLst/>
+          </a:prstGeom>
+          <a:noFill/>
+        </p:spPr>
+        <p:txBody>
+          <a:bodyPr wrap="none" lIns="91440" tIns="45720" rIns="91440" bIns="45720">
+            <a:spAutoFit/>
+          </a:bodyPr>
+          <a:lstStyle/>
+          <a:p>
+            <a:r>
+              <a:rPr lang="de-DE" sz="1400" b="0" cap="none" spc="0" dirty="0">
+                <a:ln w="0"/>
+                <a:solidFill>
+                  <a:schemeClr val="tx1"/>
+                </a:solidFill>
+                <a:effectLst>
+                  <a:outerShdw blurRad="38100" dist="19050" dir="2700000" algn="tl" rotWithShape="0">
+                    <a:schemeClr val="dk1">
+                      <a:alpha val="40000"/>
+                    </a:schemeClr>
+                  </a:outerShdw>
+                </a:effectLst>
+              </a:rPr>
+              <a:t>Hier muss der User die Ticketbezeichnung</a:t>
+            </a:r>
+          </a:p>
+          <a:p>
+            <a:r>
+              <a:rPr lang="de-DE" sz="1400" dirty="0">
+                <a:ln w="0"/>
+                <a:effectLst>
+                  <a:outerShdw blurRad="38100" dist="19050" dir="2700000" algn="tl" rotWithShape="0">
+                    <a:schemeClr val="dk1">
+                      <a:alpha val="40000"/>
+                    </a:schemeClr>
+                  </a:outerShdw>
+                </a:effectLst>
+              </a:rPr>
+              <a:t>des neuen Tickets </a:t>
+            </a:r>
+            <a:r>
+              <a:rPr lang="de-DE" sz="1400" b="0" cap="none" spc="0" dirty="0">
+                <a:ln w="0"/>
+                <a:solidFill>
+                  <a:schemeClr val="tx1"/>
+                </a:solidFill>
+                <a:effectLst>
+                  <a:outerShdw blurRad="38100" dist="19050" dir="2700000" algn="tl" rotWithShape="0">
+                    <a:schemeClr val="dk1">
+                      <a:alpha val="40000"/>
+                    </a:schemeClr>
+                  </a:outerShdw>
+                </a:effectLst>
+              </a:rPr>
+              <a:t>eintragen</a:t>
+            </a:r>
+          </a:p>
+        </p:txBody>
+      </p:sp>
+      <p:sp>
+        <p:nvSpPr>
+          <p:cNvPr id="24" name="Rechteck 23"/>
+          <p:cNvSpPr/>
+          <p:nvPr/>
+        </p:nvSpPr>
+        <p:spPr>
+          <a:xfrm>
+            <a:off x="6838122" y="1622055"/>
+            <a:ext cx="4366516" cy="307777"/>
+          </a:xfrm>
+          <a:prstGeom prst="rect">
+            <a:avLst/>
+          </a:prstGeom>
+          <a:noFill/>
+        </p:spPr>
+        <p:txBody>
+          <a:bodyPr wrap="none" lIns="91440" tIns="45720" rIns="91440" bIns="45720">
+            <a:spAutoFit/>
+          </a:bodyPr>
+          <a:lstStyle/>
+          <a:p>
+            <a:r>
+              <a:rPr lang="de-DE" sz="1400" b="0" cap="none" spc="0" dirty="0">
+                <a:ln w="0"/>
+                <a:solidFill>
+                  <a:schemeClr val="tx1"/>
+                </a:solidFill>
+                <a:effectLst>
+                  <a:outerShdw blurRad="38100" dist="38100" dir="2700000" algn="tl">
+                    <a:srgbClr val="000000">
+                      <a:alpha val="43137"/>
+                    </a:srgbClr>
+                  </a:outerShdw>
+                </a:effectLst>
+              </a:rPr>
+              <a:t>Dies ist nur ein Beispiel an Informationen, weitere folgen.</a:t>
+            </a:r>
+          </a:p>
+        </p:txBody>
+      </p:sp>
+      <p:cxnSp>
+        <p:nvCxnSpPr>
+          <p:cNvPr id="26" name="Gerade Verbindung mit Pfeil 25"/>
+          <p:cNvCxnSpPr>
+            <a:cxnSpLocks/>
+            <a:stCxn id="24" idx="1"/>
+          </p:cNvCxnSpPr>
+          <p:nvPr/>
+        </p:nvCxnSpPr>
+        <p:spPr>
+          <a:xfrm flipH="1">
+            <a:off x="6420204" y="1775944"/>
+            <a:ext cx="417918" cy="457945"/>
+          </a:xfrm>
+          <a:prstGeom prst="straightConnector1">
+            <a:avLst/>
+          </a:prstGeom>
+          <a:ln>
+            <a:tailEnd type="triangle"/>
+          </a:ln>
+        </p:spPr>
+        <p:style>
+          <a:lnRef idx="3">
+            <a:schemeClr val="accent2"/>
+          </a:lnRef>
+          <a:fillRef idx="0">
+            <a:schemeClr val="accent2"/>
+          </a:fillRef>
+          <a:effectRef idx="2">
+            <a:schemeClr val="accent2"/>
+          </a:effectRef>
+          <a:fontRef idx="minor">
+            <a:schemeClr val="tx1"/>
+          </a:fontRef>
+        </p:style>
+      </p:cxnSp>
+      <p:cxnSp>
+        <p:nvCxnSpPr>
+          <p:cNvPr id="27" name="Gerade Verbindung mit Pfeil 26"/>
+          <p:cNvCxnSpPr>
+            <a:cxnSpLocks/>
+          </p:cNvCxnSpPr>
+          <p:nvPr/>
+        </p:nvCxnSpPr>
+        <p:spPr>
+          <a:xfrm flipH="1" flipV="1">
+            <a:off x="6758610" y="3982863"/>
+            <a:ext cx="649355" cy="4572"/>
+          </a:xfrm>
+          <a:prstGeom prst="straightConnector1">
+            <a:avLst/>
+          </a:prstGeom>
+          <a:ln>
+            <a:tailEnd type="triangle"/>
+          </a:ln>
+        </p:spPr>
+        <p:style>
+          <a:lnRef idx="3">
+            <a:schemeClr val="accent2"/>
+          </a:lnRef>
+          <a:fillRef idx="0">
+            <a:schemeClr val="accent2"/>
+          </a:fillRef>
+          <a:effectRef idx="2">
+            <a:schemeClr val="accent2"/>
+          </a:effectRef>
+          <a:fontRef idx="minor">
+            <a:schemeClr val="tx1"/>
+          </a:fontRef>
+        </p:style>
+      </p:cxnSp>
+      <p:sp>
+        <p:nvSpPr>
+          <p:cNvPr id="32" name="Rechteck 31"/>
+          <p:cNvSpPr/>
+          <p:nvPr/>
+        </p:nvSpPr>
+        <p:spPr>
+          <a:xfrm>
+            <a:off x="7407965" y="3712091"/>
+            <a:ext cx="2306337" cy="523220"/>
+          </a:xfrm>
+          <a:prstGeom prst="rect">
+            <a:avLst/>
+          </a:prstGeom>
+          <a:noFill/>
+        </p:spPr>
+        <p:txBody>
+          <a:bodyPr wrap="none" lIns="91440" tIns="45720" rIns="91440" bIns="45720">
+            <a:spAutoFit/>
+          </a:bodyPr>
+          <a:lstStyle/>
+          <a:p>
+            <a:r>
+              <a:rPr lang="de-DE" sz="1400" b="0" cap="none" spc="0" dirty="0">
+                <a:ln w="0"/>
+                <a:solidFill>
+                  <a:schemeClr val="tx1"/>
+                </a:solidFill>
+                <a:effectLst>
+                  <a:outerShdw blurRad="38100" dist="19050" dir="2700000" algn="tl" rotWithShape="0">
+                    <a:schemeClr val="dk1">
+                      <a:alpha val="40000"/>
+                    </a:schemeClr>
+                  </a:outerShdw>
+                </a:effectLst>
+              </a:rPr>
+              <a:t>Hier muss der User Notizen </a:t>
+            </a:r>
+          </a:p>
+          <a:p>
+            <a:r>
+              <a:rPr lang="de-DE" sz="1400" b="0" cap="none" spc="0" dirty="0">
+                <a:ln w="0"/>
+                <a:solidFill>
+                  <a:schemeClr val="tx1"/>
+                </a:solidFill>
+                <a:effectLst>
+                  <a:outerShdw blurRad="38100" dist="19050" dir="2700000" algn="tl" rotWithShape="0">
+                    <a:schemeClr val="dk1">
+                      <a:alpha val="40000"/>
+                    </a:schemeClr>
+                  </a:outerShdw>
+                </a:effectLst>
+              </a:rPr>
+              <a:t>für das neue Ticket eintragen</a:t>
+            </a:r>
+          </a:p>
+        </p:txBody>
+      </p:sp>
+      <p:cxnSp>
+        <p:nvCxnSpPr>
+          <p:cNvPr id="33" name="Gerade Verbindung mit Pfeil 32"/>
+          <p:cNvCxnSpPr>
+            <a:cxnSpLocks/>
+          </p:cNvCxnSpPr>
+          <p:nvPr/>
+        </p:nvCxnSpPr>
+        <p:spPr>
+          <a:xfrm flipV="1">
+            <a:off x="2451652" y="5295270"/>
+            <a:ext cx="609599" cy="522434"/>
+          </a:xfrm>
+          <a:prstGeom prst="straightConnector1">
+            <a:avLst/>
+          </a:prstGeom>
+          <a:ln>
+            <a:tailEnd type="triangle"/>
+          </a:ln>
+        </p:spPr>
+        <p:style>
+          <a:lnRef idx="3">
+            <a:schemeClr val="accent2"/>
+          </a:lnRef>
+          <a:fillRef idx="0">
+            <a:schemeClr val="accent2"/>
+          </a:fillRef>
+          <a:effectRef idx="2">
+            <a:schemeClr val="accent2"/>
+          </a:effectRef>
+          <a:fontRef idx="minor">
+            <a:schemeClr val="tx1"/>
+          </a:fontRef>
+        </p:style>
+      </p:cxnSp>
+      <p:sp>
+        <p:nvSpPr>
+          <p:cNvPr id="34" name="Rechteck 33"/>
+          <p:cNvSpPr/>
+          <p:nvPr/>
+        </p:nvSpPr>
+        <p:spPr>
+          <a:xfrm>
+            <a:off x="383131" y="5448126"/>
+            <a:ext cx="2462534" cy="738664"/>
+          </a:xfrm>
+          <a:prstGeom prst="rect">
+            <a:avLst/>
+          </a:prstGeom>
+          <a:noFill/>
+        </p:spPr>
+        <p:txBody>
+          <a:bodyPr wrap="square" lIns="91440" tIns="45720" rIns="91440" bIns="45720">
+            <a:spAutoFit/>
+          </a:bodyPr>
+          <a:lstStyle/>
+          <a:p>
+            <a:r>
+              <a:rPr lang="de-DE" sz="1400" b="0" cap="none" spc="0" dirty="0">
+                <a:ln w="0"/>
+                <a:solidFill>
+                  <a:schemeClr val="tx1"/>
+                </a:solidFill>
+                <a:effectLst>
+                  <a:outerShdw blurRad="38100" dist="38100" dir="2700000" algn="tl">
+                    <a:srgbClr val="000000">
+                      <a:alpha val="43137"/>
+                    </a:srgbClr>
+                  </a:outerShdw>
+                </a:effectLst>
+              </a:rPr>
+              <a:t>Beim Klick auf diesen Button werden die eingetragenen Informationen gelöscht</a:t>
+            </a:r>
+          </a:p>
+        </p:txBody>
+      </p:sp>
+      <p:cxnSp>
+        <p:nvCxnSpPr>
+          <p:cNvPr id="35" name="Gerade Verbindung mit Pfeil 34"/>
+          <p:cNvCxnSpPr>
+            <a:cxnSpLocks/>
+            <a:endCxn id="44" idx="3"/>
+          </p:cNvCxnSpPr>
+          <p:nvPr/>
+        </p:nvCxnSpPr>
+        <p:spPr>
+          <a:xfrm flipH="1" flipV="1">
+            <a:off x="7116417" y="5109739"/>
+            <a:ext cx="775252" cy="425496"/>
+          </a:xfrm>
+          <a:prstGeom prst="straightConnector1">
+            <a:avLst/>
+          </a:prstGeom>
+          <a:ln>
+            <a:tailEnd type="triangle"/>
+          </a:ln>
+        </p:spPr>
+        <p:style>
+          <a:lnRef idx="3">
+            <a:schemeClr val="accent2"/>
+          </a:lnRef>
+          <a:fillRef idx="0">
+            <a:schemeClr val="accent2"/>
+          </a:fillRef>
+          <a:effectRef idx="2">
+            <a:schemeClr val="accent2"/>
+          </a:effectRef>
+          <a:fontRef idx="minor">
+            <a:schemeClr val="tx1"/>
+          </a:fontRef>
+        </p:style>
+      </p:cxnSp>
+      <p:sp>
+        <p:nvSpPr>
+          <p:cNvPr id="40" name="Rechteck 39"/>
+          <p:cNvSpPr/>
+          <p:nvPr/>
+        </p:nvSpPr>
+        <p:spPr>
+          <a:xfrm>
+            <a:off x="7891667" y="5368431"/>
+            <a:ext cx="2462534" cy="738664"/>
+          </a:xfrm>
+          <a:prstGeom prst="rect">
+            <a:avLst/>
+          </a:prstGeom>
+          <a:noFill/>
+        </p:spPr>
+        <p:txBody>
+          <a:bodyPr wrap="square" lIns="91440" tIns="45720" rIns="91440" bIns="45720">
+            <a:spAutoFit/>
+          </a:bodyPr>
+          <a:lstStyle/>
+          <a:p>
+            <a:r>
+              <a:rPr lang="de-DE" sz="1400" b="0" cap="none" spc="0" dirty="0">
+                <a:ln w="0"/>
+                <a:solidFill>
+                  <a:schemeClr val="tx1"/>
+                </a:solidFill>
+                <a:effectLst>
+                  <a:outerShdw blurRad="38100" dist="38100" dir="2700000" algn="tl">
+                    <a:srgbClr val="000000">
+                      <a:alpha val="43137"/>
+                    </a:srgbClr>
+                  </a:outerShdw>
+                </a:effectLst>
+              </a:rPr>
+              <a:t>Beim Klick auf diesen Button wird das neue Ticket in der Datenbank angelegt</a:t>
+            </a:r>
+          </a:p>
+        </p:txBody>
+      </p:sp>
+      <p:sp>
+        <p:nvSpPr>
+          <p:cNvPr id="41" name="Rechteck 40"/>
+          <p:cNvSpPr/>
+          <p:nvPr/>
+        </p:nvSpPr>
+        <p:spPr>
+          <a:xfrm>
+            <a:off x="1632246" y="718144"/>
+            <a:ext cx="4450501" cy="646331"/>
+          </a:xfrm>
+          <a:prstGeom prst="rect">
+            <a:avLst/>
+          </a:prstGeom>
+          <a:noFill/>
+        </p:spPr>
+        <p:txBody>
+          <a:bodyPr wrap="square" lIns="91440" tIns="45720" rIns="91440" bIns="45720">
+            <a:spAutoFit/>
+          </a:bodyPr>
+          <a:lstStyle/>
+          <a:p>
+            <a:r>
+              <a:rPr lang="de-DE" sz="3600" b="0" cap="none" spc="0" dirty="0">
+                <a:ln w="0"/>
+                <a:solidFill>
+                  <a:schemeClr val="tx1"/>
+                </a:solidFill>
+                <a:effectLst>
+                  <a:outerShdw blurRad="38100" dist="19050" dir="2700000" algn="tl" rotWithShape="0">
+                    <a:schemeClr val="dk1">
+                      <a:alpha val="40000"/>
+                    </a:schemeClr>
+                  </a:outerShdw>
+                </a:effectLst>
+              </a:rPr>
+              <a:t>Ticketverwaltung</a:t>
+            </a:r>
+          </a:p>
+        </p:txBody>
+      </p:sp>
+      <p:sp>
+        <p:nvSpPr>
+          <p:cNvPr id="42" name="Rechteck 41"/>
+          <p:cNvSpPr/>
+          <p:nvPr/>
+        </p:nvSpPr>
+        <p:spPr>
+          <a:xfrm>
+            <a:off x="127317" y="1505494"/>
+            <a:ext cx="1213658" cy="523220"/>
+          </a:xfrm>
+          <a:prstGeom prst="rect">
+            <a:avLst/>
+          </a:prstGeom>
+          <a:noFill/>
+        </p:spPr>
+        <p:txBody>
+          <a:bodyPr wrap="square" lIns="91440" tIns="45720" rIns="91440" bIns="45720">
+            <a:spAutoFit/>
+          </a:bodyPr>
+          <a:lstStyle/>
+          <a:p>
+            <a:pPr algn="ctr"/>
+            <a:r>
+              <a:rPr lang="de-DE" sz="1400" dirty="0">
+                <a:ln w="0"/>
+                <a:effectLst>
+                  <a:outerShdw blurRad="38100" dist="19050" dir="2700000" algn="tl" rotWithShape="0">
+                    <a:schemeClr val="dk1">
+                      <a:alpha val="40000"/>
+                    </a:schemeClr>
+                  </a:outerShdw>
+                </a:effectLst>
+              </a:rPr>
+              <a:t>Ticket hinzufügen</a:t>
+            </a:r>
+            <a:endParaRPr lang="de-DE" sz="1400" b="0" cap="none" spc="0" dirty="0">
+              <a:ln w="0"/>
+              <a:solidFill>
+                <a:schemeClr val="tx1"/>
+              </a:solidFill>
+              <a:effectLst>
+                <a:outerShdw blurRad="38100" dist="19050" dir="2700000" algn="tl" rotWithShape="0">
+                  <a:schemeClr val="dk1">
+                    <a:alpha val="40000"/>
+                  </a:schemeClr>
+                </a:outerShdw>
+              </a:effectLst>
+            </a:endParaRPr>
+          </a:p>
+        </p:txBody>
+      </p:sp>
+      <p:sp>
+        <p:nvSpPr>
+          <p:cNvPr id="43" name="Rechteck 42"/>
+          <p:cNvSpPr/>
+          <p:nvPr/>
+        </p:nvSpPr>
+        <p:spPr>
+          <a:xfrm>
+            <a:off x="127317" y="777552"/>
+            <a:ext cx="1213658" cy="523220"/>
+          </a:xfrm>
+          <a:prstGeom prst="rect">
+            <a:avLst/>
+          </a:prstGeom>
+          <a:noFill/>
+        </p:spPr>
+        <p:txBody>
+          <a:bodyPr wrap="square" lIns="91440" tIns="45720" rIns="91440" bIns="45720">
+            <a:spAutoFit/>
+          </a:bodyPr>
+          <a:lstStyle/>
+          <a:p>
+            <a:pPr algn="ctr"/>
+            <a:r>
+              <a:rPr lang="de-DE" sz="1400" dirty="0">
+                <a:ln w="0"/>
+                <a:effectLst>
+                  <a:outerShdw blurRad="38100" dist="19050" dir="2700000" algn="tl" rotWithShape="0">
+                    <a:schemeClr val="dk1">
+                      <a:alpha val="40000"/>
+                    </a:schemeClr>
+                  </a:outerShdw>
+                </a:effectLst>
+              </a:rPr>
+              <a:t>Ticket</a:t>
+            </a:r>
+          </a:p>
+          <a:p>
+            <a:pPr algn="ctr"/>
+            <a:r>
+              <a:rPr lang="de-DE" sz="1400" b="0" cap="none" spc="0" dirty="0">
+                <a:ln w="0"/>
+                <a:solidFill>
+                  <a:schemeClr val="tx1"/>
+                </a:solidFill>
+                <a:effectLst>
+                  <a:outerShdw blurRad="38100" dist="19050" dir="2700000" algn="tl" rotWithShape="0">
+                    <a:schemeClr val="dk1">
+                      <a:alpha val="40000"/>
+                    </a:schemeClr>
+                  </a:outerShdw>
+                </a:effectLst>
+              </a:rPr>
+              <a:t>Liste</a:t>
+            </a:r>
+          </a:p>
+        </p:txBody>
+      </p:sp>
+    </p:spTree>
+    <p:extLst>
+      <p:ext uri="{BB962C8B-B14F-4D97-AF65-F5344CB8AC3E}">
+        <p14:creationId xmlns:p14="http://schemas.microsoft.com/office/powerpoint/2010/main" val="3852840094"/>
       </p:ext>
     </p:extLst>
   </p:cSld>

--- a/layout/Layout.pptx
+++ b/layout/Layout.pptx
@@ -29165,6 +29165,124 @@
           </a:p>
         </p:txBody>
       </p:sp>
+      <p:sp>
+        <p:nvSpPr>
+          <p:cNvPr id="59" name="Rechteck 58"/>
+          <p:cNvSpPr/>
+          <p:nvPr/>
+        </p:nvSpPr>
+        <p:spPr>
+          <a:xfrm>
+            <a:off x="8873089" y="5345667"/>
+            <a:ext cx="1671684" cy="233439"/>
+          </a:xfrm>
+          <a:prstGeom prst="rect">
+            <a:avLst/>
+          </a:prstGeom>
+        </p:spPr>
+        <p:style>
+          <a:lnRef idx="2">
+            <a:schemeClr val="dk1"/>
+          </a:lnRef>
+          <a:fillRef idx="1">
+            <a:schemeClr val="lt1"/>
+          </a:fillRef>
+          <a:effectRef idx="0">
+            <a:schemeClr val="dk1"/>
+          </a:effectRef>
+          <a:fontRef idx="minor">
+            <a:schemeClr val="dk1"/>
+          </a:fontRef>
+        </p:style>
+        <p:txBody>
+          <a:bodyPr rtlCol="0" anchor="ctr"/>
+          <a:lstStyle/>
+          <a:p>
+            <a:pPr algn="ctr"/>
+            <a:r>
+              <a:rPr lang="de-DE" dirty="0"/>
+              <a:t>Ticket schließen</a:t>
+            </a:r>
+          </a:p>
+        </p:txBody>
+      </p:sp>
+      <p:cxnSp>
+        <p:nvCxnSpPr>
+          <p:cNvPr id="3" name="Gerade Verbindung mit Pfeil 2"/>
+          <p:cNvCxnSpPr>
+            <a:endCxn id="59" idx="2"/>
+          </p:cNvCxnSpPr>
+          <p:nvPr/>
+        </p:nvCxnSpPr>
+        <p:spPr>
+          <a:xfrm flipV="1">
+            <a:off x="9686260" y="5579106"/>
+            <a:ext cx="22671" cy="360268"/>
+          </a:xfrm>
+          <a:prstGeom prst="straightConnector1">
+            <a:avLst/>
+          </a:prstGeom>
+          <a:ln>
+            <a:tailEnd type="triangle"/>
+          </a:ln>
+        </p:spPr>
+        <p:style>
+          <a:lnRef idx="3">
+            <a:schemeClr val="accent2"/>
+          </a:lnRef>
+          <a:fillRef idx="0">
+            <a:schemeClr val="accent2"/>
+          </a:fillRef>
+          <a:effectRef idx="2">
+            <a:schemeClr val="accent2"/>
+          </a:effectRef>
+          <a:fontRef idx="minor">
+            <a:schemeClr val="tx1"/>
+          </a:fontRef>
+        </p:style>
+      </p:cxnSp>
+      <p:sp>
+        <p:nvSpPr>
+          <p:cNvPr id="4" name="Rechteck 3"/>
+          <p:cNvSpPr/>
+          <p:nvPr/>
+        </p:nvSpPr>
+        <p:spPr>
+          <a:xfrm>
+            <a:off x="8237900" y="5894312"/>
+            <a:ext cx="2417265" cy="307777"/>
+          </a:xfrm>
+          <a:prstGeom prst="rect">
+            <a:avLst/>
+          </a:prstGeom>
+          <a:noFill/>
+        </p:spPr>
+        <p:txBody>
+          <a:bodyPr wrap="none" lIns="91440" tIns="45720" rIns="91440" bIns="45720">
+            <a:spAutoFit/>
+          </a:bodyPr>
+          <a:lstStyle/>
+          <a:p>
+            <a:pPr algn="ctr"/>
+            <a:r>
+              <a:rPr lang="de-DE" sz="1400" b="0" cap="none" spc="0" dirty="0">
+                <a:ln w="0"/>
+                <a:solidFill>
+                  <a:schemeClr val="tx1"/>
+                </a:solidFill>
+                <a:effectLst>
+                  <a:outerShdw blurRad="38100" dist="38100" dir="2700000" algn="tl">
+                    <a:srgbClr val="000000">
+                      <a:alpha val="43137"/>
+                    </a:srgbClr>
+                  </a:outerShdw>
+                </a:effectLst>
+              </a:rPr>
+              <a:t>Nur vom Bearbeiter benutzbar</a:t>
+            </a:r>
+          </a:p>
+        </p:txBody>
+      </p:sp>
     </p:spTree>
     <p:extLst>
       <p:ext uri="{BB962C8B-B14F-4D97-AF65-F5344CB8AC3E}">
